--- a/figures/thesis_renderer.pptx
+++ b/figures/thesis_renderer.pptx
@@ -5,7 +5,7 @@
     <p:sldMasterId id="2147483648" r:id="rId1"/>
   </p:sldMasterIdLst>
   <p:sldIdLst>
-    <p:sldId id="256" r:id="rId2"/>
+    <p:sldId id="264" r:id="rId2"/>
     <p:sldId id="257" r:id="rId3"/>
     <p:sldId id="261" r:id="rId4"/>
     <p:sldId id="260" r:id="rId5"/>
@@ -111,6 +111,11 @@
       </a:defRPr>
     </a:lvl9pPr>
   </p:defaultTextStyle>
+  <p:extLst>
+    <p:ext uri="{EFAFB233-063F-42B5-8137-9DF3F51BA10A}">
+      <p15:sldGuideLst xmlns:p15="http://schemas.microsoft.com/office/powerpoint/2012/main"/>
+    </p:ext>
+  </p:extLst>
 </p:presentation>
 </file>
 
@@ -245,7 +250,7 @@
           <a:p>
             <a:fld id="{6F5C24B8-440A-4F45-9B94-260AF1757692}" type="datetimeFigureOut">
               <a:rPr lang="en-GB" smtClean="0"/>
-              <a:t>17/02/2021</a:t>
+              <a:t>23/02/2021</a:t>
             </a:fld>
             <a:endParaRPr lang="en-GB" dirty="0"/>
           </a:p>
@@ -415,7 +420,7 @@
           <a:p>
             <a:fld id="{6F5C24B8-440A-4F45-9B94-260AF1757692}" type="datetimeFigureOut">
               <a:rPr lang="en-GB" smtClean="0"/>
-              <a:t>17/02/2021</a:t>
+              <a:t>23/02/2021</a:t>
             </a:fld>
             <a:endParaRPr lang="en-GB" dirty="0"/>
           </a:p>
@@ -595,7 +600,7 @@
           <a:p>
             <a:fld id="{6F5C24B8-440A-4F45-9B94-260AF1757692}" type="datetimeFigureOut">
               <a:rPr lang="en-GB" smtClean="0"/>
-              <a:t>17/02/2021</a:t>
+              <a:t>23/02/2021</a:t>
             </a:fld>
             <a:endParaRPr lang="en-GB" dirty="0"/>
           </a:p>
@@ -765,7 +770,7 @@
           <a:p>
             <a:fld id="{6F5C24B8-440A-4F45-9B94-260AF1757692}" type="datetimeFigureOut">
               <a:rPr lang="en-GB" smtClean="0"/>
-              <a:t>17/02/2021</a:t>
+              <a:t>23/02/2021</a:t>
             </a:fld>
             <a:endParaRPr lang="en-GB" dirty="0"/>
           </a:p>
@@ -1011,7 +1016,7 @@
           <a:p>
             <a:fld id="{6F5C24B8-440A-4F45-9B94-260AF1757692}" type="datetimeFigureOut">
               <a:rPr lang="en-GB" smtClean="0"/>
-              <a:t>17/02/2021</a:t>
+              <a:t>23/02/2021</a:t>
             </a:fld>
             <a:endParaRPr lang="en-GB" dirty="0"/>
           </a:p>
@@ -1243,7 +1248,7 @@
           <a:p>
             <a:fld id="{6F5C24B8-440A-4F45-9B94-260AF1757692}" type="datetimeFigureOut">
               <a:rPr lang="en-GB" smtClean="0"/>
-              <a:t>17/02/2021</a:t>
+              <a:t>23/02/2021</a:t>
             </a:fld>
             <a:endParaRPr lang="en-GB" dirty="0"/>
           </a:p>
@@ -1610,7 +1615,7 @@
           <a:p>
             <a:fld id="{6F5C24B8-440A-4F45-9B94-260AF1757692}" type="datetimeFigureOut">
               <a:rPr lang="en-GB" smtClean="0"/>
-              <a:t>17/02/2021</a:t>
+              <a:t>23/02/2021</a:t>
             </a:fld>
             <a:endParaRPr lang="en-GB" dirty="0"/>
           </a:p>
@@ -1728,7 +1733,7 @@
           <a:p>
             <a:fld id="{6F5C24B8-440A-4F45-9B94-260AF1757692}" type="datetimeFigureOut">
               <a:rPr lang="en-GB" smtClean="0"/>
-              <a:t>17/02/2021</a:t>
+              <a:t>23/02/2021</a:t>
             </a:fld>
             <a:endParaRPr lang="en-GB" dirty="0"/>
           </a:p>
@@ -1823,7 +1828,7 @@
           <a:p>
             <a:fld id="{6F5C24B8-440A-4F45-9B94-260AF1757692}" type="datetimeFigureOut">
               <a:rPr lang="en-GB" smtClean="0"/>
-              <a:t>17/02/2021</a:t>
+              <a:t>23/02/2021</a:t>
             </a:fld>
             <a:endParaRPr lang="en-GB" dirty="0"/>
           </a:p>
@@ -2100,7 +2105,7 @@
           <a:p>
             <a:fld id="{6F5C24B8-440A-4F45-9B94-260AF1757692}" type="datetimeFigureOut">
               <a:rPr lang="en-GB" smtClean="0"/>
-              <a:t>17/02/2021</a:t>
+              <a:t>23/02/2021</a:t>
             </a:fld>
             <a:endParaRPr lang="en-GB" dirty="0"/>
           </a:p>
@@ -2353,7 +2358,7 @@
           <a:p>
             <a:fld id="{6F5C24B8-440A-4F45-9B94-260AF1757692}" type="datetimeFigureOut">
               <a:rPr lang="en-GB" smtClean="0"/>
-              <a:t>17/02/2021</a:t>
+              <a:t>23/02/2021</a:t>
             </a:fld>
             <a:endParaRPr lang="en-GB" dirty="0"/>
           </a:p>
@@ -2566,7 +2571,7 @@
           <a:p>
             <a:fld id="{6F5C24B8-440A-4F45-9B94-260AF1757692}" type="datetimeFigureOut">
               <a:rPr lang="en-GB" smtClean="0"/>
-              <a:t>17/02/2021</a:t>
+              <a:t>23/02/2021</a:t>
             </a:fld>
             <a:endParaRPr lang="en-GB" dirty="0"/>
           </a:p>
@@ -2980,28 +2985,28 @@
           <p:nvPr>
             <p:extLst>
               <p:ext uri="{D42A27DB-BD31-4B8C-83A1-F6EECF244321}">
-                <p14:modId xmlns:p14="http://schemas.microsoft.com/office/powerpoint/2010/main" val="2056410215"/>
+                <p14:modId xmlns:p14="http://schemas.microsoft.com/office/powerpoint/2010/main" val="733264434"/>
               </p:ext>
             </p:extLst>
           </p:nvPr>
         </p:nvGraphicFramePr>
         <p:xfrm>
-          <a:off x="0" y="0"/>
-          <a:ext cx="11330948" cy="6737524"/>
+          <a:off x="2" y="10"/>
+          <a:ext cx="7797486" cy="7264784"/>
         </p:xfrm>
         <a:graphic>
           <a:graphicData uri="http://schemas.openxmlformats.org/drawingml/2006/table">
             <a:tbl>
-              <a:tblPr firstRow="1" firstCol="1" lastRow="1">
-                <a:tableStyleId>{616DA210-FB5B-4158-B5E0-FEB733F419BA}</a:tableStyleId>
+              <a:tblPr firstRow="1" lastRow="1">
+                <a:tableStyleId>{9D7B26C5-4107-4FEC-AEDC-1716B250A1EF}</a:tableStyleId>
               </a:tblPr>
               <a:tblGrid>
-                <a:gridCol w="987552"/>
-                <a:gridCol w="1563624"/>
-                <a:gridCol w="6444466"/>
-                <a:gridCol w="2335306"/>
+                <a:gridCol w="914398"/>
+                <a:gridCol w="1573427"/>
+                <a:gridCol w="3728955"/>
+                <a:gridCol w="1580706"/>
               </a:tblGrid>
-              <a:tr h="288324">
+              <a:tr h="223904">
                 <a:tc>
                   <a:txBody>
                     <a:bodyPr/>
@@ -3023,7 +3028,9 @@
                       </a:endParaRPr>
                     </a:p>
                   </a:txBody>
-                  <a:tcPr marL="0" marR="0" marT="0" marB="0" anchor="b"/>
+                  <a:tcPr marL="0" marR="0" marT="0" marB="0">
+                    <a:noFill/>
+                  </a:tcPr>
                 </a:tc>
                 <a:tc>
                   <a:txBody>
@@ -3043,23 +3050,41 @@
                         </a:rPr>
                         <a:t>description</a:t>
                       </a:r>
-                      <a:endParaRPr lang="en-GB" sz="1400" b="0" i="0" u="none" strike="noStrike" noProof="0" dirty="0">
-                        <a:solidFill>
-                          <a:srgbClr val="000000"/>
-                        </a:solidFill>
-                        <a:effectLst/>
-                        <a:latin typeface="Calibri" panose="020F0502020204030204" pitchFamily="34" charset="0"/>
-                      </a:endParaRPr>
-                    </a:p>
-                  </a:txBody>
-                  <a:tcPr marL="0" marR="0" marT="0" marB="0" anchor="b"/>
-                </a:tc>
-                <a:tc>
-                  <a:txBody>
-                    <a:bodyPr/>
-                    <a:lstStyle/>
-                    <a:p>
-                      <a:pPr algn="l" fontAlgn="b"/>
+                      <a:endParaRPr lang="de-DE" sz="1400" b="1" i="0" u="none" strike="noStrike" dirty="0">
+                        <a:solidFill>
+                          <a:srgbClr val="000000"/>
+                        </a:solidFill>
+                        <a:effectLst/>
+                        <a:latin typeface="Calibri" panose="020F0502020204030204" pitchFamily="34" charset="0"/>
+                      </a:endParaRPr>
+                    </a:p>
+                  </a:txBody>
+                  <a:tcPr marL="0" marR="0" marT="0" marB="0">
+                    <a:noFill/>
+                  </a:tcPr>
+                </a:tc>
+                <a:tc>
+                  <a:txBody>
+                    <a:bodyPr/>
+                    <a:lstStyle/>
+                    <a:p>
+                      <a:pPr marL="0" marR="0" lvl="0" indent="0" algn="l" defTabSz="914400" rtl="0" eaLnBrk="1" fontAlgn="b" latinLnBrk="0" hangingPunct="1">
+                        <a:lnSpc>
+                          <a:spcPct val="100000"/>
+                        </a:lnSpc>
+                        <a:spcBef>
+                          <a:spcPts val="0"/>
+                        </a:spcBef>
+                        <a:spcAft>
+                          <a:spcPts val="0"/>
+                        </a:spcAft>
+                        <a:buClrTx/>
+                        <a:buSzTx/>
+                        <a:buFontTx/>
+                        <a:buNone/>
+                        <a:tabLst/>
+                        <a:defRPr/>
+                      </a:pPr>
                       <a:r>
                         <a:rPr lang="de-DE" sz="1400" u="none" strike="noStrike" dirty="0" err="1" smtClean="0">
                           <a:effectLst/>
@@ -3067,16 +3092,123 @@
                         <a:t>Professional‘s</a:t>
                       </a:r>
                       <a:r>
-                        <a:rPr lang="de-DE" sz="1400" u="none" strike="noStrike" dirty="0" smtClean="0">
+                        <a:rPr lang="de-DE" sz="1400" u="none" strike="noStrike" baseline="0" dirty="0" smtClean="0">
                           <a:effectLst/>
                         </a:rPr>
                         <a:t> </a:t>
                       </a:r>
                       <a:r>
+                        <a:rPr lang="de-DE" sz="1400" u="none" strike="noStrike" baseline="0" dirty="0" err="1" smtClean="0">
+                          <a:effectLst/>
+                        </a:rPr>
+                        <a:t>description</a:t>
+                      </a:r>
+                      <a:endParaRPr lang="de-DE" sz="1400" b="1" i="0" u="none" strike="noStrike" dirty="0">
+                        <a:solidFill>
+                          <a:srgbClr val="000000"/>
+                        </a:solidFill>
+                        <a:effectLst/>
+                        <a:latin typeface="Calibri" panose="020F0502020204030204" pitchFamily="34" charset="0"/>
+                      </a:endParaRPr>
+                    </a:p>
+                  </a:txBody>
+                  <a:tcPr marL="0" marR="0" marT="0" marB="0">
+                    <a:lnR w="12700" cap="flat" cmpd="sng" algn="ctr">
+                      <a:noFill/>
+                      <a:prstDash val="solid"/>
+                      <a:round/>
+                      <a:headEnd type="none" w="med" len="med"/>
+                      <a:tailEnd type="none" w="med" len="med"/>
+                    </a:lnR>
+                    <a:noFill/>
+                  </a:tcPr>
+                </a:tc>
+                <a:tc>
+                  <a:txBody>
+                    <a:bodyPr/>
+                    <a:lstStyle/>
+                    <a:p>
+                      <a:pPr algn="l" fontAlgn="b"/>
+                      <a:r>
+                        <a:rPr lang="de-DE" sz="1400" u="none" strike="noStrike" dirty="0" smtClean="0">
+                          <a:effectLst/>
+                        </a:rPr>
+                        <a:t>#</a:t>
+                      </a:r>
+                      <a:r>
+                        <a:rPr lang="de-DE" sz="1400" u="none" strike="noStrike" baseline="0" dirty="0" smtClean="0">
+                          <a:effectLst/>
+                        </a:rPr>
+                        <a:t>of sub-tasks/Task</a:t>
+                      </a:r>
+                      <a:endParaRPr lang="de-DE" sz="1400" b="0" i="0" u="none" strike="noStrike" dirty="0">
+                        <a:solidFill>
+                          <a:srgbClr val="000000"/>
+                        </a:solidFill>
+                        <a:effectLst/>
+                        <a:latin typeface="Calibri" panose="020F0502020204030204" pitchFamily="34" charset="0"/>
+                      </a:endParaRPr>
+                    </a:p>
+                  </a:txBody>
+                  <a:tcPr marL="0" marR="0" marT="0" marB="0">
+                    <a:lnL w="12700" cap="flat" cmpd="sng" algn="ctr">
+                      <a:noFill/>
+                      <a:prstDash val="solid"/>
+                      <a:round/>
+                      <a:headEnd type="none" w="med" len="med"/>
+                      <a:tailEnd type="none" w="med" len="med"/>
+                    </a:lnL>
+                    <a:noFill/>
+                  </a:tcPr>
+                </a:tc>
+              </a:tr>
+              <a:tr h="223904">
+                <a:tc>
+                  <a:txBody>
+                    <a:bodyPr/>
+                    <a:lstStyle/>
+                    <a:p>
+                      <a:pPr algn="l" fontAlgn="b"/>
+                      <a:r>
+                        <a:rPr lang="de-DE" sz="1400" b="1" i="0" u="none" strike="noStrike" dirty="0" smtClean="0">
+                          <a:solidFill>
+                            <a:srgbClr val="000000"/>
+                          </a:solidFill>
+                          <a:effectLst/>
+                          <a:latin typeface="Calibri" panose="020F0502020204030204" pitchFamily="34" charset="0"/>
+                        </a:rPr>
+                        <a:t>push</a:t>
+                      </a:r>
+                      <a:endParaRPr lang="de-DE" sz="1400" b="1" i="0" u="none" strike="noStrike" dirty="0">
+                        <a:solidFill>
+                          <a:srgbClr val="000000"/>
+                        </a:solidFill>
+                        <a:effectLst/>
+                        <a:latin typeface="Calibri" panose="020F0502020204030204" pitchFamily="34" charset="0"/>
+                      </a:endParaRPr>
+                    </a:p>
+                  </a:txBody>
+                  <a:tcPr marL="0" marR="0" marT="0" marB="0">
+                    <a:noFill/>
+                  </a:tcPr>
+                </a:tc>
+                <a:tc>
+                  <a:txBody>
+                    <a:bodyPr/>
+                    <a:lstStyle/>
+                    <a:p>
+                      <a:pPr algn="l" fontAlgn="b"/>
+                      <a:r>
+                        <a:rPr lang="de-DE" sz="1400" u="none" strike="noStrike" dirty="0" smtClean="0">
+                          <a:effectLst/>
+                        </a:rPr>
+                        <a:t>Push box on </a:t>
+                      </a:r>
+                      <a:r>
                         <a:rPr lang="de-DE" sz="1400" u="none" strike="noStrike" dirty="0" err="1" smtClean="0">
                           <a:effectLst/>
                         </a:rPr>
-                        <a:t>comment</a:t>
+                        <a:t>table</a:t>
                       </a:r>
                       <a:endParaRPr lang="de-DE" sz="1400" b="0" i="0" u="none" strike="noStrike" dirty="0">
                         <a:solidFill>
@@ -3087,102 +3219,37 @@
                       </a:endParaRPr>
                     </a:p>
                   </a:txBody>
-                  <a:tcPr marL="0" marR="0" marT="0" marB="0" anchor="b"/>
-                </a:tc>
-                <a:tc>
-                  <a:txBody>
-                    <a:bodyPr/>
-                    <a:lstStyle/>
-                    <a:p>
-                      <a:pPr algn="l" fontAlgn="b"/>
-                      <a:r>
-                        <a:rPr lang="de-DE" sz="1400" u="none" strike="noStrike" dirty="0" err="1" smtClean="0">
-                          <a:effectLst/>
-                        </a:rPr>
-                        <a:t>Amount</a:t>
-                      </a:r>
-                      <a:r>
-                        <a:rPr lang="de-DE" sz="1400" u="none" strike="noStrike" baseline="0" dirty="0" smtClean="0">
-                          <a:effectLst/>
-                        </a:rPr>
-                        <a:t> of sub-tasks per Task</a:t>
-                      </a:r>
-                      <a:endParaRPr lang="de-DE" sz="1400" b="0" i="0" u="none" strike="noStrike" dirty="0">
-                        <a:solidFill>
-                          <a:srgbClr val="000000"/>
-                        </a:solidFill>
-                        <a:effectLst/>
-                        <a:latin typeface="Calibri" panose="020F0502020204030204" pitchFamily="34" charset="0"/>
-                      </a:endParaRPr>
-                    </a:p>
-                  </a:txBody>
-                  <a:tcPr marL="0" marR="0" marT="0" marB="0" anchor="b"/>
-                </a:tc>
-              </a:tr>
-              <a:tr h="488916">
-                <a:tc>
-                  <a:txBody>
-                    <a:bodyPr/>
-                    <a:lstStyle/>
-                    <a:p>
-                      <a:pPr algn="l" fontAlgn="b"/>
-                      <a:r>
-                        <a:rPr lang="de-DE" sz="1400" u="none" strike="noStrike" dirty="0">
-                          <a:effectLst/>
-                        </a:rPr>
-                        <a:t>pull</a:t>
-                      </a:r>
-                      <a:endParaRPr lang="de-DE" sz="1400" b="0" i="0" u="none" strike="noStrike" dirty="0">
-                        <a:solidFill>
-                          <a:srgbClr val="000000"/>
-                        </a:solidFill>
-                        <a:effectLst/>
-                        <a:latin typeface="Calibri" panose="020F0502020204030204" pitchFamily="34" charset="0"/>
-                      </a:endParaRPr>
-                    </a:p>
-                  </a:txBody>
-                  <a:tcPr marL="0" marR="0" marT="0" marB="0" anchor="b"/>
-                </a:tc>
-                <a:tc>
-                  <a:txBody>
-                    <a:bodyPr/>
-                    <a:lstStyle/>
-                    <a:p>
-                      <a:pPr algn="l" fontAlgn="b"/>
-                      <a:r>
-                        <a:rPr lang="de-DE" sz="1400" u="none" strike="noStrike" dirty="0">
-                          <a:effectLst/>
-                        </a:rPr>
-                        <a:t>pull box on </a:t>
-                      </a:r>
-                      <a:r>
-                        <a:rPr lang="de-DE" sz="1400" u="none" strike="noStrike" dirty="0" err="1">
-                          <a:effectLst/>
-                        </a:rPr>
-                        <a:t>table</a:t>
-                      </a:r>
-                      <a:endParaRPr lang="de-DE" sz="1400" b="0" i="0" u="none" strike="noStrike" dirty="0">
-                        <a:solidFill>
-                          <a:srgbClr val="000000"/>
-                        </a:solidFill>
-                        <a:effectLst/>
-                        <a:latin typeface="Calibri" panose="020F0502020204030204" pitchFamily="34" charset="0"/>
-                      </a:endParaRPr>
-                    </a:p>
-                  </a:txBody>
-                  <a:tcPr marL="0" marR="0" marT="0" marB="0" anchor="b"/>
-                </a:tc>
-                <a:tc>
-                  <a:txBody>
-                    <a:bodyPr/>
-                    <a:lstStyle/>
-                    <a:p>
-                      <a:pPr algn="l" fontAlgn="b"/>
+                  <a:tcPr marL="0" marR="0" marT="0" marB="0">
+                    <a:noFill/>
+                  </a:tcPr>
+                </a:tc>
+                <a:tc>
+                  <a:txBody>
+                    <a:bodyPr/>
+                    <a:lstStyle/>
+                    <a:p>
+                      <a:pPr marL="0" marR="0" lvl="0" indent="0" algn="l" defTabSz="914400" rtl="0" eaLnBrk="1" fontAlgn="b" latinLnBrk="0" hangingPunct="1">
+                        <a:lnSpc>
+                          <a:spcPct val="100000"/>
+                        </a:lnSpc>
+                        <a:spcBef>
+                          <a:spcPts val="0"/>
+                        </a:spcBef>
+                        <a:spcAft>
+                          <a:spcPts val="0"/>
+                        </a:spcAft>
+                        <a:buClrTx/>
+                        <a:buSzTx/>
+                        <a:buFontTx/>
+                        <a:buNone/>
+                        <a:tabLst/>
+                        <a:defRPr/>
+                      </a:pPr>
                       <a:r>
                         <a:rPr lang="en-GB" sz="1400" u="none" strike="noStrike" noProof="0" dirty="0" smtClean="0">
                           <a:effectLst/>
                         </a:rPr>
-                        <a:t>Lunge, feet hip wide, chest out, straight back, lean forward, bend</a:t>
+                        <a:t>Lunge, feet hip wide, chest out, shoulders back, straight back, lean forward, bend</a:t>
                       </a:r>
                       <a:r>
                         <a:rPr lang="en-GB" sz="1400" u="none" strike="noStrike" baseline="0" noProof="0" dirty="0" smtClean="0">
@@ -3194,7 +3261,7 @@
                         <a:rPr lang="en-GB" sz="1400" u="none" strike="noStrike" noProof="0" dirty="0" smtClean="0">
                           <a:effectLst/>
                         </a:rPr>
-                        <a:t>, extend your arms, pressure on front leg, pull box by</a:t>
+                        <a:t>, extend your arms, pressure on front leg, push box by</a:t>
                       </a:r>
                       <a:r>
                         <a:rPr lang="en-GB" sz="1400" u="none" strike="noStrike" baseline="0" noProof="0" dirty="0" smtClean="0">
@@ -3202,1923 +3269,48 @@
                         </a:rPr>
                         <a:t> activating back muscles</a:t>
                       </a:r>
-                      <a:endParaRPr lang="en-GB" sz="1400" b="0" i="0" u="none" strike="noStrike" noProof="0" dirty="0">
-                        <a:solidFill>
-                          <a:srgbClr val="000000"/>
-                        </a:solidFill>
-                        <a:effectLst/>
-                        <a:latin typeface="Calibri" panose="020F0502020204030204" pitchFamily="34" charset="0"/>
-                      </a:endParaRPr>
-                    </a:p>
-                  </a:txBody>
-                  <a:tcPr marL="0" marR="0" marT="0" marB="0" anchor="b"/>
-                </a:tc>
-                <a:tc>
-                  <a:txBody>
-                    <a:bodyPr/>
-                    <a:lstStyle/>
-                    <a:p>
-                      <a:pPr algn="r" fontAlgn="b"/>
-                      <a:r>
-                        <a:rPr lang="de-DE" sz="1400" u="none" strike="noStrike">
-                          <a:effectLst/>
-                        </a:rPr>
-                        <a:t>4</a:t>
-                      </a:r>
-                      <a:endParaRPr lang="de-DE" sz="1400" b="0" i="0" u="none" strike="noStrike">
-                        <a:solidFill>
-                          <a:srgbClr val="000000"/>
-                        </a:solidFill>
-                        <a:effectLst/>
-                        <a:latin typeface="Calibri" panose="020F0502020204030204" pitchFamily="34" charset="0"/>
-                      </a:endParaRPr>
-                    </a:p>
-                  </a:txBody>
-                  <a:tcPr marL="0" marR="0" marT="0" marB="0" anchor="b"/>
-                </a:tc>
-              </a:tr>
-              <a:tr h="704454">
-                <a:tc>
-                  <a:txBody>
-                    <a:bodyPr/>
-                    <a:lstStyle/>
-                    <a:p>
-                      <a:pPr algn="l" fontAlgn="b"/>
-                      <a:r>
-                        <a:rPr lang="de-DE" sz="1400" u="none" strike="noStrike" dirty="0">
-                          <a:effectLst/>
-                        </a:rPr>
-                        <a:t>push</a:t>
-                      </a:r>
-                      <a:endParaRPr lang="de-DE" sz="1400" b="0" i="0" u="none" strike="noStrike" dirty="0">
-                        <a:solidFill>
-                          <a:srgbClr val="000000"/>
-                        </a:solidFill>
-                        <a:effectLst/>
-                        <a:latin typeface="Calibri" panose="020F0502020204030204" pitchFamily="34" charset="0"/>
-                      </a:endParaRPr>
-                    </a:p>
-                  </a:txBody>
-                  <a:tcPr marL="0" marR="0" marT="0" marB="0" anchor="b"/>
-                </a:tc>
-                <a:tc>
-                  <a:txBody>
-                    <a:bodyPr/>
-                    <a:lstStyle/>
-                    <a:p>
-                      <a:pPr algn="l" fontAlgn="b"/>
-                      <a:r>
-                        <a:rPr lang="de-DE" sz="1400" u="none" strike="noStrike">
-                          <a:effectLst/>
-                        </a:rPr>
-                        <a:t>push box on table</a:t>
-                      </a:r>
-                      <a:endParaRPr lang="de-DE" sz="1400" b="0" i="0" u="none" strike="noStrike">
-                        <a:solidFill>
-                          <a:srgbClr val="000000"/>
-                        </a:solidFill>
-                        <a:effectLst/>
-                        <a:latin typeface="Calibri" panose="020F0502020204030204" pitchFamily="34" charset="0"/>
-                      </a:endParaRPr>
-                    </a:p>
-                  </a:txBody>
-                  <a:tcPr marL="0" marR="0" marT="0" marB="0" anchor="b"/>
-                </a:tc>
-                <a:tc>
-                  <a:txBody>
-                    <a:bodyPr/>
-                    <a:lstStyle/>
-                    <a:p>
-                      <a:pPr algn="l" fontAlgn="b"/>
-                      <a:r>
-                        <a:rPr lang="en-GB" sz="1400" u="none" strike="noStrike" noProof="0" dirty="0" smtClean="0">
-                          <a:effectLst/>
-                        </a:rPr>
-                        <a:t>Lunge, feet hip wide, chest out, straight back, lean forward, bend</a:t>
-                      </a:r>
-                      <a:r>
-                        <a:rPr lang="en-GB" sz="1400" u="none" strike="noStrike" baseline="0" noProof="0" dirty="0" smtClean="0">
-                          <a:effectLst/>
-                        </a:rPr>
-                        <a:t> front knee</a:t>
-                      </a:r>
-                      <a:r>
-                        <a:rPr lang="en-GB" sz="1400" u="none" strike="noStrike" noProof="0" dirty="0" smtClean="0">
-                          <a:effectLst/>
-                        </a:rPr>
-                        <a:t>, extend your arms, pressure on front leg, push box by</a:t>
-                      </a:r>
-                      <a:r>
-                        <a:rPr lang="en-GB" sz="1400" u="none" strike="noStrike" baseline="0" noProof="0" dirty="0" smtClean="0">
-                          <a:effectLst/>
-                        </a:rPr>
-                        <a:t> activating back muscles</a:t>
-                      </a:r>
-                      <a:endParaRPr lang="en-GB" sz="1400" b="0" i="0" u="none" strike="noStrike" noProof="0" dirty="0">
-                        <a:solidFill>
-                          <a:srgbClr val="000000"/>
-                        </a:solidFill>
-                        <a:effectLst/>
-                        <a:latin typeface="Calibri" panose="020F0502020204030204" pitchFamily="34" charset="0"/>
-                      </a:endParaRPr>
-                    </a:p>
-                  </a:txBody>
-                  <a:tcPr marL="0" marR="0" marT="0" marB="0" anchor="b"/>
-                </a:tc>
-                <a:tc>
-                  <a:txBody>
-                    <a:bodyPr/>
-                    <a:lstStyle/>
-                    <a:p>
-                      <a:pPr algn="r" fontAlgn="b"/>
-                      <a:r>
-                        <a:rPr lang="de-DE" sz="1400" u="none" strike="noStrike">
-                          <a:effectLst/>
-                        </a:rPr>
-                        <a:t>4</a:t>
-                      </a:r>
-                      <a:endParaRPr lang="de-DE" sz="1400" b="0" i="0" u="none" strike="noStrike">
-                        <a:solidFill>
-                          <a:srgbClr val="000000"/>
-                        </a:solidFill>
-                        <a:effectLst/>
-                        <a:latin typeface="Calibri" panose="020F0502020204030204" pitchFamily="34" charset="0"/>
-                      </a:endParaRPr>
-                    </a:p>
-                  </a:txBody>
-                  <a:tcPr marL="0" marR="0" marT="0" marB="0" anchor="b"/>
-                </a:tc>
-              </a:tr>
-              <a:tr h="379388">
-                <a:tc>
-                  <a:txBody>
-                    <a:bodyPr/>
-                    <a:lstStyle/>
-                    <a:p>
-                      <a:pPr algn="l" fontAlgn="b"/>
-                      <a:r>
-                        <a:rPr lang="de-DE" sz="1400" u="none" strike="noStrike">
-                          <a:effectLst/>
-                        </a:rPr>
-                        <a:t>turn</a:t>
-                      </a:r>
-                      <a:endParaRPr lang="de-DE" sz="1400" b="0" i="0" u="none" strike="noStrike">
-                        <a:solidFill>
-                          <a:srgbClr val="000000"/>
-                        </a:solidFill>
-                        <a:effectLst/>
-                        <a:latin typeface="Calibri" panose="020F0502020204030204" pitchFamily="34" charset="0"/>
-                      </a:endParaRPr>
-                    </a:p>
-                  </a:txBody>
-                  <a:tcPr marL="0" marR="0" marT="0" marB="0" anchor="b"/>
-                </a:tc>
-                <a:tc>
-                  <a:txBody>
-                    <a:bodyPr/>
-                    <a:lstStyle/>
-                    <a:p>
-                      <a:pPr algn="l" fontAlgn="b"/>
-                      <a:r>
-                        <a:rPr lang="en-US" sz="1400" u="none" strike="noStrike">
-                          <a:effectLst/>
-                        </a:rPr>
-                        <a:t>turn box by 90° on table</a:t>
-                      </a:r>
-                      <a:endParaRPr lang="en-US" sz="1400" b="0" i="0" u="none" strike="noStrike">
-                        <a:solidFill>
-                          <a:srgbClr val="000000"/>
-                        </a:solidFill>
-                        <a:effectLst/>
-                        <a:latin typeface="Calibri" panose="020F0502020204030204" pitchFamily="34" charset="0"/>
-                      </a:endParaRPr>
-                    </a:p>
-                  </a:txBody>
-                  <a:tcPr marL="0" marR="0" marT="0" marB="0" anchor="b"/>
-                </a:tc>
-                <a:tc>
-                  <a:txBody>
-                    <a:bodyPr/>
-                    <a:lstStyle/>
-                    <a:p>
-                      <a:pPr algn="l" fontAlgn="b"/>
-                      <a:r>
-                        <a:rPr lang="en-GB" sz="1400" u="none" strike="noStrike" noProof="0" dirty="0" smtClean="0">
-                          <a:effectLst/>
-                        </a:rPr>
-                        <a:t>Feet hip wide, lean slightly forward with straight back,</a:t>
-                      </a:r>
-                      <a:r>
-                        <a:rPr lang="en-GB" sz="1400" u="none" strike="noStrike" baseline="0" noProof="0" dirty="0" smtClean="0">
-                          <a:effectLst/>
-                        </a:rPr>
-                        <a:t> turn box with arm muscles</a:t>
-                      </a:r>
-                      <a:endParaRPr lang="de-DE" sz="1400" b="0" i="0" u="none" strike="noStrike" dirty="0">
-                        <a:solidFill>
-                          <a:srgbClr val="000000"/>
-                        </a:solidFill>
-                        <a:effectLst/>
-                        <a:latin typeface="Calibri" panose="020F0502020204030204" pitchFamily="34" charset="0"/>
-                      </a:endParaRPr>
-                    </a:p>
-                  </a:txBody>
-                  <a:tcPr marL="0" marR="0" marT="0" marB="0" anchor="b"/>
-                </a:tc>
-                <a:tc>
-                  <a:txBody>
-                    <a:bodyPr/>
-                    <a:lstStyle/>
-                    <a:p>
-                      <a:pPr algn="r" fontAlgn="b"/>
-                      <a:r>
-                        <a:rPr lang="de-DE" sz="1400" u="none" strike="noStrike">
-                          <a:effectLst/>
-                        </a:rPr>
-                        <a:t>4</a:t>
-                      </a:r>
-                      <a:endParaRPr lang="de-DE" sz="1400" b="0" i="0" u="none" strike="noStrike">
-                        <a:solidFill>
-                          <a:srgbClr val="000000"/>
-                        </a:solidFill>
-                        <a:effectLst/>
-                        <a:latin typeface="Calibri" panose="020F0502020204030204" pitchFamily="34" charset="0"/>
-                      </a:endParaRPr>
-                    </a:p>
-                  </a:txBody>
-                  <a:tcPr marL="0" marR="0" marT="0" marB="0" anchor="b"/>
-                </a:tc>
-              </a:tr>
-              <a:tr h="520075">
-                <a:tc>
-                  <a:txBody>
-                    <a:bodyPr/>
-                    <a:lstStyle/>
-                    <a:p>
-                      <a:pPr algn="l" fontAlgn="b"/>
-                      <a:r>
-                        <a:rPr lang="de-DE" sz="1400" u="none" strike="noStrike">
-                          <a:effectLst/>
-                        </a:rPr>
-                        <a:t>fold</a:t>
-                      </a:r>
-                      <a:endParaRPr lang="de-DE" sz="1400" b="0" i="0" u="none" strike="noStrike">
-                        <a:solidFill>
-                          <a:srgbClr val="000000"/>
-                        </a:solidFill>
-                        <a:effectLst/>
-                        <a:latin typeface="Calibri" panose="020F0502020204030204" pitchFamily="34" charset="0"/>
-                      </a:endParaRPr>
-                    </a:p>
-                  </a:txBody>
-                  <a:tcPr marL="0" marR="0" marT="0" marB="0" anchor="b"/>
-                </a:tc>
-                <a:tc>
-                  <a:txBody>
-                    <a:bodyPr/>
-                    <a:lstStyle/>
-                    <a:p>
-                      <a:pPr algn="l" fontAlgn="b"/>
-                      <a:r>
-                        <a:rPr lang="en-US" sz="1400" u="none" strike="noStrike" dirty="0">
-                          <a:effectLst/>
-                        </a:rPr>
-                        <a:t>put the box </a:t>
-                      </a:r>
-                      <a:r>
-                        <a:rPr lang="en-US" sz="1400" u="none" strike="noStrike" dirty="0" smtClean="0">
-                          <a:effectLst/>
-                        </a:rPr>
-                        <a:t>from </a:t>
-                      </a:r>
-                      <a:r>
-                        <a:rPr lang="en-US" sz="1400" u="none" strike="noStrike" dirty="0">
-                          <a:effectLst/>
-                        </a:rPr>
-                        <a:t>one side to </a:t>
-                      </a:r>
-                      <a:r>
-                        <a:rPr lang="en-US" sz="1400" u="none" strike="noStrike" dirty="0" smtClean="0">
-                          <a:effectLst/>
-                        </a:rPr>
-                        <a:t>another on the table</a:t>
-                      </a:r>
-                      <a:endParaRPr lang="en-US" sz="1400" b="0" i="0" u="none" strike="noStrike" dirty="0">
-                        <a:solidFill>
-                          <a:srgbClr val="000000"/>
-                        </a:solidFill>
-                        <a:effectLst/>
-                        <a:latin typeface="Calibri" panose="020F0502020204030204" pitchFamily="34" charset="0"/>
-                      </a:endParaRPr>
-                    </a:p>
-                  </a:txBody>
-                  <a:tcPr marL="0" marR="0" marT="0" marB="0" anchor="b"/>
-                </a:tc>
-                <a:tc>
-                  <a:txBody>
-                    <a:bodyPr/>
-                    <a:lstStyle/>
-                    <a:p>
-                      <a:pPr algn="l" fontAlgn="b"/>
-                      <a:r>
-                        <a:rPr lang="en-GB" sz="1400" u="none" strike="noStrike" noProof="0" dirty="0" smtClean="0">
-                          <a:effectLst/>
-                        </a:rPr>
-                        <a:t>Feet hip wide, </a:t>
-                      </a:r>
-                      <a:r>
-                        <a:rPr lang="de-DE" sz="1400" u="none" strike="noStrike" dirty="0" err="1" smtClean="0">
-                          <a:effectLst/>
-                        </a:rPr>
-                        <a:t>straight</a:t>
-                      </a:r>
-                      <a:r>
-                        <a:rPr lang="de-DE" sz="1400" u="none" strike="noStrike" dirty="0" smtClean="0">
-                          <a:effectLst/>
-                        </a:rPr>
-                        <a:t> back, </a:t>
-                      </a:r>
-                      <a:r>
-                        <a:rPr lang="de-DE" sz="1400" u="none" strike="noStrike" dirty="0" err="1" smtClean="0">
-                          <a:effectLst/>
-                        </a:rPr>
-                        <a:t>slightly</a:t>
-                      </a:r>
-                      <a:r>
-                        <a:rPr lang="de-DE" sz="1400" u="none" strike="noStrike" dirty="0" smtClean="0">
-                          <a:effectLst/>
-                        </a:rPr>
-                        <a:t> </a:t>
-                      </a:r>
-                      <a:r>
-                        <a:rPr lang="de-DE" sz="1400" u="none" strike="noStrike" dirty="0" err="1" smtClean="0">
-                          <a:effectLst/>
-                        </a:rPr>
-                        <a:t>bended</a:t>
-                      </a:r>
-                      <a:r>
-                        <a:rPr lang="de-DE" sz="1400" u="none" strike="noStrike" dirty="0" smtClean="0">
-                          <a:effectLst/>
-                        </a:rPr>
-                        <a:t> </a:t>
-                      </a:r>
-                      <a:r>
-                        <a:rPr lang="de-DE" sz="1400" u="none" strike="noStrike" dirty="0" err="1" smtClean="0">
-                          <a:effectLst/>
-                        </a:rPr>
-                        <a:t>arms</a:t>
-                      </a:r>
-                      <a:r>
-                        <a:rPr lang="de-DE" sz="1400" u="none" strike="noStrike" dirty="0" smtClean="0">
-                          <a:effectLst/>
-                        </a:rPr>
-                        <a:t>, </a:t>
-                      </a:r>
-                      <a:r>
-                        <a:rPr lang="de-DE" sz="1400" u="none" strike="noStrike" dirty="0" err="1" smtClean="0">
-                          <a:effectLst/>
-                        </a:rPr>
-                        <a:t>depending</a:t>
-                      </a:r>
-                      <a:r>
-                        <a:rPr lang="de-DE" sz="1400" u="none" strike="noStrike" dirty="0" smtClean="0">
-                          <a:effectLst/>
-                        </a:rPr>
-                        <a:t> on </a:t>
-                      </a:r>
-                      <a:r>
-                        <a:rPr lang="de-DE" sz="1400" u="none" strike="noStrike" dirty="0" err="1" smtClean="0">
-                          <a:effectLst/>
-                        </a:rPr>
-                        <a:t>the</a:t>
-                      </a:r>
-                      <a:r>
-                        <a:rPr lang="de-DE" sz="1400" u="none" strike="noStrike" dirty="0" smtClean="0">
-                          <a:effectLst/>
-                        </a:rPr>
-                        <a:t> </a:t>
-                      </a:r>
-                      <a:r>
-                        <a:rPr lang="de-DE" sz="1400" u="none" strike="noStrike" dirty="0" err="1" smtClean="0">
-                          <a:effectLst/>
-                        </a:rPr>
-                        <a:t>distance</a:t>
-                      </a:r>
-                      <a:r>
-                        <a:rPr lang="de-DE" sz="1400" u="none" strike="noStrike" dirty="0" smtClean="0">
-                          <a:effectLst/>
-                        </a:rPr>
-                        <a:t> </a:t>
-                      </a:r>
-                      <a:r>
-                        <a:rPr lang="de-DE" sz="1400" u="none" strike="noStrike" dirty="0" err="1" smtClean="0">
-                          <a:effectLst/>
-                        </a:rPr>
-                        <a:t>to</a:t>
-                      </a:r>
-                      <a:r>
-                        <a:rPr lang="de-DE" sz="1400" u="none" strike="noStrike" dirty="0" smtClean="0">
-                          <a:effectLst/>
-                        </a:rPr>
-                        <a:t> </a:t>
-                      </a:r>
-                      <a:r>
-                        <a:rPr lang="de-DE" sz="1400" u="none" strike="noStrike" dirty="0" err="1" smtClean="0">
-                          <a:effectLst/>
-                        </a:rPr>
-                        <a:t>the</a:t>
-                      </a:r>
-                      <a:r>
-                        <a:rPr lang="de-DE" sz="1400" u="none" strike="noStrike" dirty="0" smtClean="0">
-                          <a:effectLst/>
-                        </a:rPr>
-                        <a:t> box: </a:t>
-                      </a:r>
-                      <a:r>
-                        <a:rPr lang="de-DE" sz="1400" u="none" strike="noStrike" dirty="0" err="1" smtClean="0">
-                          <a:effectLst/>
-                        </a:rPr>
-                        <a:t>lean</a:t>
-                      </a:r>
-                      <a:r>
-                        <a:rPr lang="de-DE" sz="1400" u="none" strike="noStrike" dirty="0" smtClean="0">
-                          <a:effectLst/>
-                        </a:rPr>
-                        <a:t> </a:t>
-                      </a:r>
-                      <a:r>
-                        <a:rPr lang="de-DE" sz="1400" u="none" strike="noStrike" dirty="0" err="1" smtClean="0">
-                          <a:effectLst/>
-                        </a:rPr>
-                        <a:t>over</a:t>
-                      </a:r>
-                      <a:r>
-                        <a:rPr lang="de-DE" sz="1400" u="none" strike="noStrike" dirty="0" smtClean="0">
-                          <a:effectLst/>
-                        </a:rPr>
-                        <a:t> </a:t>
-                      </a:r>
-                      <a:r>
-                        <a:rPr lang="de-DE" sz="1400" u="none" strike="noStrike" dirty="0" err="1" smtClean="0">
-                          <a:effectLst/>
-                        </a:rPr>
-                        <a:t>table</a:t>
-                      </a:r>
-                      <a:r>
-                        <a:rPr lang="de-DE" sz="1400" u="none" strike="noStrike" dirty="0" smtClean="0">
-                          <a:effectLst/>
-                        </a:rPr>
-                        <a:t>, </a:t>
-                      </a:r>
-                      <a:r>
-                        <a:rPr lang="de-DE" sz="1400" u="none" strike="noStrike" dirty="0" err="1" smtClean="0">
-                          <a:effectLst/>
-                        </a:rPr>
-                        <a:t>no</a:t>
-                      </a:r>
-                      <a:r>
-                        <a:rPr lang="de-DE" sz="1400" u="none" strike="noStrike" baseline="0" dirty="0" smtClean="0">
-                          <a:effectLst/>
-                        </a:rPr>
-                        <a:t> </a:t>
-                      </a:r>
-                      <a:r>
-                        <a:rPr lang="de-DE" sz="1400" u="none" strike="noStrike" baseline="0" dirty="0" err="1" smtClean="0">
-                          <a:effectLst/>
-                        </a:rPr>
-                        <a:t>bended</a:t>
-                      </a:r>
-                      <a:r>
-                        <a:rPr lang="de-DE" sz="1400" u="none" strike="noStrike" baseline="0" dirty="0" smtClean="0">
-                          <a:effectLst/>
-                        </a:rPr>
-                        <a:t> </a:t>
-                      </a:r>
-                      <a:r>
-                        <a:rPr lang="de-DE" sz="1400" u="none" strike="noStrike" baseline="0" dirty="0" err="1" smtClean="0">
-                          <a:effectLst/>
-                        </a:rPr>
-                        <a:t>knees</a:t>
-                      </a:r>
-                      <a:r>
-                        <a:rPr lang="de-DE" sz="1400" u="none" strike="noStrike" baseline="0" dirty="0" smtClean="0">
-                          <a:effectLst/>
-                        </a:rPr>
-                        <a:t>, </a:t>
-                      </a:r>
-                      <a:r>
-                        <a:rPr lang="de-DE" sz="1400" u="none" strike="noStrike" dirty="0" err="1" smtClean="0">
-                          <a:effectLst/>
-                        </a:rPr>
-                        <a:t>weight</a:t>
-                      </a:r>
-                      <a:r>
-                        <a:rPr lang="de-DE" sz="1400" u="none" strike="noStrike" dirty="0" smtClean="0">
-                          <a:effectLst/>
-                        </a:rPr>
-                        <a:t> of </a:t>
-                      </a:r>
-                      <a:r>
-                        <a:rPr lang="de-DE" sz="1400" u="none" strike="noStrike" dirty="0" err="1" smtClean="0">
-                          <a:effectLst/>
-                        </a:rPr>
-                        <a:t>the</a:t>
-                      </a:r>
-                      <a:r>
-                        <a:rPr lang="de-DE" sz="1400" u="none" strike="noStrike" dirty="0" smtClean="0">
-                          <a:effectLst/>
-                        </a:rPr>
-                        <a:t> box </a:t>
-                      </a:r>
-                      <a:r>
-                        <a:rPr lang="de-DE" sz="1400" u="none" strike="noStrike" dirty="0" err="1" smtClean="0">
-                          <a:effectLst/>
-                        </a:rPr>
-                        <a:t>remains</a:t>
-                      </a:r>
-                      <a:r>
-                        <a:rPr lang="de-DE" sz="1400" u="none" strike="noStrike" dirty="0" smtClean="0">
-                          <a:effectLst/>
-                        </a:rPr>
-                        <a:t> on </a:t>
-                      </a:r>
-                      <a:r>
-                        <a:rPr lang="de-DE" sz="1400" u="none" strike="noStrike" dirty="0" err="1" smtClean="0">
-                          <a:effectLst/>
-                        </a:rPr>
-                        <a:t>the</a:t>
-                      </a:r>
-                      <a:r>
-                        <a:rPr lang="de-DE" sz="1400" u="none" strike="noStrike" dirty="0" smtClean="0">
-                          <a:effectLst/>
-                        </a:rPr>
-                        <a:t> </a:t>
-                      </a:r>
-                      <a:r>
-                        <a:rPr lang="de-DE" sz="1400" u="none" strike="noStrike" dirty="0" err="1" smtClean="0">
-                          <a:effectLst/>
-                        </a:rPr>
-                        <a:t>table</a:t>
-                      </a:r>
-                      <a:endParaRPr lang="de-DE" sz="1400" b="0" i="0" u="none" strike="noStrike" dirty="0">
-                        <a:solidFill>
-                          <a:srgbClr val="000000"/>
-                        </a:solidFill>
-                        <a:effectLst/>
-                        <a:latin typeface="Calibri" panose="020F0502020204030204" pitchFamily="34" charset="0"/>
-                      </a:endParaRPr>
-                    </a:p>
-                  </a:txBody>
-                  <a:tcPr marL="0" marR="0" marT="0" marB="0" anchor="b"/>
-                </a:tc>
-                <a:tc>
-                  <a:txBody>
-                    <a:bodyPr/>
-                    <a:lstStyle/>
-                    <a:p>
-                      <a:pPr algn="r" fontAlgn="b"/>
-                      <a:r>
-                        <a:rPr lang="de-DE" sz="1400" u="none" strike="noStrike">
-                          <a:effectLst/>
-                        </a:rPr>
-                        <a:t>4</a:t>
-                      </a:r>
-                      <a:endParaRPr lang="de-DE" sz="1400" b="0" i="0" u="none" strike="noStrike">
-                        <a:solidFill>
-                          <a:srgbClr val="000000"/>
-                        </a:solidFill>
-                        <a:effectLst/>
-                        <a:latin typeface="Calibri" panose="020F0502020204030204" pitchFamily="34" charset="0"/>
-                      </a:endParaRPr>
-                    </a:p>
-                  </a:txBody>
-                  <a:tcPr marL="0" marR="0" marT="0" marB="0" anchor="b"/>
-                </a:tc>
-              </a:tr>
-              <a:tr h="469636">
-                <a:tc>
-                  <a:txBody>
-                    <a:bodyPr/>
-                    <a:lstStyle/>
-                    <a:p>
-                      <a:pPr algn="l" fontAlgn="b"/>
-                      <a:r>
-                        <a:rPr lang="de-DE" sz="1400" u="none" strike="noStrike">
-                          <a:effectLst/>
-                        </a:rPr>
-                        <a:t>carry</a:t>
-                      </a:r>
-                      <a:endParaRPr lang="de-DE" sz="1400" b="0" i="0" u="none" strike="noStrike">
-                        <a:solidFill>
-                          <a:srgbClr val="000000"/>
-                        </a:solidFill>
-                        <a:effectLst/>
-                        <a:latin typeface="Calibri" panose="020F0502020204030204" pitchFamily="34" charset="0"/>
-                      </a:endParaRPr>
-                    </a:p>
-                  </a:txBody>
-                  <a:tcPr marL="0" marR="0" marT="0" marB="0" anchor="b"/>
-                </a:tc>
-                <a:tc>
-                  <a:txBody>
-                    <a:bodyPr/>
-                    <a:lstStyle/>
-                    <a:p>
-                      <a:pPr algn="l" fontAlgn="b"/>
-                      <a:r>
-                        <a:rPr lang="en-US" sz="1400" u="none" strike="noStrike">
-                          <a:effectLst/>
-                        </a:rPr>
-                        <a:t>translation in space with the box in hand</a:t>
-                      </a:r>
-                      <a:endParaRPr lang="en-US" sz="1400" b="0" i="0" u="none" strike="noStrike">
-                        <a:solidFill>
-                          <a:srgbClr val="000000"/>
-                        </a:solidFill>
-                        <a:effectLst/>
-                        <a:latin typeface="Calibri" panose="020F0502020204030204" pitchFamily="34" charset="0"/>
-                      </a:endParaRPr>
-                    </a:p>
-                  </a:txBody>
-                  <a:tcPr marL="0" marR="0" marT="0" marB="0" anchor="b"/>
-                </a:tc>
-                <a:tc>
-                  <a:txBody>
-                    <a:bodyPr/>
-                    <a:lstStyle/>
-                    <a:p>
-                      <a:pPr algn="l" fontAlgn="b"/>
-                      <a:r>
-                        <a:rPr lang="en-GB" sz="1400" u="none" strike="noStrike" noProof="0" dirty="0" smtClean="0">
-                          <a:effectLst/>
-                        </a:rPr>
-                        <a:t>Chest out, straight back</a:t>
-                      </a:r>
-                      <a:r>
-                        <a:rPr lang="de-DE" sz="1400" u="none" strike="noStrike" dirty="0" smtClean="0">
-                          <a:effectLst/>
-                        </a:rPr>
-                        <a:t>, </a:t>
-                      </a:r>
-                      <a:r>
-                        <a:rPr lang="de-DE" sz="1400" u="none" strike="noStrike" dirty="0" err="1" smtClean="0">
-                          <a:effectLst/>
-                        </a:rPr>
-                        <a:t>elbows</a:t>
-                      </a:r>
-                      <a:r>
-                        <a:rPr lang="de-DE" sz="1400" u="none" strike="noStrike" dirty="0" smtClean="0">
-                          <a:effectLst/>
-                        </a:rPr>
-                        <a:t> </a:t>
-                      </a:r>
-                      <a:r>
-                        <a:rPr lang="de-DE" sz="1400" u="none" strike="noStrike" dirty="0" err="1" smtClean="0">
-                          <a:effectLst/>
-                        </a:rPr>
-                        <a:t>bended</a:t>
-                      </a:r>
-                      <a:r>
-                        <a:rPr lang="de-DE" sz="1400" u="none" strike="noStrike" dirty="0" smtClean="0">
-                          <a:effectLst/>
-                        </a:rPr>
-                        <a:t> on</a:t>
-                      </a:r>
-                      <a:r>
-                        <a:rPr lang="de-DE" sz="1400" u="none" strike="noStrike" baseline="0" dirty="0" smtClean="0">
-                          <a:effectLst/>
-                        </a:rPr>
-                        <a:t> </a:t>
-                      </a:r>
-                      <a:r>
-                        <a:rPr lang="de-DE" sz="1400" u="none" strike="noStrike" baseline="0" dirty="0" err="1" smtClean="0">
-                          <a:effectLst/>
-                        </a:rPr>
-                        <a:t>nearly</a:t>
-                      </a:r>
-                      <a:r>
-                        <a:rPr lang="de-DE" sz="1400" u="none" strike="noStrike" baseline="0" dirty="0" smtClean="0">
-                          <a:effectLst/>
-                        </a:rPr>
-                        <a:t> 90°, box </a:t>
-                      </a:r>
-                      <a:r>
-                        <a:rPr lang="de-DE" sz="1400" u="none" strike="noStrike" baseline="0" dirty="0" err="1" smtClean="0">
-                          <a:effectLst/>
-                        </a:rPr>
-                        <a:t>near</a:t>
-                      </a:r>
-                      <a:r>
-                        <a:rPr lang="de-DE" sz="1400" u="none" strike="noStrike" baseline="0" dirty="0" smtClean="0">
-                          <a:effectLst/>
-                        </a:rPr>
-                        <a:t> </a:t>
-                      </a:r>
-                      <a:r>
-                        <a:rPr lang="de-DE" sz="1400" u="none" strike="noStrike" baseline="0" dirty="0" err="1" smtClean="0">
-                          <a:effectLst/>
-                        </a:rPr>
-                        <a:t>to</a:t>
-                      </a:r>
-                      <a:r>
-                        <a:rPr lang="de-DE" sz="1400" u="none" strike="noStrike" baseline="0" dirty="0" smtClean="0">
-                          <a:effectLst/>
-                        </a:rPr>
-                        <a:t> </a:t>
-                      </a:r>
-                      <a:r>
-                        <a:rPr lang="de-DE" sz="1400" u="none" strike="noStrike" baseline="0" dirty="0" err="1" smtClean="0">
-                          <a:effectLst/>
-                        </a:rPr>
-                        <a:t>body</a:t>
-                      </a:r>
-                      <a:endParaRPr lang="de-DE" sz="1400" b="0" i="0" u="none" strike="noStrike" dirty="0">
-                        <a:solidFill>
-                          <a:srgbClr val="000000"/>
-                        </a:solidFill>
-                        <a:effectLst/>
-                        <a:latin typeface="Calibri" panose="020F0502020204030204" pitchFamily="34" charset="0"/>
-                      </a:endParaRPr>
-                    </a:p>
-                  </a:txBody>
-                  <a:tcPr marL="0" marR="0" marT="0" marB="0" anchor="b"/>
-                </a:tc>
-                <a:tc>
-                  <a:txBody>
-                    <a:bodyPr/>
-                    <a:lstStyle/>
-                    <a:p>
-                      <a:pPr algn="r" fontAlgn="b"/>
-                      <a:r>
-                        <a:rPr lang="de-DE" sz="1400" u="none" strike="noStrike">
-                          <a:effectLst/>
-                        </a:rPr>
-                        <a:t>4</a:t>
-                      </a:r>
-                      <a:endParaRPr lang="de-DE" sz="1400" b="0" i="0" u="none" strike="noStrike">
-                        <a:solidFill>
-                          <a:srgbClr val="000000"/>
-                        </a:solidFill>
-                        <a:effectLst/>
-                        <a:latin typeface="Calibri" panose="020F0502020204030204" pitchFamily="34" charset="0"/>
-                      </a:endParaRPr>
-                    </a:p>
-                  </a:txBody>
-                  <a:tcPr marL="0" marR="0" marT="0" marB="0" anchor="b"/>
-                </a:tc>
-              </a:tr>
-              <a:tr h="469636">
-                <a:tc>
-                  <a:txBody>
-                    <a:bodyPr/>
-                    <a:lstStyle/>
-                    <a:p>
-                      <a:pPr algn="l" fontAlgn="b"/>
-                      <a:r>
-                        <a:rPr lang="de-DE" sz="1400" u="none" strike="noStrike">
-                          <a:effectLst/>
-                        </a:rPr>
-                        <a:t>walk</a:t>
-                      </a:r>
-                      <a:endParaRPr lang="de-DE" sz="1400" b="0" i="0" u="none" strike="noStrike">
-                        <a:solidFill>
-                          <a:srgbClr val="000000"/>
-                        </a:solidFill>
-                        <a:effectLst/>
-                        <a:latin typeface="Calibri" panose="020F0502020204030204" pitchFamily="34" charset="0"/>
-                      </a:endParaRPr>
-                    </a:p>
-                  </a:txBody>
-                  <a:tcPr marL="0" marR="0" marT="0" marB="0" anchor="b"/>
-                </a:tc>
-                <a:tc>
-                  <a:txBody>
-                    <a:bodyPr/>
-                    <a:lstStyle/>
-                    <a:p>
-                      <a:pPr algn="l" fontAlgn="b"/>
-                      <a:r>
-                        <a:rPr lang="en-US" sz="1400" u="none" strike="noStrike">
-                          <a:effectLst/>
-                        </a:rPr>
-                        <a:t>translation in space without the box</a:t>
-                      </a:r>
-                      <a:endParaRPr lang="en-US" sz="1400" b="0" i="0" u="none" strike="noStrike">
-                        <a:solidFill>
-                          <a:srgbClr val="000000"/>
-                        </a:solidFill>
-                        <a:effectLst/>
-                        <a:latin typeface="Calibri" panose="020F0502020204030204" pitchFamily="34" charset="0"/>
-                      </a:endParaRPr>
-                    </a:p>
-                  </a:txBody>
-                  <a:tcPr marL="0" marR="0" marT="0" marB="0" anchor="b"/>
-                </a:tc>
-                <a:tc>
-                  <a:txBody>
-                    <a:bodyPr/>
-                    <a:lstStyle/>
-                    <a:p>
-                      <a:pPr algn="l" fontAlgn="b"/>
-                      <a:r>
-                        <a:rPr lang="de-DE" sz="1400" u="none" strike="noStrike" dirty="0" smtClean="0">
-                          <a:effectLst/>
-                        </a:rPr>
-                        <a:t>“normal </a:t>
-                      </a:r>
-                      <a:r>
-                        <a:rPr lang="de-DE" sz="1400" u="none" strike="noStrike" dirty="0" err="1" smtClean="0">
-                          <a:effectLst/>
-                        </a:rPr>
-                        <a:t>walking</a:t>
-                      </a:r>
-                      <a:r>
-                        <a:rPr lang="de-DE" sz="1400" u="none" strike="noStrike" dirty="0" smtClean="0">
-                          <a:effectLst/>
-                        </a:rPr>
-                        <a:t> on </a:t>
-                      </a:r>
-                      <a:r>
-                        <a:rPr lang="de-DE" sz="1400" u="none" strike="noStrike" dirty="0" err="1" smtClean="0">
-                          <a:effectLst/>
-                        </a:rPr>
-                        <a:t>their</a:t>
-                      </a:r>
-                      <a:r>
-                        <a:rPr lang="de-DE" sz="1400" u="none" strike="noStrike" dirty="0" smtClean="0">
-                          <a:effectLst/>
-                        </a:rPr>
-                        <a:t> </a:t>
-                      </a:r>
-                      <a:r>
-                        <a:rPr lang="de-DE" sz="1400" u="none" strike="noStrike" dirty="0" err="1" smtClean="0">
-                          <a:effectLst/>
-                        </a:rPr>
-                        <a:t>own</a:t>
-                      </a:r>
-                      <a:r>
-                        <a:rPr lang="de-DE" sz="1400" u="none" strike="noStrike" dirty="0" smtClean="0">
-                          <a:effectLst/>
-                        </a:rPr>
-                        <a:t> </a:t>
-                      </a:r>
-                      <a:r>
-                        <a:rPr lang="de-DE" sz="1400" u="none" strike="noStrike" dirty="0" err="1" smtClean="0">
-                          <a:effectLst/>
-                        </a:rPr>
-                        <a:t>judgment</a:t>
-                      </a:r>
-                      <a:r>
-                        <a:rPr lang="de-DE" sz="1400" u="none" strike="noStrike" dirty="0" smtClean="0">
-                          <a:effectLst/>
-                        </a:rPr>
-                        <a:t>“</a:t>
-                      </a:r>
-                      <a:endParaRPr lang="de-DE" sz="1400" b="0" i="0" u="none" strike="noStrike" dirty="0">
-                        <a:solidFill>
-                          <a:srgbClr val="000000"/>
-                        </a:solidFill>
-                        <a:effectLst/>
-                        <a:latin typeface="Calibri" panose="020F0502020204030204" pitchFamily="34" charset="0"/>
-                      </a:endParaRPr>
-                    </a:p>
-                  </a:txBody>
-                  <a:tcPr marL="0" marR="0" marT="0" marB="0" anchor="b"/>
-                </a:tc>
-                <a:tc>
-                  <a:txBody>
-                    <a:bodyPr/>
-                    <a:lstStyle/>
-                    <a:p>
-                      <a:pPr algn="r" fontAlgn="b"/>
-                      <a:r>
-                        <a:rPr lang="de-DE" sz="1400" u="none" strike="noStrike">
-                          <a:effectLst/>
-                        </a:rPr>
-                        <a:t>4</a:t>
-                      </a:r>
-                      <a:endParaRPr lang="de-DE" sz="1400" b="0" i="0" u="none" strike="noStrike">
-                        <a:solidFill>
-                          <a:srgbClr val="000000"/>
-                        </a:solidFill>
-                        <a:effectLst/>
-                        <a:latin typeface="Calibri" panose="020F0502020204030204" pitchFamily="34" charset="0"/>
-                      </a:endParaRPr>
-                    </a:p>
-                  </a:txBody>
-                  <a:tcPr marL="0" marR="0" marT="0" marB="0" anchor="b"/>
-                </a:tc>
-              </a:tr>
-              <a:tr h="1022352">
-                <a:tc>
-                  <a:txBody>
-                    <a:bodyPr/>
-                    <a:lstStyle/>
-                    <a:p>
-                      <a:pPr algn="l" fontAlgn="b"/>
-                      <a:r>
-                        <a:rPr lang="de-DE" sz="1400" u="none" strike="noStrike">
-                          <a:effectLst/>
-                        </a:rPr>
-                        <a:t>lift</a:t>
-                      </a:r>
-                      <a:endParaRPr lang="de-DE" sz="1400" b="0" i="0" u="none" strike="noStrike">
-                        <a:solidFill>
-                          <a:srgbClr val="000000"/>
-                        </a:solidFill>
-                        <a:effectLst/>
-                        <a:latin typeface="Calibri" panose="020F0502020204030204" pitchFamily="34" charset="0"/>
-                      </a:endParaRPr>
-                    </a:p>
-                  </a:txBody>
-                  <a:tcPr marL="0" marR="0" marT="0" marB="0" anchor="b"/>
-                </a:tc>
-                <a:tc>
-                  <a:txBody>
-                    <a:bodyPr/>
-                    <a:lstStyle/>
-                    <a:p>
-                      <a:pPr algn="l" fontAlgn="b"/>
-                      <a:r>
-                        <a:rPr lang="de-DE" sz="1400" u="none" strike="noStrike" dirty="0" err="1">
-                          <a:effectLst/>
-                        </a:rPr>
-                        <a:t>lift</a:t>
-                      </a:r>
-                      <a:r>
-                        <a:rPr lang="de-DE" sz="1400" u="none" strike="noStrike" dirty="0">
-                          <a:effectLst/>
-                        </a:rPr>
-                        <a:t> </a:t>
-                      </a:r>
-                      <a:r>
-                        <a:rPr lang="de-DE" sz="1400" u="none" strike="noStrike" dirty="0" err="1">
-                          <a:effectLst/>
-                        </a:rPr>
-                        <a:t>up</a:t>
-                      </a:r>
-                      <a:r>
-                        <a:rPr lang="de-DE" sz="1400" u="none" strike="noStrike" dirty="0">
-                          <a:effectLst/>
-                        </a:rPr>
-                        <a:t> </a:t>
-                      </a:r>
-                      <a:r>
-                        <a:rPr lang="de-DE" sz="1400" u="none" strike="noStrike" dirty="0" err="1">
-                          <a:effectLst/>
-                        </a:rPr>
-                        <a:t>the</a:t>
-                      </a:r>
-                      <a:r>
-                        <a:rPr lang="de-DE" sz="1400" u="none" strike="noStrike" dirty="0">
-                          <a:effectLst/>
-                        </a:rPr>
-                        <a:t> </a:t>
-                      </a:r>
-                      <a:r>
-                        <a:rPr lang="de-DE" sz="1400" u="none" strike="noStrike" dirty="0" smtClean="0">
-                          <a:effectLst/>
-                        </a:rPr>
-                        <a:t>box </a:t>
-                      </a:r>
-                      <a:r>
-                        <a:rPr lang="de-DE" sz="1400" u="none" strike="noStrike" dirty="0" err="1" smtClean="0">
-                          <a:effectLst/>
-                        </a:rPr>
-                        <a:t>from</a:t>
-                      </a:r>
-                      <a:r>
-                        <a:rPr lang="de-DE" sz="1400" u="none" strike="noStrike" dirty="0" smtClean="0">
-                          <a:effectLst/>
-                        </a:rPr>
-                        <a:t> </a:t>
-                      </a:r>
-                      <a:r>
-                        <a:rPr lang="de-DE" sz="1400" u="none" strike="noStrike" dirty="0" err="1" smtClean="0">
-                          <a:effectLst/>
-                        </a:rPr>
-                        <a:t>the</a:t>
-                      </a:r>
-                      <a:r>
-                        <a:rPr lang="de-DE" sz="1400" u="none" strike="noStrike" dirty="0" smtClean="0">
-                          <a:effectLst/>
-                        </a:rPr>
-                        <a:t> </a:t>
-                      </a:r>
-                      <a:r>
-                        <a:rPr lang="de-DE" sz="1400" u="none" strike="noStrike" dirty="0" err="1" smtClean="0">
-                          <a:effectLst/>
-                        </a:rPr>
-                        <a:t>flor</a:t>
-                      </a:r>
-                      <a:endParaRPr lang="de-DE" sz="1400" b="0" i="0" u="none" strike="noStrike" dirty="0">
-                        <a:solidFill>
-                          <a:srgbClr val="000000"/>
-                        </a:solidFill>
-                        <a:effectLst/>
-                        <a:latin typeface="Calibri" panose="020F0502020204030204" pitchFamily="34" charset="0"/>
-                      </a:endParaRPr>
-                    </a:p>
-                  </a:txBody>
-                  <a:tcPr marL="0" marR="0" marT="0" marB="0" anchor="b"/>
-                </a:tc>
-                <a:tc>
-                  <a:txBody>
-                    <a:bodyPr/>
-                    <a:lstStyle/>
-                    <a:p>
-                      <a:pPr algn="l" fontAlgn="b"/>
-                      <a:r>
-                        <a:rPr lang="de-DE" sz="1400" u="none" strike="noStrike" dirty="0" smtClean="0">
-                          <a:effectLst/>
-                        </a:rPr>
-                        <a:t>Approach box </a:t>
-                      </a:r>
-                      <a:r>
-                        <a:rPr lang="de-DE" sz="1400" u="none" strike="noStrike" dirty="0" err="1" smtClean="0">
-                          <a:effectLst/>
-                        </a:rPr>
-                        <a:t>as</a:t>
-                      </a:r>
-                      <a:r>
-                        <a:rPr lang="de-DE" sz="1400" u="none" strike="noStrike" dirty="0" smtClean="0">
-                          <a:effectLst/>
-                        </a:rPr>
-                        <a:t> </a:t>
-                      </a:r>
-                      <a:r>
-                        <a:rPr lang="de-DE" sz="1400" u="none" strike="noStrike" dirty="0" err="1" smtClean="0">
-                          <a:effectLst/>
-                        </a:rPr>
-                        <a:t>near</a:t>
-                      </a:r>
-                      <a:r>
-                        <a:rPr lang="de-DE" sz="1400" u="none" strike="noStrike" dirty="0" smtClean="0">
-                          <a:effectLst/>
-                        </a:rPr>
-                        <a:t> </a:t>
-                      </a:r>
-                      <a:r>
-                        <a:rPr lang="de-DE" sz="1400" u="none" strike="noStrike" dirty="0" err="1" smtClean="0">
-                          <a:effectLst/>
-                        </a:rPr>
-                        <a:t>as</a:t>
-                      </a:r>
-                      <a:r>
-                        <a:rPr lang="de-DE" sz="1400" u="none" strike="noStrike" dirty="0" smtClean="0">
-                          <a:effectLst/>
-                        </a:rPr>
-                        <a:t> </a:t>
-                      </a:r>
-                      <a:r>
-                        <a:rPr lang="de-DE" sz="1400" u="none" strike="noStrike" dirty="0" err="1" smtClean="0">
-                          <a:effectLst/>
-                        </a:rPr>
-                        <a:t>possible</a:t>
-                      </a:r>
-                      <a:r>
-                        <a:rPr lang="de-DE" sz="1400" u="none" strike="noStrike" dirty="0" smtClean="0">
-                          <a:effectLst/>
-                        </a:rPr>
-                        <a:t>, </a:t>
-                      </a:r>
-                      <a:r>
-                        <a:rPr lang="de-DE" sz="1400" u="none" strike="noStrike" dirty="0" err="1" smtClean="0">
-                          <a:effectLst/>
-                        </a:rPr>
-                        <a:t>weight</a:t>
-                      </a:r>
-                      <a:r>
-                        <a:rPr lang="de-DE" sz="1400" u="none" strike="noStrike" dirty="0" smtClean="0">
-                          <a:effectLst/>
-                        </a:rPr>
-                        <a:t> </a:t>
-                      </a:r>
-                      <a:r>
-                        <a:rPr lang="de-DE" sz="1400" u="none" strike="noStrike" dirty="0" err="1" smtClean="0">
-                          <a:effectLst/>
-                        </a:rPr>
-                        <a:t>shifted</a:t>
-                      </a:r>
-                      <a:r>
-                        <a:rPr lang="de-DE" sz="1400" u="none" strike="noStrike" dirty="0" smtClean="0">
-                          <a:effectLst/>
-                        </a:rPr>
-                        <a:t> </a:t>
-                      </a:r>
-                      <a:r>
-                        <a:rPr lang="de-DE" sz="1400" u="none" strike="noStrike" dirty="0" err="1" smtClean="0">
-                          <a:effectLst/>
-                        </a:rPr>
-                        <a:t>slightly</a:t>
-                      </a:r>
-                      <a:r>
-                        <a:rPr lang="de-DE" sz="1400" u="none" strike="noStrike" dirty="0" smtClean="0">
-                          <a:effectLst/>
-                        </a:rPr>
-                        <a:t> </a:t>
-                      </a:r>
-                      <a:r>
-                        <a:rPr lang="de-DE" sz="1400" u="none" strike="noStrike" dirty="0" err="1" smtClean="0">
-                          <a:effectLst/>
-                        </a:rPr>
-                        <a:t>to</a:t>
-                      </a:r>
-                      <a:r>
-                        <a:rPr lang="de-DE" sz="1400" u="none" strike="noStrike" dirty="0" smtClean="0">
-                          <a:effectLst/>
-                        </a:rPr>
-                        <a:t> </a:t>
-                      </a:r>
-                      <a:r>
-                        <a:rPr lang="de-DE" sz="1400" u="none" strike="noStrike" dirty="0" err="1" smtClean="0">
-                          <a:effectLst/>
-                        </a:rPr>
-                        <a:t>the</a:t>
-                      </a:r>
-                      <a:r>
-                        <a:rPr lang="de-DE" sz="1400" u="none" strike="noStrike" dirty="0" smtClean="0">
-                          <a:effectLst/>
-                        </a:rPr>
-                        <a:t> front, </a:t>
-                      </a:r>
-                      <a:r>
-                        <a:rPr lang="de-DE" sz="1400" u="none" strike="noStrike" dirty="0" err="1" smtClean="0">
-                          <a:effectLst/>
-                        </a:rPr>
-                        <a:t>bend</a:t>
-                      </a:r>
-                      <a:r>
-                        <a:rPr lang="de-DE" sz="1400" u="none" strike="noStrike" dirty="0" smtClean="0">
-                          <a:effectLst/>
-                        </a:rPr>
-                        <a:t> </a:t>
-                      </a:r>
-                      <a:r>
-                        <a:rPr lang="de-DE" sz="1400" u="none" strike="noStrike" dirty="0" err="1" smtClean="0">
-                          <a:effectLst/>
-                        </a:rPr>
-                        <a:t>knees</a:t>
-                      </a:r>
-                      <a:r>
-                        <a:rPr lang="de-DE" sz="1400" u="none" strike="noStrike" dirty="0" smtClean="0">
-                          <a:effectLst/>
-                        </a:rPr>
-                        <a:t>, open </a:t>
-                      </a:r>
-                      <a:r>
-                        <a:rPr lang="de-DE" sz="1400" u="none" strike="noStrike" dirty="0" err="1" smtClean="0">
-                          <a:effectLst/>
-                        </a:rPr>
-                        <a:t>legs</a:t>
-                      </a:r>
-                      <a:r>
-                        <a:rPr lang="de-DE" sz="1400" u="none" strike="noStrike" baseline="0" dirty="0" smtClean="0">
-                          <a:effectLst/>
-                        </a:rPr>
-                        <a:t> </a:t>
-                      </a:r>
-                      <a:r>
-                        <a:rPr lang="de-DE" sz="1400" u="none" strike="noStrike" baseline="0" dirty="0" err="1" smtClean="0">
-                          <a:effectLst/>
-                        </a:rPr>
-                        <a:t>while</a:t>
-                      </a:r>
-                      <a:r>
-                        <a:rPr lang="de-DE" sz="1400" u="none" strike="noStrike" baseline="0" dirty="0" smtClean="0">
-                          <a:effectLst/>
-                        </a:rPr>
-                        <a:t> </a:t>
-                      </a:r>
-                      <a:r>
-                        <a:rPr lang="de-DE" sz="1400" u="none" strike="noStrike" baseline="0" dirty="0" err="1" smtClean="0">
-                          <a:effectLst/>
-                        </a:rPr>
-                        <a:t>going</a:t>
-                      </a:r>
-                      <a:r>
-                        <a:rPr lang="de-DE" sz="1400" u="none" strike="noStrike" baseline="0" dirty="0" smtClean="0">
-                          <a:effectLst/>
-                        </a:rPr>
-                        <a:t> down, </a:t>
-                      </a:r>
-                      <a:r>
-                        <a:rPr lang="de-DE" sz="1400" u="none" strike="noStrike" baseline="0" dirty="0" err="1" smtClean="0">
-                          <a:effectLst/>
-                        </a:rPr>
-                        <a:t>stop</a:t>
-                      </a:r>
-                      <a:r>
-                        <a:rPr lang="de-DE" sz="1400" u="none" strike="noStrike" baseline="0" dirty="0" smtClean="0">
-                          <a:effectLst/>
-                        </a:rPr>
-                        <a:t> at </a:t>
-                      </a:r>
-                      <a:r>
-                        <a:rPr lang="de-DE" sz="1400" u="none" strike="noStrike" baseline="0" dirty="0" err="1" smtClean="0">
-                          <a:effectLst/>
-                        </a:rPr>
-                        <a:t>the</a:t>
-                      </a:r>
-                      <a:r>
-                        <a:rPr lang="de-DE" sz="1400" u="none" strike="noStrike" baseline="0" dirty="0" smtClean="0">
-                          <a:effectLst/>
-                        </a:rPr>
-                        <a:t> </a:t>
-                      </a:r>
-                      <a:r>
-                        <a:rPr lang="de-DE" sz="1400" u="none" strike="noStrike" baseline="0" dirty="0" err="1" smtClean="0">
-                          <a:effectLst/>
-                        </a:rPr>
-                        <a:t>raised</a:t>
-                      </a:r>
-                      <a:r>
-                        <a:rPr lang="de-DE" sz="1400" u="none" strike="noStrike" baseline="0" dirty="0" smtClean="0">
-                          <a:effectLst/>
-                        </a:rPr>
-                        <a:t> </a:t>
-                      </a:r>
-                      <a:r>
-                        <a:rPr lang="de-DE" sz="1400" u="none" strike="noStrike" baseline="0" dirty="0" err="1" smtClean="0">
-                          <a:effectLst/>
-                        </a:rPr>
-                        <a:t>heels</a:t>
-                      </a:r>
-                      <a:r>
-                        <a:rPr lang="de-DE" sz="1400" u="none" strike="noStrike" baseline="0" dirty="0" smtClean="0">
-                          <a:effectLst/>
-                        </a:rPr>
-                        <a:t>, </a:t>
-                      </a:r>
-                      <a:r>
-                        <a:rPr lang="de-DE" sz="1400" u="none" strike="noStrike" baseline="0" dirty="0" err="1" smtClean="0">
-                          <a:effectLst/>
-                        </a:rPr>
-                        <a:t>lean</a:t>
-                      </a:r>
-                      <a:r>
-                        <a:rPr lang="de-DE" sz="1400" u="none" strike="noStrike" baseline="0" dirty="0" smtClean="0">
-                          <a:effectLst/>
-                        </a:rPr>
-                        <a:t> </a:t>
-                      </a:r>
-                      <a:r>
-                        <a:rPr lang="de-DE" sz="1400" u="none" strike="noStrike" baseline="0" dirty="0" err="1" smtClean="0">
-                          <a:effectLst/>
-                        </a:rPr>
-                        <a:t>forward</a:t>
-                      </a:r>
-                      <a:r>
-                        <a:rPr lang="de-DE" sz="1400" u="none" strike="noStrike" baseline="0" dirty="0" smtClean="0">
-                          <a:effectLst/>
-                        </a:rPr>
-                        <a:t> </a:t>
-                      </a:r>
-                      <a:r>
-                        <a:rPr lang="de-DE" sz="1400" u="none" strike="noStrike" baseline="0" dirty="0" err="1" smtClean="0">
-                          <a:effectLst/>
-                        </a:rPr>
-                        <a:t>with</a:t>
-                      </a:r>
-                      <a:r>
-                        <a:rPr lang="de-DE" sz="1400" u="none" strike="noStrike" baseline="0" dirty="0" smtClean="0">
-                          <a:effectLst/>
-                        </a:rPr>
-                        <a:t> </a:t>
-                      </a:r>
-                      <a:r>
-                        <a:rPr lang="de-DE" sz="1400" u="none" strike="noStrike" baseline="0" dirty="0" err="1" smtClean="0">
-                          <a:effectLst/>
-                        </a:rPr>
-                        <a:t>straight</a:t>
-                      </a:r>
-                      <a:r>
-                        <a:rPr lang="de-DE" sz="1400" u="none" strike="noStrike" baseline="0" dirty="0" smtClean="0">
-                          <a:effectLst/>
-                        </a:rPr>
-                        <a:t> back, </a:t>
-                      </a:r>
-                      <a:r>
-                        <a:rPr lang="de-DE" sz="1400" u="none" strike="noStrike" baseline="0" dirty="0" err="1" smtClean="0">
-                          <a:effectLst/>
-                        </a:rPr>
-                        <a:t>lift</a:t>
-                      </a:r>
-                      <a:r>
-                        <a:rPr lang="de-DE" sz="1400" u="none" strike="noStrike" baseline="0" dirty="0" smtClean="0">
-                          <a:effectLst/>
-                        </a:rPr>
-                        <a:t> box </a:t>
-                      </a:r>
-                      <a:r>
-                        <a:rPr lang="de-DE" sz="1400" u="none" strike="noStrike" baseline="0" dirty="0" err="1" smtClean="0">
-                          <a:effectLst/>
-                        </a:rPr>
-                        <a:t>with</a:t>
-                      </a:r>
-                      <a:r>
-                        <a:rPr lang="de-DE" sz="1400" u="none" strike="noStrike" baseline="0" dirty="0" smtClean="0">
-                          <a:effectLst/>
-                        </a:rPr>
-                        <a:t> </a:t>
-                      </a:r>
-                      <a:r>
-                        <a:rPr lang="de-DE" sz="1400" u="none" strike="noStrike" baseline="0" dirty="0" err="1" smtClean="0">
-                          <a:effectLst/>
-                        </a:rPr>
-                        <a:t>quadtriceps</a:t>
-                      </a:r>
-                      <a:r>
-                        <a:rPr lang="de-DE" sz="1400" u="none" strike="noStrike" baseline="0" dirty="0" smtClean="0">
-                          <a:effectLst/>
-                        </a:rPr>
-                        <a:t> in </a:t>
-                      </a:r>
-                      <a:r>
-                        <a:rPr lang="de-DE" sz="1400" u="none" strike="noStrike" baseline="0" dirty="0" err="1" smtClean="0">
-                          <a:effectLst/>
-                        </a:rPr>
-                        <a:t>tights</a:t>
-                      </a:r>
-                      <a:r>
-                        <a:rPr lang="de-DE" sz="1400" u="none" strike="noStrike" baseline="0" dirty="0" smtClean="0">
-                          <a:effectLst/>
-                        </a:rPr>
-                        <a:t>, </a:t>
-                      </a:r>
-                      <a:r>
-                        <a:rPr lang="de-DE" sz="1400" u="none" strike="noStrike" baseline="0" dirty="0" err="1" smtClean="0">
-                          <a:effectLst/>
-                        </a:rPr>
-                        <a:t>chest</a:t>
-                      </a:r>
-                      <a:r>
-                        <a:rPr lang="de-DE" sz="1400" u="none" strike="noStrike" baseline="0" dirty="0" smtClean="0">
-                          <a:effectLst/>
-                        </a:rPr>
-                        <a:t> out, </a:t>
-                      </a:r>
-                      <a:r>
-                        <a:rPr lang="de-DE" sz="1400" u="none" strike="noStrike" baseline="0" dirty="0" err="1" smtClean="0">
-                          <a:effectLst/>
-                        </a:rPr>
-                        <a:t>ellbows</a:t>
-                      </a:r>
-                      <a:r>
-                        <a:rPr lang="de-DE" sz="1400" u="none" strike="noStrike" baseline="0" dirty="0" smtClean="0">
-                          <a:effectLst/>
-                        </a:rPr>
-                        <a:t> </a:t>
-                      </a:r>
-                      <a:r>
-                        <a:rPr lang="de-DE" sz="1400" u="none" strike="noStrike" baseline="0" dirty="0" err="1" smtClean="0">
-                          <a:effectLst/>
-                        </a:rPr>
-                        <a:t>aim</a:t>
-                      </a:r>
-                      <a:r>
-                        <a:rPr lang="de-DE" sz="1400" u="none" strike="noStrike" baseline="0" dirty="0" smtClean="0">
-                          <a:effectLst/>
-                        </a:rPr>
-                        <a:t> at ca. 90°</a:t>
-                      </a:r>
-                      <a:endParaRPr lang="de-DE" sz="1400" b="0" i="0" u="none" strike="noStrike" dirty="0">
-                        <a:solidFill>
-                          <a:srgbClr val="000000"/>
-                        </a:solidFill>
-                        <a:effectLst/>
-                        <a:latin typeface="Calibri" panose="020F0502020204030204" pitchFamily="34" charset="0"/>
-                      </a:endParaRPr>
-                    </a:p>
-                  </a:txBody>
-                  <a:tcPr marL="0" marR="0" marT="0" marB="0" anchor="b"/>
-                </a:tc>
-                <a:tc>
-                  <a:txBody>
-                    <a:bodyPr/>
-                    <a:lstStyle/>
-                    <a:p>
-                      <a:pPr algn="r" fontAlgn="b"/>
-                      <a:r>
-                        <a:rPr lang="de-DE" sz="1400" u="none" strike="noStrike">
-                          <a:effectLst/>
-                        </a:rPr>
-                        <a:t>3</a:t>
-                      </a:r>
-                      <a:endParaRPr lang="de-DE" sz="1400" b="0" i="0" u="none" strike="noStrike">
-                        <a:solidFill>
-                          <a:srgbClr val="000000"/>
-                        </a:solidFill>
-                        <a:effectLst/>
-                        <a:latin typeface="Calibri" panose="020F0502020204030204" pitchFamily="34" charset="0"/>
-                      </a:endParaRPr>
-                    </a:p>
-                  </a:txBody>
-                  <a:tcPr marL="0" marR="0" marT="0" marB="0" anchor="b"/>
-                </a:tc>
-              </a:tr>
-              <a:tr h="565409">
-                <a:tc>
-                  <a:txBody>
-                    <a:bodyPr/>
-                    <a:lstStyle/>
-                    <a:p>
-                      <a:pPr algn="l" fontAlgn="b"/>
-                      <a:r>
-                        <a:rPr lang="de-DE" sz="1400" u="none" strike="noStrike">
-                          <a:effectLst/>
-                        </a:rPr>
-                        <a:t>lower</a:t>
-                      </a:r>
-                      <a:endParaRPr lang="de-DE" sz="1400" b="0" i="0" u="none" strike="noStrike">
-                        <a:solidFill>
-                          <a:srgbClr val="000000"/>
-                        </a:solidFill>
-                        <a:effectLst/>
-                        <a:latin typeface="Calibri" panose="020F0502020204030204" pitchFamily="34" charset="0"/>
-                      </a:endParaRPr>
-                    </a:p>
-                  </a:txBody>
-                  <a:tcPr marL="0" marR="0" marT="0" marB="0" anchor="b"/>
-                </a:tc>
-                <a:tc>
-                  <a:txBody>
-                    <a:bodyPr/>
-                    <a:lstStyle/>
-                    <a:p>
-                      <a:pPr algn="l" fontAlgn="b"/>
-                      <a:r>
-                        <a:rPr lang="de-DE" sz="1400" u="none" strike="noStrike" dirty="0" err="1" smtClean="0">
-                          <a:effectLst/>
-                        </a:rPr>
-                        <a:t>Lower</a:t>
-                      </a:r>
-                      <a:r>
-                        <a:rPr lang="de-DE" sz="1400" u="none" strike="noStrike" dirty="0" smtClean="0">
-                          <a:effectLst/>
-                        </a:rPr>
-                        <a:t> box </a:t>
-                      </a:r>
-                      <a:r>
-                        <a:rPr lang="de-DE" sz="1400" u="none" strike="noStrike" dirty="0" err="1" smtClean="0">
-                          <a:effectLst/>
-                        </a:rPr>
-                        <a:t>to</a:t>
-                      </a:r>
-                      <a:r>
-                        <a:rPr lang="de-DE" sz="1400" u="none" strike="noStrike" dirty="0" smtClean="0">
-                          <a:effectLst/>
-                        </a:rPr>
-                        <a:t> </a:t>
-                      </a:r>
-                      <a:r>
-                        <a:rPr lang="de-DE" sz="1400" u="none" strike="noStrike" dirty="0" err="1" smtClean="0">
-                          <a:effectLst/>
-                        </a:rPr>
-                        <a:t>flor</a:t>
-                      </a:r>
-                      <a:endParaRPr lang="de-DE" sz="1400" b="0" i="0" u="none" strike="noStrike" dirty="0">
-                        <a:solidFill>
-                          <a:srgbClr val="000000"/>
-                        </a:solidFill>
-                        <a:effectLst/>
-                        <a:latin typeface="Calibri" panose="020F0502020204030204" pitchFamily="34" charset="0"/>
-                      </a:endParaRPr>
-                    </a:p>
-                  </a:txBody>
-                  <a:tcPr marL="0" marR="0" marT="0" marB="0" anchor="b"/>
-                </a:tc>
-                <a:tc>
-                  <a:txBody>
-                    <a:bodyPr/>
-                    <a:lstStyle/>
-                    <a:p>
-                      <a:pPr algn="l" fontAlgn="b"/>
-                      <a:r>
-                        <a:rPr lang="de-DE" sz="1400" u="none" strike="noStrike" dirty="0" smtClean="0">
-                          <a:effectLst/>
-                        </a:rPr>
-                        <a:t>Head </a:t>
-                      </a:r>
-                      <a:r>
-                        <a:rPr lang="de-DE" sz="1400" u="none" strike="noStrike" dirty="0" err="1" smtClean="0">
-                          <a:effectLst/>
-                        </a:rPr>
-                        <a:t>above</a:t>
-                      </a:r>
-                      <a:r>
-                        <a:rPr lang="de-DE" sz="1400" u="none" strike="noStrike" dirty="0" smtClean="0">
-                          <a:effectLst/>
-                        </a:rPr>
-                        <a:t> </a:t>
-                      </a:r>
-                      <a:r>
-                        <a:rPr lang="de-DE" sz="1400" u="none" strike="noStrike" dirty="0" err="1" smtClean="0">
-                          <a:effectLst/>
-                        </a:rPr>
-                        <a:t>pelvis</a:t>
-                      </a:r>
-                      <a:r>
-                        <a:rPr lang="de-DE" sz="1400" u="none" strike="noStrike" dirty="0" smtClean="0">
-                          <a:effectLst/>
-                        </a:rPr>
-                        <a:t>, </a:t>
-                      </a:r>
-                      <a:r>
-                        <a:rPr lang="de-DE" sz="1400" u="none" strike="noStrike" dirty="0" err="1" smtClean="0">
-                          <a:effectLst/>
-                        </a:rPr>
-                        <a:t>bend</a:t>
-                      </a:r>
-                      <a:r>
-                        <a:rPr lang="de-DE" sz="1400" u="none" strike="noStrike" dirty="0" smtClean="0">
-                          <a:effectLst/>
-                        </a:rPr>
-                        <a:t> </a:t>
-                      </a:r>
-                      <a:r>
-                        <a:rPr lang="de-DE" sz="1400" u="none" strike="noStrike" dirty="0" err="1" smtClean="0">
-                          <a:effectLst/>
-                        </a:rPr>
-                        <a:t>knees</a:t>
-                      </a:r>
-                      <a:r>
-                        <a:rPr lang="de-DE" sz="1400" u="none" strike="noStrike" dirty="0" smtClean="0">
-                          <a:effectLst/>
-                        </a:rPr>
-                        <a:t> and open </a:t>
-                      </a:r>
-                      <a:r>
-                        <a:rPr lang="de-DE" sz="1400" u="none" strike="noStrike" dirty="0" err="1" smtClean="0">
-                          <a:effectLst/>
-                        </a:rPr>
-                        <a:t>legs</a:t>
-                      </a:r>
-                      <a:endParaRPr lang="de-DE" sz="1400" u="none" strike="noStrike" dirty="0" smtClean="0">
-                        <a:effectLst/>
-                      </a:endParaRPr>
-                    </a:p>
-                    <a:p>
-                      <a:pPr algn="l" fontAlgn="b"/>
-                      <a:r>
-                        <a:rPr lang="de-DE" sz="1400" u="none" strike="noStrike" dirty="0" err="1" smtClean="0">
-                          <a:effectLst/>
-                        </a:rPr>
-                        <a:t>kopf</a:t>
-                      </a:r>
-                      <a:r>
-                        <a:rPr lang="de-DE" sz="1400" u="none" strike="noStrike" dirty="0" smtClean="0">
-                          <a:effectLst/>
-                        </a:rPr>
-                        <a:t> </a:t>
-                      </a:r>
-                      <a:r>
-                        <a:rPr lang="de-DE" sz="1400" u="none" strike="noStrike" dirty="0">
-                          <a:effectLst/>
-                        </a:rPr>
-                        <a:t>über </a:t>
-                      </a:r>
-                      <a:r>
-                        <a:rPr lang="de-DE" sz="1400" u="none" strike="noStrike" dirty="0" err="1">
-                          <a:effectLst/>
-                        </a:rPr>
-                        <a:t>becken</a:t>
-                      </a:r>
-                      <a:r>
-                        <a:rPr lang="de-DE" sz="1400" u="none" strike="noStrike" dirty="0">
-                          <a:effectLst/>
-                        </a:rPr>
-                        <a:t> beim aufstehen, </a:t>
-                      </a:r>
-                      <a:r>
-                        <a:rPr lang="de-DE" sz="1400" u="none" strike="noStrike" dirty="0" err="1">
-                          <a:effectLst/>
-                        </a:rPr>
-                        <a:t>kknie</a:t>
-                      </a:r>
-                      <a:r>
-                        <a:rPr lang="de-DE" sz="1400" u="none" strike="noStrike" dirty="0">
-                          <a:effectLst/>
-                        </a:rPr>
-                        <a:t> beugen und </a:t>
-                      </a:r>
-                      <a:r>
-                        <a:rPr lang="de-DE" sz="1400" u="none" strike="noStrike" dirty="0" err="1">
-                          <a:effectLst/>
-                        </a:rPr>
-                        <a:t>öfnen</a:t>
-                      </a:r>
-                      <a:r>
-                        <a:rPr lang="de-DE" sz="1400" u="none" strike="noStrike" dirty="0">
-                          <a:effectLst/>
-                        </a:rPr>
-                        <a:t>, </a:t>
-                      </a:r>
-                      <a:r>
-                        <a:rPr lang="de-DE" sz="1400" u="none" strike="noStrike" dirty="0" err="1">
-                          <a:effectLst/>
-                        </a:rPr>
-                        <a:t>brust</a:t>
-                      </a:r>
-                      <a:r>
-                        <a:rPr lang="de-DE" sz="1400" u="none" strike="noStrike" dirty="0">
-                          <a:effectLst/>
-                        </a:rPr>
-                        <a:t> raus, </a:t>
-                      </a:r>
-                      <a:r>
-                        <a:rPr lang="de-DE" sz="1400" u="none" strike="noStrike" dirty="0" err="1">
-                          <a:effectLst/>
-                        </a:rPr>
-                        <a:t>kopf</a:t>
-                      </a:r>
-                      <a:r>
-                        <a:rPr lang="de-DE" sz="1400" u="none" strike="noStrike" dirty="0">
-                          <a:effectLst/>
-                        </a:rPr>
-                        <a:t> gerade, gerader rücken</a:t>
-                      </a:r>
-                      <a:endParaRPr lang="de-DE" sz="1400" b="0" i="0" u="none" strike="noStrike" dirty="0">
-                        <a:solidFill>
-                          <a:srgbClr val="000000"/>
-                        </a:solidFill>
-                        <a:effectLst/>
-                        <a:latin typeface="Calibri" panose="020F0502020204030204" pitchFamily="34" charset="0"/>
-                      </a:endParaRPr>
-                    </a:p>
-                  </a:txBody>
-                  <a:tcPr marL="0" marR="0" marT="0" marB="0" anchor="b"/>
-                </a:tc>
-                <a:tc>
-                  <a:txBody>
-                    <a:bodyPr/>
-                    <a:lstStyle/>
-                    <a:p>
-                      <a:pPr algn="r" fontAlgn="b"/>
-                      <a:r>
-                        <a:rPr lang="de-DE" sz="1400" u="none" strike="noStrike">
-                          <a:effectLst/>
-                        </a:rPr>
-                        <a:t>3</a:t>
-                      </a:r>
-                      <a:endParaRPr lang="de-DE" sz="1400" b="0" i="0" u="none" strike="noStrike">
-                        <a:solidFill>
-                          <a:srgbClr val="000000"/>
-                        </a:solidFill>
-                        <a:effectLst/>
-                        <a:latin typeface="Calibri" panose="020F0502020204030204" pitchFamily="34" charset="0"/>
-                      </a:endParaRPr>
-                    </a:p>
-                  </a:txBody>
-                  <a:tcPr marL="0" marR="0" marT="0" marB="0" anchor="b"/>
-                </a:tc>
-              </a:tr>
-              <a:tr h="487787">
-                <a:tc>
-                  <a:txBody>
-                    <a:bodyPr/>
-                    <a:lstStyle/>
-                    <a:p>
-                      <a:pPr algn="l" fontAlgn="b"/>
-                      <a:r>
-                        <a:rPr lang="de-DE" sz="1400" u="none" strike="noStrike">
-                          <a:effectLst/>
-                        </a:rPr>
-                        <a:t>place</a:t>
-                      </a:r>
-                      <a:endParaRPr lang="de-DE" sz="1400" b="0" i="0" u="none" strike="noStrike">
-                        <a:solidFill>
-                          <a:srgbClr val="000000"/>
-                        </a:solidFill>
-                        <a:effectLst/>
-                        <a:latin typeface="Calibri" panose="020F0502020204030204" pitchFamily="34" charset="0"/>
-                      </a:endParaRPr>
-                    </a:p>
-                  </a:txBody>
-                  <a:tcPr marL="0" marR="0" marT="0" marB="0" anchor="b"/>
-                </a:tc>
-                <a:tc>
-                  <a:txBody>
-                    <a:bodyPr/>
-                    <a:lstStyle/>
-                    <a:p>
-                      <a:pPr algn="l" fontAlgn="b"/>
-                      <a:r>
-                        <a:rPr lang="de-DE" sz="1400" u="none" strike="noStrike">
-                          <a:effectLst/>
-                        </a:rPr>
-                        <a:t>put box on table</a:t>
-                      </a:r>
-                      <a:endParaRPr lang="de-DE" sz="1400" b="0" i="0" u="none" strike="noStrike">
-                        <a:solidFill>
-                          <a:srgbClr val="000000"/>
-                        </a:solidFill>
-                        <a:effectLst/>
-                        <a:latin typeface="Calibri" panose="020F0502020204030204" pitchFamily="34" charset="0"/>
-                      </a:endParaRPr>
-                    </a:p>
-                  </a:txBody>
-                  <a:tcPr marL="0" marR="0" marT="0" marB="0" anchor="b"/>
-                </a:tc>
-                <a:tc>
-                  <a:txBody>
-                    <a:bodyPr/>
-                    <a:lstStyle/>
-                    <a:p>
-                      <a:pPr algn="l" fontAlgn="b"/>
-                      <a:r>
-                        <a:rPr lang="de-DE" sz="1400" u="none" strike="noStrike">
-                          <a:effectLst/>
-                        </a:rPr>
-                        <a:t>knie beugen, leicht nach vorne beugen, ame setzen box ab</a:t>
-                      </a:r>
-                      <a:endParaRPr lang="de-DE" sz="1400" b="0" i="0" u="none" strike="noStrike">
-                        <a:solidFill>
-                          <a:srgbClr val="000000"/>
-                        </a:solidFill>
-                        <a:effectLst/>
-                        <a:latin typeface="Calibri" panose="020F0502020204030204" pitchFamily="34" charset="0"/>
-                      </a:endParaRPr>
-                    </a:p>
-                  </a:txBody>
-                  <a:tcPr marL="0" marR="0" marT="0" marB="0" anchor="b"/>
-                </a:tc>
-                <a:tc>
-                  <a:txBody>
-                    <a:bodyPr/>
-                    <a:lstStyle/>
-                    <a:p>
-                      <a:pPr algn="r" fontAlgn="b"/>
-                      <a:r>
-                        <a:rPr lang="de-DE" sz="1400" u="none" strike="noStrike" dirty="0">
-                          <a:effectLst/>
-                        </a:rPr>
-                        <a:t>2</a:t>
-                      </a:r>
-                      <a:endParaRPr lang="de-DE" sz="1400" b="0" i="0" u="none" strike="noStrike" dirty="0">
-                        <a:solidFill>
-                          <a:srgbClr val="000000"/>
-                        </a:solidFill>
-                        <a:effectLst/>
-                        <a:latin typeface="Calibri" panose="020F0502020204030204" pitchFamily="34" charset="0"/>
-                      </a:endParaRPr>
-                    </a:p>
-                  </a:txBody>
-                  <a:tcPr marL="0" marR="0" marT="0" marB="0" anchor="b"/>
-                </a:tc>
-              </a:tr>
-              <a:tr h="704581">
-                <a:tc>
-                  <a:txBody>
-                    <a:bodyPr/>
-                    <a:lstStyle/>
-                    <a:p>
-                      <a:pPr algn="l" fontAlgn="b"/>
-                      <a:r>
-                        <a:rPr lang="de-DE" sz="1400" u="none" strike="noStrike" dirty="0">
-                          <a:effectLst/>
-                        </a:rPr>
-                        <a:t>pick</a:t>
-                      </a:r>
-                      <a:endParaRPr lang="de-DE" sz="1400" b="0" i="0" u="none" strike="noStrike" dirty="0">
-                        <a:solidFill>
-                          <a:srgbClr val="000000"/>
-                        </a:solidFill>
-                        <a:effectLst/>
-                        <a:latin typeface="Calibri" panose="020F0502020204030204" pitchFamily="34" charset="0"/>
-                      </a:endParaRPr>
-                    </a:p>
-                  </a:txBody>
-                  <a:tcPr marL="0" marR="0" marT="0" marB="0" anchor="b"/>
-                </a:tc>
-                <a:tc>
-                  <a:txBody>
-                    <a:bodyPr/>
-                    <a:lstStyle/>
-                    <a:p>
-                      <a:pPr algn="l" fontAlgn="b"/>
-                      <a:r>
-                        <a:rPr lang="en-US" sz="1400" u="none" strike="noStrike">
-                          <a:effectLst/>
-                        </a:rPr>
-                        <a:t>pick up bock from table</a:t>
-                      </a:r>
-                      <a:endParaRPr lang="en-US" sz="1400" b="0" i="0" u="none" strike="noStrike">
-                        <a:solidFill>
-                          <a:srgbClr val="000000"/>
-                        </a:solidFill>
-                        <a:effectLst/>
-                        <a:latin typeface="Calibri" panose="020F0502020204030204" pitchFamily="34" charset="0"/>
-                      </a:endParaRPr>
-                    </a:p>
-                  </a:txBody>
-                  <a:tcPr marL="0" marR="0" marT="0" marB="0" anchor="b"/>
-                </a:tc>
-                <a:tc>
-                  <a:txBody>
-                    <a:bodyPr/>
-                    <a:lstStyle/>
-                    <a:p>
-                      <a:pPr algn="l" fontAlgn="b"/>
-                      <a:r>
-                        <a:rPr lang="de-DE" sz="1400" u="none" strike="noStrike">
-                          <a:effectLst/>
-                        </a:rPr>
-                        <a:t>box weit weg dann ausfallschritt, box nah, dann in die knie und paralele füße</a:t>
-                      </a:r>
-                      <a:endParaRPr lang="de-DE" sz="1400" b="0" i="0" u="none" strike="noStrike">
-                        <a:solidFill>
-                          <a:srgbClr val="000000"/>
-                        </a:solidFill>
-                        <a:effectLst/>
-                        <a:latin typeface="Calibri" panose="020F0502020204030204" pitchFamily="34" charset="0"/>
-                      </a:endParaRPr>
-                    </a:p>
-                  </a:txBody>
-                  <a:tcPr marL="0" marR="0" marT="0" marB="0" anchor="b"/>
-                </a:tc>
-                <a:tc>
-                  <a:txBody>
-                    <a:bodyPr/>
-                    <a:lstStyle/>
-                    <a:p>
-                      <a:pPr algn="r" fontAlgn="b"/>
-                      <a:r>
-                        <a:rPr lang="de-DE" sz="1400" u="none" strike="noStrike" dirty="0">
-                          <a:effectLst/>
-                        </a:rPr>
-                        <a:t>2</a:t>
-                      </a:r>
-                      <a:endParaRPr lang="de-DE" sz="1400" b="0" i="0" u="none" strike="noStrike" dirty="0">
-                        <a:solidFill>
-                          <a:srgbClr val="000000"/>
-                        </a:solidFill>
-                        <a:effectLst/>
-                        <a:latin typeface="Calibri" panose="020F0502020204030204" pitchFamily="34" charset="0"/>
-                      </a:endParaRPr>
-                    </a:p>
-                  </a:txBody>
-                  <a:tcPr marL="0" marR="0" marT="0" marB="0" anchor="b"/>
-                </a:tc>
-              </a:tr>
-              <a:tr h="394958">
-                <a:tc>
-                  <a:txBody>
-                    <a:bodyPr/>
-                    <a:lstStyle/>
-                    <a:p>
-                      <a:pPr algn="l" fontAlgn="b"/>
-                      <a:endParaRPr lang="de-DE" sz="1400" b="0" i="0" u="none" strike="noStrike" dirty="0">
-                        <a:solidFill>
-                          <a:srgbClr val="000000"/>
-                        </a:solidFill>
-                        <a:effectLst/>
-                        <a:latin typeface="Calibri" panose="020F0502020204030204" pitchFamily="34" charset="0"/>
-                      </a:endParaRPr>
-                    </a:p>
-                  </a:txBody>
-                  <a:tcPr marL="0" marR="0" marT="0" marB="0" anchor="b"/>
-                </a:tc>
-                <a:tc>
-                  <a:txBody>
-                    <a:bodyPr/>
-                    <a:lstStyle/>
-                    <a:p>
-                      <a:pPr algn="l" fontAlgn="b"/>
-                      <a:endParaRPr lang="en-US" sz="1400" b="0" i="0" u="none" strike="noStrike" dirty="0">
-                        <a:solidFill>
-                          <a:srgbClr val="000000"/>
-                        </a:solidFill>
-                        <a:effectLst/>
-                        <a:latin typeface="Calibri" panose="020F0502020204030204" pitchFamily="34" charset="0"/>
-                      </a:endParaRPr>
-                    </a:p>
-                  </a:txBody>
-                  <a:tcPr marL="0" marR="0" marT="0" marB="0" anchor="b"/>
-                </a:tc>
-                <a:tc>
-                  <a:txBody>
-                    <a:bodyPr/>
-                    <a:lstStyle/>
-                    <a:p>
-                      <a:pPr algn="l" fontAlgn="b"/>
-                      <a:endParaRPr lang="de-DE" sz="1400" b="0" i="0" u="none" strike="noStrike">
-                        <a:solidFill>
-                          <a:srgbClr val="000000"/>
-                        </a:solidFill>
-                        <a:effectLst/>
-                        <a:latin typeface="Calibri" panose="020F0502020204030204" pitchFamily="34" charset="0"/>
-                      </a:endParaRPr>
-                    </a:p>
-                  </a:txBody>
-                  <a:tcPr marL="0" marR="0" marT="0" marB="0" anchor="b"/>
-                </a:tc>
-                <a:tc>
-                  <a:txBody>
-                    <a:bodyPr/>
-                    <a:lstStyle/>
-                    <a:p>
-                      <a:pPr algn="r" fontAlgn="b"/>
+                      <a:endParaRPr lang="en-GB" sz="1400" b="0" i="0" u="none" strike="noStrike" noProof="0" dirty="0" smtClean="0">
+                        <a:solidFill>
+                          <a:srgbClr val="000000"/>
+                        </a:solidFill>
+                        <a:effectLst/>
+                        <a:latin typeface="Calibri" panose="020F0502020204030204" pitchFamily="34" charset="0"/>
+                      </a:endParaRPr>
+                    </a:p>
+                  </a:txBody>
+                  <a:tcPr marL="0" marR="0" marT="0" marB="0">
+                    <a:lnR w="12700" cap="flat" cmpd="sng" algn="ctr">
+                      <a:noFill/>
+                      <a:prstDash val="solid"/>
+                      <a:round/>
+                      <a:headEnd type="none" w="med" len="med"/>
+                      <a:tailEnd type="none" w="med" len="med"/>
+                    </a:lnR>
+                    <a:noFill/>
+                  </a:tcPr>
+                </a:tc>
+                <a:tc>
+                  <a:txBody>
+                    <a:bodyPr/>
+                    <a:lstStyle/>
+                    <a:p>
+                      <a:pPr marL="0" marR="0" lvl="0" indent="0" algn="l" defTabSz="914400" rtl="0" eaLnBrk="1" fontAlgn="b" latinLnBrk="0" hangingPunct="1">
+                        <a:lnSpc>
+                          <a:spcPct val="100000"/>
+                        </a:lnSpc>
+                        <a:spcBef>
+                          <a:spcPts val="0"/>
+                        </a:spcBef>
+                        <a:spcAft>
+                          <a:spcPts val="0"/>
+                        </a:spcAft>
+                        <a:buClrTx/>
+                        <a:buSzTx/>
+                        <a:buFontTx/>
+                        <a:buNone/>
+                        <a:tabLst/>
+                        <a:defRPr/>
+                      </a:pPr>
                       <a:r>
                         <a:rPr lang="de-DE" sz="1400" b="0" i="0" u="none" strike="noStrike" dirty="0" smtClean="0">
                           <a:solidFill>
@@ -5127,8 +3319,171 @@
                           <a:effectLst/>
                           <a:latin typeface="Calibri" panose="020F0502020204030204" pitchFamily="34" charset="0"/>
                         </a:rPr>
-                        <a:t>Total: </a:t>
-                      </a:r>
+                        <a:t>4</a:t>
+                      </a:r>
+                    </a:p>
+                  </a:txBody>
+                  <a:tcPr marL="0" marR="0" marT="0" marB="0">
+                    <a:lnL w="12700" cap="flat" cmpd="sng" algn="ctr">
+                      <a:noFill/>
+                      <a:prstDash val="solid"/>
+                      <a:round/>
+                      <a:headEnd type="none" w="med" len="med"/>
+                      <a:tailEnd type="none" w="med" len="med"/>
+                    </a:lnL>
+                    <a:noFill/>
+                  </a:tcPr>
+                </a:tc>
+              </a:tr>
+              <a:tr h="223904">
+                <a:tc>
+                  <a:txBody>
+                    <a:bodyPr/>
+                    <a:lstStyle/>
+                    <a:p>
+                      <a:pPr algn="l" fontAlgn="b"/>
+                      <a:r>
+                        <a:rPr lang="de-DE" sz="1400" b="1" i="0" u="none" strike="noStrike" dirty="0" smtClean="0">
+                          <a:solidFill>
+                            <a:srgbClr val="000000"/>
+                          </a:solidFill>
+                          <a:effectLst/>
+                          <a:latin typeface="Calibri" panose="020F0502020204030204" pitchFamily="34" charset="0"/>
+                        </a:rPr>
+                        <a:t>pull</a:t>
+                      </a:r>
+                      <a:endParaRPr lang="de-DE" sz="1400" b="1" i="0" u="none" strike="noStrike" dirty="0">
+                        <a:solidFill>
+                          <a:srgbClr val="000000"/>
+                        </a:solidFill>
+                        <a:effectLst/>
+                        <a:latin typeface="Calibri" panose="020F0502020204030204" pitchFamily="34" charset="0"/>
+                      </a:endParaRPr>
+                    </a:p>
+                  </a:txBody>
+                  <a:tcPr marL="0" marR="0" marT="0" marB="0">
+                    <a:noFill/>
+                  </a:tcPr>
+                </a:tc>
+                <a:tc>
+                  <a:txBody>
+                    <a:bodyPr/>
+                    <a:lstStyle/>
+                    <a:p>
+                      <a:pPr algn="l" fontAlgn="b"/>
+                      <a:r>
+                        <a:rPr lang="de-DE" sz="1400" u="none" strike="noStrike" dirty="0" smtClean="0">
+                          <a:effectLst/>
+                        </a:rPr>
+                        <a:t>Pull box on </a:t>
+                      </a:r>
+                      <a:r>
+                        <a:rPr lang="de-DE" sz="1400" u="none" strike="noStrike" dirty="0" err="1" smtClean="0">
+                          <a:effectLst/>
+                        </a:rPr>
+                        <a:t>table</a:t>
+                      </a:r>
+                      <a:endParaRPr lang="de-DE" sz="1400" b="0" i="0" u="none" strike="noStrike" dirty="0">
+                        <a:solidFill>
+                          <a:srgbClr val="000000"/>
+                        </a:solidFill>
+                        <a:effectLst/>
+                        <a:latin typeface="Calibri" panose="020F0502020204030204" pitchFamily="34" charset="0"/>
+                      </a:endParaRPr>
+                    </a:p>
+                  </a:txBody>
+                  <a:tcPr marL="0" marR="0" marT="0" marB="0">
+                    <a:noFill/>
+                  </a:tcPr>
+                </a:tc>
+                <a:tc>
+                  <a:txBody>
+                    <a:bodyPr/>
+                    <a:lstStyle/>
+                    <a:p>
+                      <a:pPr marL="0" marR="0" lvl="0" indent="0" algn="l" defTabSz="914400" rtl="0" eaLnBrk="1" fontAlgn="b" latinLnBrk="0" hangingPunct="1">
+                        <a:lnSpc>
+                          <a:spcPct val="100000"/>
+                        </a:lnSpc>
+                        <a:spcBef>
+                          <a:spcPts val="0"/>
+                        </a:spcBef>
+                        <a:spcAft>
+                          <a:spcPts val="0"/>
+                        </a:spcAft>
+                        <a:buClrTx/>
+                        <a:buSzTx/>
+                        <a:buFontTx/>
+                        <a:buNone/>
+                        <a:tabLst/>
+                        <a:defRPr/>
+                      </a:pPr>
+                      <a:r>
+                        <a:rPr lang="en-GB" sz="1400" u="none" strike="noStrike" noProof="0" dirty="0" smtClean="0">
+                          <a:effectLst/>
+                        </a:rPr>
+                        <a:t>Lunge, feet hip wide, chest out, shoulders back, straight back, lean forward, bend</a:t>
+                      </a:r>
+                      <a:r>
+                        <a:rPr lang="en-GB" sz="1400" u="none" strike="noStrike" baseline="0" noProof="0" dirty="0" smtClean="0">
+                          <a:effectLst/>
+                        </a:rPr>
+                        <a:t> front knee</a:t>
+                      </a:r>
+                      <a:r>
+                        <a:rPr lang="en-GB" sz="1400" u="none" strike="noStrike" noProof="0" dirty="0" smtClean="0">
+                          <a:effectLst/>
+                        </a:rPr>
+                        <a:t>, extend your arms, pressure on front leg, pull box by</a:t>
+                      </a:r>
+                      <a:r>
+                        <a:rPr lang="en-GB" sz="1400" u="none" strike="noStrike" baseline="0" noProof="0" dirty="0" smtClean="0">
+                          <a:effectLst/>
+                        </a:rPr>
+                        <a:t> activating back muscles</a:t>
+                      </a:r>
+                      <a:endParaRPr lang="en-GB" sz="1400" b="0" i="0" u="none" strike="noStrike" noProof="0" dirty="0" smtClean="0">
+                        <a:solidFill>
+                          <a:srgbClr val="000000"/>
+                        </a:solidFill>
+                        <a:effectLst/>
+                        <a:latin typeface="Calibri" panose="020F0502020204030204" pitchFamily="34" charset="0"/>
+                      </a:endParaRPr>
+                    </a:p>
+                  </a:txBody>
+                  <a:tcPr marL="0" marR="0" marT="0" marB="0">
+                    <a:lnR w="12700" cap="flat" cmpd="sng" algn="ctr">
+                      <a:noFill/>
+                      <a:prstDash val="solid"/>
+                      <a:round/>
+                      <a:headEnd type="none" w="med" len="med"/>
+                      <a:tailEnd type="none" w="med" len="med"/>
+                    </a:lnR>
+                    <a:noFill/>
+                  </a:tcPr>
+                </a:tc>
+                <a:tc>
+                  <a:txBody>
+                    <a:bodyPr/>
+                    <a:lstStyle/>
+                    <a:p>
+                      <a:pPr marL="0" marR="0" lvl="0" indent="0" algn="l" defTabSz="914400" rtl="0" eaLnBrk="1" fontAlgn="b" latinLnBrk="0" hangingPunct="1">
+                        <a:lnSpc>
+                          <a:spcPct val="100000"/>
+                        </a:lnSpc>
+                        <a:spcBef>
+                          <a:spcPts val="0"/>
+                        </a:spcBef>
+                        <a:spcAft>
+                          <a:spcPts val="0"/>
+                        </a:spcAft>
+                        <a:buClrTx/>
+                        <a:buSzTx/>
+                        <a:buFontTx/>
+                        <a:buNone/>
+                        <a:tabLst/>
+                        <a:defRPr/>
+                      </a:pPr>
                       <a:r>
                         <a:rPr lang="de-DE" sz="1400" b="0" i="0" u="none" strike="noStrike" dirty="0" smtClean="0">
                           <a:solidFill>
@@ -5137,7 +3492,200 @@
                           <a:effectLst/>
                           <a:latin typeface="Calibri" panose="020F0502020204030204" pitchFamily="34" charset="0"/>
                         </a:rPr>
-                        <a:t>34</a:t>
+                        <a:t>4</a:t>
+                      </a:r>
+                    </a:p>
+                  </a:txBody>
+                  <a:tcPr marL="0" marR="0" marT="0" marB="0">
+                    <a:lnL w="12700" cap="flat" cmpd="sng" algn="ctr">
+                      <a:noFill/>
+                      <a:prstDash val="solid"/>
+                      <a:round/>
+                      <a:headEnd type="none" w="med" len="med"/>
+                      <a:tailEnd type="none" w="med" len="med"/>
+                    </a:lnL>
+                    <a:noFill/>
+                  </a:tcPr>
+                </a:tc>
+              </a:tr>
+              <a:tr h="223904">
+                <a:tc>
+                  <a:txBody>
+                    <a:bodyPr/>
+                    <a:lstStyle/>
+                    <a:p>
+                      <a:pPr algn="l" fontAlgn="b"/>
+                      <a:r>
+                        <a:rPr lang="de-DE" sz="1400" b="1" i="0" u="none" strike="noStrike" dirty="0" smtClean="0">
+                          <a:solidFill>
+                            <a:srgbClr val="000000"/>
+                          </a:solidFill>
+                          <a:effectLst/>
+                          <a:latin typeface="Calibri" panose="020F0502020204030204" pitchFamily="34" charset="0"/>
+                        </a:rPr>
+                        <a:t>turn</a:t>
+                      </a:r>
+                      <a:endParaRPr lang="de-DE" sz="1400" b="1" i="0" u="none" strike="noStrike" dirty="0">
+                        <a:solidFill>
+                          <a:srgbClr val="000000"/>
+                        </a:solidFill>
+                        <a:effectLst/>
+                        <a:latin typeface="Calibri" panose="020F0502020204030204" pitchFamily="34" charset="0"/>
+                      </a:endParaRPr>
+                    </a:p>
+                  </a:txBody>
+                  <a:tcPr marL="0" marR="0" marT="0" marB="0">
+                    <a:noFill/>
+                  </a:tcPr>
+                </a:tc>
+                <a:tc>
+                  <a:txBody>
+                    <a:bodyPr/>
+                    <a:lstStyle/>
+                    <a:p>
+                      <a:pPr algn="l" fontAlgn="b"/>
+                      <a:r>
+                        <a:rPr lang="en-US" sz="1400" u="none" strike="noStrike" dirty="0" smtClean="0">
+                          <a:effectLst/>
+                        </a:rPr>
+                        <a:t>Turn box by 90° on table</a:t>
+                      </a:r>
+                      <a:endParaRPr lang="en-US" sz="1400" b="0" i="0" u="none" strike="noStrike" dirty="0">
+                        <a:solidFill>
+                          <a:srgbClr val="000000"/>
+                        </a:solidFill>
+                        <a:effectLst/>
+                        <a:latin typeface="Calibri" panose="020F0502020204030204" pitchFamily="34" charset="0"/>
+                      </a:endParaRPr>
+                    </a:p>
+                  </a:txBody>
+                  <a:tcPr marL="0" marR="0" marT="0" marB="0">
+                    <a:noFill/>
+                  </a:tcPr>
+                </a:tc>
+                <a:tc>
+                  <a:txBody>
+                    <a:bodyPr/>
+                    <a:lstStyle/>
+                    <a:p>
+                      <a:pPr marL="0" marR="0" lvl="0" indent="0" algn="l" defTabSz="914400" rtl="0" eaLnBrk="1" fontAlgn="b" latinLnBrk="0" hangingPunct="1">
+                        <a:lnSpc>
+                          <a:spcPct val="100000"/>
+                        </a:lnSpc>
+                        <a:spcBef>
+                          <a:spcPts val="0"/>
+                        </a:spcBef>
+                        <a:spcAft>
+                          <a:spcPts val="0"/>
+                        </a:spcAft>
+                        <a:buClrTx/>
+                        <a:buSzTx/>
+                        <a:buFontTx/>
+                        <a:buNone/>
+                        <a:tabLst/>
+                        <a:defRPr/>
+                      </a:pPr>
+                      <a:r>
+                        <a:rPr lang="en-GB" sz="1400" u="none" strike="noStrike" noProof="0" dirty="0" smtClean="0">
+                          <a:effectLst/>
+                        </a:rPr>
+                        <a:t>Feet hip wide, lean slightly forward with straight back,</a:t>
+                      </a:r>
+                      <a:r>
+                        <a:rPr lang="en-GB" sz="1400" u="none" strike="noStrike" baseline="0" noProof="0" dirty="0" smtClean="0">
+                          <a:effectLst/>
+                        </a:rPr>
+                        <a:t> turn box with arm muscles, </a:t>
+                      </a:r>
+                      <a:r>
+                        <a:rPr lang="de-DE" sz="1400" u="none" strike="noStrike" dirty="0" err="1" smtClean="0">
+                          <a:effectLst/>
+                        </a:rPr>
+                        <a:t>weight</a:t>
+                      </a:r>
+                      <a:r>
+                        <a:rPr lang="de-DE" sz="1400" u="none" strike="noStrike" dirty="0" smtClean="0">
+                          <a:effectLst/>
+                        </a:rPr>
+                        <a:t> of </a:t>
+                      </a:r>
+                      <a:r>
+                        <a:rPr lang="de-DE" sz="1400" u="none" strike="noStrike" dirty="0" err="1" smtClean="0">
+                          <a:effectLst/>
+                        </a:rPr>
+                        <a:t>the</a:t>
+                      </a:r>
+                      <a:r>
+                        <a:rPr lang="de-DE" sz="1400" u="none" strike="noStrike" dirty="0" smtClean="0">
+                          <a:effectLst/>
+                        </a:rPr>
+                        <a:t> box </a:t>
+                      </a:r>
+                      <a:r>
+                        <a:rPr lang="de-DE" sz="1400" u="none" strike="noStrike" dirty="0" err="1" smtClean="0">
+                          <a:effectLst/>
+                        </a:rPr>
+                        <a:t>remains</a:t>
+                      </a:r>
+                      <a:r>
+                        <a:rPr lang="de-DE" sz="1400" u="none" strike="noStrike" dirty="0" smtClean="0">
+                          <a:effectLst/>
+                        </a:rPr>
+                        <a:t> on </a:t>
+                      </a:r>
+                      <a:r>
+                        <a:rPr lang="de-DE" sz="1400" u="none" strike="noStrike" dirty="0" err="1" smtClean="0">
+                          <a:effectLst/>
+                        </a:rPr>
+                        <a:t>the</a:t>
+                      </a:r>
+                      <a:r>
+                        <a:rPr lang="de-DE" sz="1400" u="none" strike="noStrike" dirty="0" smtClean="0">
+                          <a:effectLst/>
+                        </a:rPr>
+                        <a:t> </a:t>
+                      </a:r>
+                      <a:r>
+                        <a:rPr lang="de-DE" sz="1400" u="none" strike="noStrike" dirty="0" err="1" smtClean="0">
+                          <a:effectLst/>
+                        </a:rPr>
+                        <a:t>table</a:t>
+                      </a:r>
+                      <a:endParaRPr lang="de-DE" sz="1400" b="0" i="0" u="none" strike="noStrike" dirty="0" smtClean="0">
+                        <a:solidFill>
+                          <a:srgbClr val="000000"/>
+                        </a:solidFill>
+                        <a:effectLst/>
+                        <a:latin typeface="Calibri" panose="020F0502020204030204" pitchFamily="34" charset="0"/>
+                      </a:endParaRPr>
+                    </a:p>
+                  </a:txBody>
+                  <a:tcPr marL="0" marR="0" marT="0" marB="0">
+                    <a:lnR w="12700" cap="flat" cmpd="sng" algn="ctr">
+                      <a:noFill/>
+                      <a:prstDash val="solid"/>
+                      <a:round/>
+                      <a:headEnd type="none" w="med" len="med"/>
+                      <a:tailEnd type="none" w="med" len="med"/>
+                    </a:lnR>
+                    <a:noFill/>
+                  </a:tcPr>
+                </a:tc>
+                <a:tc>
+                  <a:txBody>
+                    <a:bodyPr/>
+                    <a:lstStyle/>
+                    <a:p>
+                      <a:pPr algn="l" fontAlgn="b"/>
+                      <a:r>
+                        <a:rPr lang="de-DE" sz="1400" b="0" i="0" u="none" strike="noStrike" dirty="0" smtClean="0">
+                          <a:solidFill>
+                            <a:srgbClr val="000000"/>
+                          </a:solidFill>
+                          <a:effectLst/>
+                          <a:latin typeface="Calibri" panose="020F0502020204030204" pitchFamily="34" charset="0"/>
+                        </a:rPr>
+                        <a:t>4</a:t>
                       </a:r>
                       <a:endParaRPr lang="de-DE" sz="1400" b="0" i="0" u="none" strike="noStrike" dirty="0">
                         <a:solidFill>
@@ -5148,7 +3696,2383 @@
                       </a:endParaRPr>
                     </a:p>
                   </a:txBody>
-                  <a:tcPr marL="0" marR="0" marT="0" marB="0" anchor="b"/>
+                  <a:tcPr marL="0" marR="0" marT="0" marB="0">
+                    <a:lnL w="12700" cap="flat" cmpd="sng" algn="ctr">
+                      <a:noFill/>
+                      <a:prstDash val="solid"/>
+                      <a:round/>
+                      <a:headEnd type="none" w="med" len="med"/>
+                      <a:tailEnd type="none" w="med" len="med"/>
+                    </a:lnL>
+                    <a:noFill/>
+                  </a:tcPr>
+                </a:tc>
+              </a:tr>
+              <a:tr h="223904">
+                <a:tc>
+                  <a:txBody>
+                    <a:bodyPr/>
+                    <a:lstStyle/>
+                    <a:p>
+                      <a:pPr algn="l" fontAlgn="b"/>
+                      <a:r>
+                        <a:rPr lang="de-DE" sz="1400" b="1" i="0" u="none" strike="noStrike" dirty="0" err="1" smtClean="0">
+                          <a:solidFill>
+                            <a:srgbClr val="000000"/>
+                          </a:solidFill>
+                          <a:effectLst/>
+                          <a:latin typeface="Calibri" panose="020F0502020204030204" pitchFamily="34" charset="0"/>
+                        </a:rPr>
+                        <a:t>fold</a:t>
+                      </a:r>
+                      <a:endParaRPr lang="de-DE" sz="1400" b="1" i="0" u="none" strike="noStrike" dirty="0" smtClean="0">
+                        <a:solidFill>
+                          <a:srgbClr val="000000"/>
+                        </a:solidFill>
+                        <a:effectLst/>
+                        <a:latin typeface="Calibri" panose="020F0502020204030204" pitchFamily="34" charset="0"/>
+                      </a:endParaRPr>
+                    </a:p>
+                  </a:txBody>
+                  <a:tcPr marL="0" marR="0" marT="0" marB="0">
+                    <a:noFill/>
+                  </a:tcPr>
+                </a:tc>
+                <a:tc>
+                  <a:txBody>
+                    <a:bodyPr/>
+                    <a:lstStyle/>
+                    <a:p>
+                      <a:pPr algn="l" fontAlgn="b"/>
+                      <a:r>
+                        <a:rPr lang="en-US" sz="1400" u="none" strike="noStrike" dirty="0" smtClean="0">
+                          <a:effectLst/>
+                        </a:rPr>
+                        <a:t>Put the box from one side to another on the table</a:t>
+                      </a:r>
+                      <a:endParaRPr lang="en-US" sz="1400" b="0" i="0" u="none" strike="noStrike" dirty="0">
+                        <a:solidFill>
+                          <a:srgbClr val="000000"/>
+                        </a:solidFill>
+                        <a:effectLst/>
+                        <a:latin typeface="Calibri" panose="020F0502020204030204" pitchFamily="34" charset="0"/>
+                      </a:endParaRPr>
+                    </a:p>
+                  </a:txBody>
+                  <a:tcPr marL="0" marR="0" marT="0" marB="0">
+                    <a:noFill/>
+                  </a:tcPr>
+                </a:tc>
+                <a:tc>
+                  <a:txBody>
+                    <a:bodyPr/>
+                    <a:lstStyle/>
+                    <a:p>
+                      <a:pPr marL="0" marR="0" lvl="0" indent="0" algn="l" defTabSz="914400" rtl="0" eaLnBrk="1" fontAlgn="b" latinLnBrk="0" hangingPunct="1">
+                        <a:lnSpc>
+                          <a:spcPct val="100000"/>
+                        </a:lnSpc>
+                        <a:spcBef>
+                          <a:spcPts val="0"/>
+                        </a:spcBef>
+                        <a:spcAft>
+                          <a:spcPts val="0"/>
+                        </a:spcAft>
+                        <a:buClrTx/>
+                        <a:buSzTx/>
+                        <a:buFontTx/>
+                        <a:buNone/>
+                        <a:tabLst/>
+                        <a:defRPr/>
+                      </a:pPr>
+                      <a:r>
+                        <a:rPr lang="en-GB" sz="1400" u="none" strike="noStrike" noProof="0" dirty="0" smtClean="0">
+                          <a:effectLst/>
+                        </a:rPr>
+                        <a:t>Feet hip wide, </a:t>
+                      </a:r>
+                      <a:r>
+                        <a:rPr lang="de-DE" sz="1400" u="none" strike="noStrike" dirty="0" err="1" smtClean="0">
+                          <a:effectLst/>
+                        </a:rPr>
+                        <a:t>straight</a:t>
+                      </a:r>
+                      <a:r>
+                        <a:rPr lang="de-DE" sz="1400" u="none" strike="noStrike" dirty="0" smtClean="0">
+                          <a:effectLst/>
+                        </a:rPr>
+                        <a:t> back, </a:t>
+                      </a:r>
+                      <a:r>
+                        <a:rPr lang="de-DE" sz="1400" u="none" strike="noStrike" dirty="0" err="1" smtClean="0">
+                          <a:effectLst/>
+                        </a:rPr>
+                        <a:t>slightly</a:t>
+                      </a:r>
+                      <a:r>
+                        <a:rPr lang="de-DE" sz="1400" u="none" strike="noStrike" dirty="0" smtClean="0">
+                          <a:effectLst/>
+                        </a:rPr>
+                        <a:t> </a:t>
+                      </a:r>
+                      <a:r>
+                        <a:rPr lang="de-DE" sz="1400" u="none" strike="noStrike" dirty="0" err="1" smtClean="0">
+                          <a:effectLst/>
+                        </a:rPr>
+                        <a:t>bended</a:t>
+                      </a:r>
+                      <a:r>
+                        <a:rPr lang="de-DE" sz="1400" u="none" strike="noStrike" dirty="0" smtClean="0">
+                          <a:effectLst/>
+                        </a:rPr>
+                        <a:t> </a:t>
+                      </a:r>
+                      <a:r>
+                        <a:rPr lang="de-DE" sz="1400" u="none" strike="noStrike" dirty="0" err="1" smtClean="0">
+                          <a:effectLst/>
+                        </a:rPr>
+                        <a:t>arms</a:t>
+                      </a:r>
+                      <a:r>
+                        <a:rPr lang="de-DE" sz="1400" u="none" strike="noStrike" dirty="0" smtClean="0">
+                          <a:effectLst/>
+                        </a:rPr>
+                        <a:t>, </a:t>
+                      </a:r>
+                      <a:r>
+                        <a:rPr lang="de-DE" sz="1400" u="none" strike="noStrike" dirty="0" err="1" smtClean="0">
+                          <a:effectLst/>
+                        </a:rPr>
+                        <a:t>depending</a:t>
+                      </a:r>
+                      <a:r>
+                        <a:rPr lang="de-DE" sz="1400" u="none" strike="noStrike" dirty="0" smtClean="0">
+                          <a:effectLst/>
+                        </a:rPr>
+                        <a:t> on </a:t>
+                      </a:r>
+                      <a:r>
+                        <a:rPr lang="de-DE" sz="1400" u="none" strike="noStrike" dirty="0" err="1" smtClean="0">
+                          <a:effectLst/>
+                        </a:rPr>
+                        <a:t>the</a:t>
+                      </a:r>
+                      <a:r>
+                        <a:rPr lang="de-DE" sz="1400" u="none" strike="noStrike" dirty="0" smtClean="0">
+                          <a:effectLst/>
+                        </a:rPr>
+                        <a:t> </a:t>
+                      </a:r>
+                      <a:r>
+                        <a:rPr lang="de-DE" sz="1400" u="none" strike="noStrike" dirty="0" err="1" smtClean="0">
+                          <a:effectLst/>
+                        </a:rPr>
+                        <a:t>distance</a:t>
+                      </a:r>
+                      <a:r>
+                        <a:rPr lang="de-DE" sz="1400" u="none" strike="noStrike" dirty="0" smtClean="0">
+                          <a:effectLst/>
+                        </a:rPr>
+                        <a:t> </a:t>
+                      </a:r>
+                      <a:r>
+                        <a:rPr lang="de-DE" sz="1400" u="none" strike="noStrike" dirty="0" err="1" smtClean="0">
+                          <a:effectLst/>
+                        </a:rPr>
+                        <a:t>to</a:t>
+                      </a:r>
+                      <a:r>
+                        <a:rPr lang="de-DE" sz="1400" u="none" strike="noStrike" dirty="0" smtClean="0">
+                          <a:effectLst/>
+                        </a:rPr>
+                        <a:t> </a:t>
+                      </a:r>
+                      <a:r>
+                        <a:rPr lang="de-DE" sz="1400" u="none" strike="noStrike" dirty="0" err="1" smtClean="0">
+                          <a:effectLst/>
+                        </a:rPr>
+                        <a:t>the</a:t>
+                      </a:r>
+                      <a:r>
+                        <a:rPr lang="de-DE" sz="1400" u="none" strike="noStrike" dirty="0" smtClean="0">
+                          <a:effectLst/>
+                        </a:rPr>
+                        <a:t> box: </a:t>
+                      </a:r>
+                      <a:r>
+                        <a:rPr lang="de-DE" sz="1400" u="none" strike="noStrike" dirty="0" err="1" smtClean="0">
+                          <a:effectLst/>
+                        </a:rPr>
+                        <a:t>lean</a:t>
+                      </a:r>
+                      <a:r>
+                        <a:rPr lang="de-DE" sz="1400" u="none" strike="noStrike" dirty="0" smtClean="0">
+                          <a:effectLst/>
+                        </a:rPr>
+                        <a:t> </a:t>
+                      </a:r>
+                      <a:r>
+                        <a:rPr lang="de-DE" sz="1400" u="none" strike="noStrike" dirty="0" err="1" smtClean="0">
+                          <a:effectLst/>
+                        </a:rPr>
+                        <a:t>over</a:t>
+                      </a:r>
+                      <a:r>
+                        <a:rPr lang="de-DE" sz="1400" u="none" strike="noStrike" dirty="0" smtClean="0">
+                          <a:effectLst/>
+                        </a:rPr>
+                        <a:t> </a:t>
+                      </a:r>
+                      <a:r>
+                        <a:rPr lang="de-DE" sz="1400" u="none" strike="noStrike" dirty="0" err="1" smtClean="0">
+                          <a:effectLst/>
+                        </a:rPr>
+                        <a:t>table</a:t>
+                      </a:r>
+                      <a:r>
+                        <a:rPr lang="de-DE" sz="1400" u="none" strike="noStrike" dirty="0" smtClean="0">
+                          <a:effectLst/>
+                        </a:rPr>
+                        <a:t>, </a:t>
+                      </a:r>
+                      <a:r>
+                        <a:rPr lang="de-DE" sz="1400" u="none" strike="noStrike" dirty="0" err="1" smtClean="0">
+                          <a:effectLst/>
+                        </a:rPr>
+                        <a:t>no</a:t>
+                      </a:r>
+                      <a:r>
+                        <a:rPr lang="de-DE" sz="1400" u="none" strike="noStrike" baseline="0" dirty="0" smtClean="0">
+                          <a:effectLst/>
+                        </a:rPr>
+                        <a:t> </a:t>
+                      </a:r>
+                      <a:r>
+                        <a:rPr lang="de-DE" sz="1400" u="none" strike="noStrike" baseline="0" dirty="0" err="1" smtClean="0">
+                          <a:effectLst/>
+                        </a:rPr>
+                        <a:t>bent</a:t>
+                      </a:r>
+                      <a:r>
+                        <a:rPr lang="de-DE" sz="1400" u="none" strike="noStrike" baseline="0" dirty="0" smtClean="0">
+                          <a:effectLst/>
+                        </a:rPr>
+                        <a:t> </a:t>
+                      </a:r>
+                      <a:r>
+                        <a:rPr lang="de-DE" sz="1400" u="none" strike="noStrike" baseline="0" dirty="0" err="1" smtClean="0">
+                          <a:effectLst/>
+                        </a:rPr>
+                        <a:t>knees</a:t>
+                      </a:r>
+                      <a:r>
+                        <a:rPr lang="de-DE" sz="1400" u="none" strike="noStrike" baseline="0" dirty="0" smtClean="0">
+                          <a:effectLst/>
+                        </a:rPr>
+                        <a:t>, </a:t>
+                      </a:r>
+                      <a:r>
+                        <a:rPr lang="de-DE" sz="1400" u="none" strike="noStrike" dirty="0" err="1" smtClean="0">
+                          <a:effectLst/>
+                        </a:rPr>
+                        <a:t>weight</a:t>
+                      </a:r>
+                      <a:r>
+                        <a:rPr lang="de-DE" sz="1400" u="none" strike="noStrike" dirty="0" smtClean="0">
+                          <a:effectLst/>
+                        </a:rPr>
+                        <a:t> of </a:t>
+                      </a:r>
+                      <a:r>
+                        <a:rPr lang="de-DE" sz="1400" u="none" strike="noStrike" dirty="0" err="1" smtClean="0">
+                          <a:effectLst/>
+                        </a:rPr>
+                        <a:t>the</a:t>
+                      </a:r>
+                      <a:r>
+                        <a:rPr lang="de-DE" sz="1400" u="none" strike="noStrike" dirty="0" smtClean="0">
+                          <a:effectLst/>
+                        </a:rPr>
+                        <a:t> box </a:t>
+                      </a:r>
+                      <a:r>
+                        <a:rPr lang="de-DE" sz="1400" u="none" strike="noStrike" dirty="0" err="1" smtClean="0">
+                          <a:effectLst/>
+                        </a:rPr>
+                        <a:t>remains</a:t>
+                      </a:r>
+                      <a:r>
+                        <a:rPr lang="de-DE" sz="1400" u="none" strike="noStrike" dirty="0" smtClean="0">
+                          <a:effectLst/>
+                        </a:rPr>
+                        <a:t> on </a:t>
+                      </a:r>
+                      <a:r>
+                        <a:rPr lang="de-DE" sz="1400" u="none" strike="noStrike" dirty="0" err="1" smtClean="0">
+                          <a:effectLst/>
+                        </a:rPr>
+                        <a:t>the</a:t>
+                      </a:r>
+                      <a:r>
+                        <a:rPr lang="de-DE" sz="1400" u="none" strike="noStrike" dirty="0" smtClean="0">
+                          <a:effectLst/>
+                        </a:rPr>
+                        <a:t> </a:t>
+                      </a:r>
+                      <a:r>
+                        <a:rPr lang="de-DE" sz="1400" u="none" strike="noStrike" dirty="0" err="1" smtClean="0">
+                          <a:effectLst/>
+                        </a:rPr>
+                        <a:t>table</a:t>
+                      </a:r>
+                      <a:endParaRPr lang="de-DE" sz="1400" b="0" i="0" u="none" strike="noStrike" dirty="0" smtClean="0">
+                        <a:solidFill>
+                          <a:srgbClr val="000000"/>
+                        </a:solidFill>
+                        <a:effectLst/>
+                        <a:latin typeface="Calibri" panose="020F0502020204030204" pitchFamily="34" charset="0"/>
+                      </a:endParaRPr>
+                    </a:p>
+                  </a:txBody>
+                  <a:tcPr marL="0" marR="0" marT="0" marB="0">
+                    <a:lnR w="12700" cap="flat" cmpd="sng" algn="ctr">
+                      <a:noFill/>
+                      <a:prstDash val="solid"/>
+                      <a:round/>
+                      <a:headEnd type="none" w="med" len="med"/>
+                      <a:tailEnd type="none" w="med" len="med"/>
+                    </a:lnR>
+                    <a:noFill/>
+                  </a:tcPr>
+                </a:tc>
+                <a:tc>
+                  <a:txBody>
+                    <a:bodyPr/>
+                    <a:lstStyle/>
+                    <a:p>
+                      <a:pPr algn="l" fontAlgn="b"/>
+                      <a:r>
+                        <a:rPr lang="de-DE" sz="1400" b="0" i="0" u="none" strike="noStrike" dirty="0" smtClean="0">
+                          <a:solidFill>
+                            <a:srgbClr val="000000"/>
+                          </a:solidFill>
+                          <a:effectLst/>
+                          <a:latin typeface="Calibri" panose="020F0502020204030204" pitchFamily="34" charset="0"/>
+                        </a:rPr>
+                        <a:t>4</a:t>
+                      </a:r>
+                      <a:endParaRPr lang="de-DE" sz="1400" b="0" i="0" u="none" strike="noStrike" dirty="0">
+                        <a:solidFill>
+                          <a:srgbClr val="000000"/>
+                        </a:solidFill>
+                        <a:effectLst/>
+                        <a:latin typeface="Calibri" panose="020F0502020204030204" pitchFamily="34" charset="0"/>
+                      </a:endParaRPr>
+                    </a:p>
+                  </a:txBody>
+                  <a:tcPr marL="0" marR="0" marT="0" marB="0">
+                    <a:lnL w="12700" cap="flat" cmpd="sng" algn="ctr">
+                      <a:noFill/>
+                      <a:prstDash val="solid"/>
+                      <a:round/>
+                      <a:headEnd type="none" w="med" len="med"/>
+                      <a:tailEnd type="none" w="med" len="med"/>
+                    </a:lnL>
+                    <a:noFill/>
+                  </a:tcPr>
+                </a:tc>
+              </a:tr>
+              <a:tr h="223904">
+                <a:tc>
+                  <a:txBody>
+                    <a:bodyPr/>
+                    <a:lstStyle/>
+                    <a:p>
+                      <a:pPr algn="l" fontAlgn="b"/>
+                      <a:r>
+                        <a:rPr lang="de-DE" sz="1400" b="1" i="0" u="none" strike="noStrike" dirty="0" smtClean="0">
+                          <a:solidFill>
+                            <a:srgbClr val="000000"/>
+                          </a:solidFill>
+                          <a:effectLst/>
+                          <a:latin typeface="Calibri" panose="020F0502020204030204" pitchFamily="34" charset="0"/>
+                        </a:rPr>
+                        <a:t>carry</a:t>
+                      </a:r>
+                      <a:endParaRPr lang="de-DE" sz="1400" b="1" i="0" u="none" strike="noStrike" dirty="0">
+                        <a:solidFill>
+                          <a:srgbClr val="000000"/>
+                        </a:solidFill>
+                        <a:effectLst/>
+                        <a:latin typeface="Calibri" panose="020F0502020204030204" pitchFamily="34" charset="0"/>
+                      </a:endParaRPr>
+                    </a:p>
+                  </a:txBody>
+                  <a:tcPr marL="0" marR="0" marT="0" marB="0">
+                    <a:noFill/>
+                  </a:tcPr>
+                </a:tc>
+                <a:tc>
+                  <a:txBody>
+                    <a:bodyPr/>
+                    <a:lstStyle/>
+                    <a:p>
+                      <a:pPr algn="l" fontAlgn="b"/>
+                      <a:r>
+                        <a:rPr lang="en-US" sz="1400" u="none" strike="noStrike" dirty="0" smtClean="0">
+                          <a:effectLst/>
+                        </a:rPr>
+                        <a:t>Translation in space with the box in hand</a:t>
+                      </a:r>
+                      <a:endParaRPr lang="en-US" sz="1400" b="0" i="0" u="none" strike="noStrike" dirty="0">
+                        <a:solidFill>
+                          <a:srgbClr val="000000"/>
+                        </a:solidFill>
+                        <a:effectLst/>
+                        <a:latin typeface="Calibri" panose="020F0502020204030204" pitchFamily="34" charset="0"/>
+                      </a:endParaRPr>
+                    </a:p>
+                  </a:txBody>
+                  <a:tcPr marL="0" marR="0" marT="0" marB="0">
+                    <a:noFill/>
+                  </a:tcPr>
+                </a:tc>
+                <a:tc>
+                  <a:txBody>
+                    <a:bodyPr/>
+                    <a:lstStyle/>
+                    <a:p>
+                      <a:pPr marL="0" marR="0" lvl="0" indent="0" algn="l" defTabSz="914400" rtl="0" eaLnBrk="1" fontAlgn="b" latinLnBrk="0" hangingPunct="1">
+                        <a:lnSpc>
+                          <a:spcPct val="100000"/>
+                        </a:lnSpc>
+                        <a:spcBef>
+                          <a:spcPts val="0"/>
+                        </a:spcBef>
+                        <a:spcAft>
+                          <a:spcPts val="0"/>
+                        </a:spcAft>
+                        <a:buClrTx/>
+                        <a:buSzTx/>
+                        <a:buFontTx/>
+                        <a:buNone/>
+                        <a:tabLst/>
+                        <a:defRPr/>
+                      </a:pPr>
+                      <a:r>
+                        <a:rPr lang="en-GB" sz="1400" u="none" strike="noStrike" noProof="0" dirty="0" smtClean="0">
+                          <a:effectLst/>
+                        </a:rPr>
+                        <a:t>Chest out, straight back</a:t>
+                      </a:r>
+                      <a:r>
+                        <a:rPr lang="de-DE" sz="1400" u="none" strike="noStrike" dirty="0" smtClean="0">
+                          <a:effectLst/>
+                        </a:rPr>
+                        <a:t>, </a:t>
+                      </a:r>
+                      <a:r>
+                        <a:rPr lang="de-DE" sz="1400" u="none" strike="noStrike" dirty="0" err="1" smtClean="0">
+                          <a:effectLst/>
+                        </a:rPr>
+                        <a:t>bend</a:t>
+                      </a:r>
+                      <a:r>
+                        <a:rPr lang="de-DE" sz="1400" u="none" strike="noStrike" dirty="0" smtClean="0">
+                          <a:effectLst/>
+                        </a:rPr>
+                        <a:t> </a:t>
+                      </a:r>
+                      <a:r>
+                        <a:rPr lang="de-DE" sz="1400" u="none" strike="noStrike" dirty="0" err="1" smtClean="0">
+                          <a:effectLst/>
+                        </a:rPr>
+                        <a:t>elbows</a:t>
+                      </a:r>
+                      <a:r>
+                        <a:rPr lang="de-DE" sz="1400" u="none" strike="noStrike" dirty="0" smtClean="0">
+                          <a:effectLst/>
+                        </a:rPr>
+                        <a:t> </a:t>
+                      </a:r>
+                      <a:r>
+                        <a:rPr lang="de-DE" sz="1400" u="none" strike="noStrike" dirty="0" err="1" smtClean="0">
+                          <a:effectLst/>
+                        </a:rPr>
+                        <a:t>to</a:t>
+                      </a:r>
+                      <a:r>
+                        <a:rPr lang="de-DE" sz="1400" u="none" strike="noStrike" baseline="0" dirty="0" smtClean="0">
+                          <a:effectLst/>
+                        </a:rPr>
+                        <a:t> 90°, box </a:t>
+                      </a:r>
+                      <a:r>
+                        <a:rPr lang="de-DE" sz="1400" u="none" strike="noStrike" baseline="0" dirty="0" err="1" smtClean="0">
+                          <a:effectLst/>
+                        </a:rPr>
+                        <a:t>near</a:t>
+                      </a:r>
+                      <a:r>
+                        <a:rPr lang="de-DE" sz="1400" u="none" strike="noStrike" baseline="0" dirty="0" smtClean="0">
+                          <a:effectLst/>
+                        </a:rPr>
+                        <a:t> </a:t>
+                      </a:r>
+                      <a:r>
+                        <a:rPr lang="de-DE" sz="1400" u="none" strike="noStrike" baseline="0" dirty="0" err="1" smtClean="0">
+                          <a:effectLst/>
+                        </a:rPr>
+                        <a:t>to</a:t>
+                      </a:r>
+                      <a:r>
+                        <a:rPr lang="de-DE" sz="1400" u="none" strike="noStrike" baseline="0" dirty="0" smtClean="0">
+                          <a:effectLst/>
+                        </a:rPr>
+                        <a:t> </a:t>
+                      </a:r>
+                      <a:r>
+                        <a:rPr lang="de-DE" sz="1400" u="none" strike="noStrike" baseline="0" dirty="0" err="1" smtClean="0">
+                          <a:effectLst/>
+                        </a:rPr>
+                        <a:t>body</a:t>
+                      </a:r>
+                      <a:r>
+                        <a:rPr lang="de-DE" sz="1400" u="none" strike="noStrike" baseline="0" dirty="0" smtClean="0">
+                          <a:effectLst/>
+                        </a:rPr>
+                        <a:t>, </a:t>
+                      </a:r>
+                      <a:r>
+                        <a:rPr lang="de-DE" sz="1400" u="none" strike="noStrike" baseline="0" dirty="0" err="1" smtClean="0">
+                          <a:effectLst/>
+                        </a:rPr>
+                        <a:t>shoulder</a:t>
+                      </a:r>
+                      <a:r>
+                        <a:rPr lang="de-DE" sz="1400" u="none" strike="noStrike" baseline="0" dirty="0" smtClean="0">
+                          <a:effectLst/>
+                        </a:rPr>
+                        <a:t> in neural-zero</a:t>
+                      </a:r>
+                      <a:endParaRPr lang="de-DE" sz="1400" b="0" i="0" u="none" strike="noStrike" dirty="0" smtClean="0">
+                        <a:solidFill>
+                          <a:srgbClr val="000000"/>
+                        </a:solidFill>
+                        <a:effectLst/>
+                        <a:latin typeface="Calibri" panose="020F0502020204030204" pitchFamily="34" charset="0"/>
+                      </a:endParaRPr>
+                    </a:p>
+                  </a:txBody>
+                  <a:tcPr marL="0" marR="0" marT="0" marB="0">
+                    <a:lnR w="12700" cap="flat" cmpd="sng" algn="ctr">
+                      <a:noFill/>
+                      <a:prstDash val="solid"/>
+                      <a:round/>
+                      <a:headEnd type="none" w="med" len="med"/>
+                      <a:tailEnd type="none" w="med" len="med"/>
+                    </a:lnR>
+                    <a:noFill/>
+                  </a:tcPr>
+                </a:tc>
+                <a:tc>
+                  <a:txBody>
+                    <a:bodyPr/>
+                    <a:lstStyle/>
+                    <a:p>
+                      <a:pPr algn="l" fontAlgn="b"/>
+                      <a:r>
+                        <a:rPr lang="de-DE" sz="1400" u="none" strike="noStrike" dirty="0" smtClean="0">
+                          <a:effectLst/>
+                        </a:rPr>
+                        <a:t>4</a:t>
+                      </a:r>
+                      <a:endParaRPr lang="de-DE" sz="1400" b="0" i="0" u="none" strike="noStrike" dirty="0">
+                        <a:solidFill>
+                          <a:srgbClr val="000000"/>
+                        </a:solidFill>
+                        <a:effectLst/>
+                        <a:latin typeface="Calibri" panose="020F0502020204030204" pitchFamily="34" charset="0"/>
+                      </a:endParaRPr>
+                    </a:p>
+                  </a:txBody>
+                  <a:tcPr marL="0" marR="0" marT="0" marB="0">
+                    <a:lnL w="12700" cap="flat" cmpd="sng" algn="ctr">
+                      <a:noFill/>
+                      <a:prstDash val="solid"/>
+                      <a:round/>
+                      <a:headEnd type="none" w="med" len="med"/>
+                      <a:tailEnd type="none" w="med" len="med"/>
+                    </a:lnL>
+                    <a:noFill/>
+                  </a:tcPr>
+                </a:tc>
+              </a:tr>
+              <a:tr h="223904">
+                <a:tc>
+                  <a:txBody>
+                    <a:bodyPr/>
+                    <a:lstStyle/>
+                    <a:p>
+                      <a:pPr algn="l" fontAlgn="b"/>
+                      <a:r>
+                        <a:rPr lang="de-DE" sz="1400" b="1" u="none" strike="noStrike" dirty="0" err="1" smtClean="0">
+                          <a:effectLst/>
+                        </a:rPr>
+                        <a:t>walk</a:t>
+                      </a:r>
+                      <a:endParaRPr lang="de-DE" sz="1400" b="1" i="0" u="none" strike="noStrike" dirty="0">
+                        <a:solidFill>
+                          <a:srgbClr val="000000"/>
+                        </a:solidFill>
+                        <a:effectLst/>
+                        <a:latin typeface="Calibri" panose="020F0502020204030204" pitchFamily="34" charset="0"/>
+                      </a:endParaRPr>
+                    </a:p>
+                  </a:txBody>
+                  <a:tcPr marL="0" marR="0" marT="0" marB="0">
+                    <a:noFill/>
+                  </a:tcPr>
+                </a:tc>
+                <a:tc>
+                  <a:txBody>
+                    <a:bodyPr/>
+                    <a:lstStyle/>
+                    <a:p>
+                      <a:pPr algn="l" fontAlgn="b"/>
+                      <a:r>
+                        <a:rPr lang="en-US" sz="1400" u="none" strike="noStrike" dirty="0" smtClean="0">
+                          <a:effectLst/>
+                        </a:rPr>
+                        <a:t>Translation in space without the box</a:t>
+                      </a:r>
+                      <a:endParaRPr lang="en-US" sz="1400" b="0" i="0" u="none" strike="noStrike" dirty="0">
+                        <a:solidFill>
+                          <a:srgbClr val="000000"/>
+                        </a:solidFill>
+                        <a:effectLst/>
+                        <a:latin typeface="Calibri" panose="020F0502020204030204" pitchFamily="34" charset="0"/>
+                      </a:endParaRPr>
+                    </a:p>
+                  </a:txBody>
+                  <a:tcPr marL="0" marR="0" marT="0" marB="0">
+                    <a:noFill/>
+                  </a:tcPr>
+                </a:tc>
+                <a:tc>
+                  <a:txBody>
+                    <a:bodyPr/>
+                    <a:lstStyle/>
+                    <a:p>
+                      <a:pPr marL="0" marR="0" lvl="0" indent="0" algn="l" defTabSz="914400" rtl="0" eaLnBrk="1" fontAlgn="b" latinLnBrk="0" hangingPunct="1">
+                        <a:lnSpc>
+                          <a:spcPct val="100000"/>
+                        </a:lnSpc>
+                        <a:spcBef>
+                          <a:spcPts val="0"/>
+                        </a:spcBef>
+                        <a:spcAft>
+                          <a:spcPts val="0"/>
+                        </a:spcAft>
+                        <a:buClrTx/>
+                        <a:buSzTx/>
+                        <a:buFontTx/>
+                        <a:buNone/>
+                        <a:tabLst/>
+                        <a:defRPr/>
+                      </a:pPr>
+                      <a:r>
+                        <a:rPr lang="de-DE" sz="1400" u="none" strike="noStrike" dirty="0" smtClean="0">
+                          <a:effectLst/>
+                        </a:rPr>
+                        <a:t>“normal </a:t>
+                      </a:r>
+                      <a:r>
+                        <a:rPr lang="de-DE" sz="1400" u="none" strike="noStrike" dirty="0" err="1" smtClean="0">
+                          <a:effectLst/>
+                        </a:rPr>
+                        <a:t>walking</a:t>
+                      </a:r>
+                      <a:r>
+                        <a:rPr lang="de-DE" sz="1400" u="none" strike="noStrike" dirty="0" smtClean="0">
+                          <a:effectLst/>
+                        </a:rPr>
+                        <a:t> on </a:t>
+                      </a:r>
+                      <a:r>
+                        <a:rPr lang="de-DE" sz="1400" u="none" strike="noStrike" dirty="0" err="1" smtClean="0">
+                          <a:effectLst/>
+                        </a:rPr>
+                        <a:t>their</a:t>
+                      </a:r>
+                      <a:r>
+                        <a:rPr lang="de-DE" sz="1400" u="none" strike="noStrike" dirty="0" smtClean="0">
+                          <a:effectLst/>
+                        </a:rPr>
+                        <a:t> </a:t>
+                      </a:r>
+                      <a:r>
+                        <a:rPr lang="de-DE" sz="1400" u="none" strike="noStrike" dirty="0" err="1" smtClean="0">
+                          <a:effectLst/>
+                        </a:rPr>
+                        <a:t>own</a:t>
+                      </a:r>
+                      <a:r>
+                        <a:rPr lang="de-DE" sz="1400" u="none" strike="noStrike" dirty="0" smtClean="0">
+                          <a:effectLst/>
+                        </a:rPr>
+                        <a:t> </a:t>
+                      </a:r>
+                      <a:r>
+                        <a:rPr lang="de-DE" sz="1400" u="none" strike="noStrike" dirty="0" err="1" smtClean="0">
+                          <a:effectLst/>
+                        </a:rPr>
+                        <a:t>judgment</a:t>
+                      </a:r>
+                      <a:r>
+                        <a:rPr lang="de-DE" sz="1400" u="none" strike="noStrike" dirty="0" smtClean="0">
+                          <a:effectLst/>
+                        </a:rPr>
+                        <a:t>“, </a:t>
+                      </a:r>
+                      <a:r>
+                        <a:rPr lang="de-DE" sz="1400" u="none" strike="noStrike" dirty="0" err="1" smtClean="0">
+                          <a:effectLst/>
+                        </a:rPr>
+                        <a:t>straight</a:t>
+                      </a:r>
+                      <a:r>
+                        <a:rPr lang="de-DE" sz="1400" u="none" strike="noStrike" dirty="0" smtClean="0">
+                          <a:effectLst/>
+                        </a:rPr>
+                        <a:t> back</a:t>
+                      </a:r>
+                      <a:endParaRPr lang="de-DE" sz="1400" b="0" i="0" u="none" strike="noStrike" dirty="0" smtClean="0">
+                        <a:solidFill>
+                          <a:srgbClr val="000000"/>
+                        </a:solidFill>
+                        <a:effectLst/>
+                        <a:latin typeface="Calibri" panose="020F0502020204030204" pitchFamily="34" charset="0"/>
+                      </a:endParaRPr>
+                    </a:p>
+                  </a:txBody>
+                  <a:tcPr marL="0" marR="0" marT="0" marB="0">
+                    <a:lnR w="12700" cap="flat" cmpd="sng" algn="ctr">
+                      <a:noFill/>
+                      <a:prstDash val="solid"/>
+                      <a:round/>
+                      <a:headEnd type="none" w="med" len="med"/>
+                      <a:tailEnd type="none" w="med" len="med"/>
+                    </a:lnR>
+                    <a:noFill/>
+                  </a:tcPr>
+                </a:tc>
+                <a:tc>
+                  <a:txBody>
+                    <a:bodyPr/>
+                    <a:lstStyle/>
+                    <a:p>
+                      <a:pPr algn="l" fontAlgn="b"/>
+                      <a:r>
+                        <a:rPr lang="de-DE" sz="1400" u="none" strike="noStrike" dirty="0" smtClean="0">
+                          <a:effectLst/>
+                        </a:rPr>
+                        <a:t>4</a:t>
+                      </a:r>
+                      <a:endParaRPr lang="de-DE" sz="1400" b="0" i="0" u="none" strike="noStrike" dirty="0">
+                        <a:solidFill>
+                          <a:srgbClr val="000000"/>
+                        </a:solidFill>
+                        <a:effectLst/>
+                        <a:latin typeface="Calibri" panose="020F0502020204030204" pitchFamily="34" charset="0"/>
+                      </a:endParaRPr>
+                    </a:p>
+                  </a:txBody>
+                  <a:tcPr marL="0" marR="0" marT="0" marB="0">
+                    <a:lnL w="12700" cap="flat" cmpd="sng" algn="ctr">
+                      <a:noFill/>
+                      <a:prstDash val="solid"/>
+                      <a:round/>
+                      <a:headEnd type="none" w="med" len="med"/>
+                      <a:tailEnd type="none" w="med" len="med"/>
+                    </a:lnL>
+                    <a:noFill/>
+                  </a:tcPr>
+                </a:tc>
+              </a:tr>
+              <a:tr h="223904">
+                <a:tc>
+                  <a:txBody>
+                    <a:bodyPr/>
+                    <a:lstStyle/>
+                    <a:p>
+                      <a:pPr marL="0" marR="0" lvl="0" indent="0" algn="l" defTabSz="914400" rtl="0" eaLnBrk="1" fontAlgn="b" latinLnBrk="0" hangingPunct="1">
+                        <a:lnSpc>
+                          <a:spcPct val="100000"/>
+                        </a:lnSpc>
+                        <a:spcBef>
+                          <a:spcPts val="0"/>
+                        </a:spcBef>
+                        <a:spcAft>
+                          <a:spcPts val="0"/>
+                        </a:spcAft>
+                        <a:buClrTx/>
+                        <a:buSzTx/>
+                        <a:buFontTx/>
+                        <a:buNone/>
+                        <a:tabLst/>
+                        <a:defRPr/>
+                      </a:pPr>
+                      <a:r>
+                        <a:rPr lang="de-DE" sz="1400" b="1" u="none" strike="noStrike" dirty="0" err="1" smtClean="0">
+                          <a:effectLst/>
+                        </a:rPr>
+                        <a:t>lift</a:t>
+                      </a:r>
+                      <a:endParaRPr lang="de-DE" sz="1400" b="1" i="0" u="none" strike="noStrike" dirty="0" smtClean="0">
+                        <a:solidFill>
+                          <a:srgbClr val="000000"/>
+                        </a:solidFill>
+                        <a:effectLst/>
+                        <a:latin typeface="Calibri" panose="020F0502020204030204" pitchFamily="34" charset="0"/>
+                      </a:endParaRPr>
+                    </a:p>
+                  </a:txBody>
+                  <a:tcPr marL="0" marR="0" marT="0" marB="0">
+                    <a:noFill/>
+                  </a:tcPr>
+                </a:tc>
+                <a:tc>
+                  <a:txBody>
+                    <a:bodyPr/>
+                    <a:lstStyle/>
+                    <a:p>
+                      <a:pPr algn="l" fontAlgn="b"/>
+                      <a:r>
+                        <a:rPr lang="de-DE" sz="1400" u="none" strike="noStrike" dirty="0" smtClean="0">
+                          <a:effectLst/>
+                        </a:rPr>
+                        <a:t>Lift </a:t>
+                      </a:r>
+                      <a:r>
+                        <a:rPr lang="de-DE" sz="1400" u="none" strike="noStrike" dirty="0" err="1" smtClean="0">
+                          <a:effectLst/>
+                        </a:rPr>
+                        <a:t>up</a:t>
+                      </a:r>
+                      <a:r>
+                        <a:rPr lang="de-DE" sz="1400" u="none" strike="noStrike" dirty="0" smtClean="0">
+                          <a:effectLst/>
+                        </a:rPr>
+                        <a:t> </a:t>
+                      </a:r>
+                      <a:r>
+                        <a:rPr lang="de-DE" sz="1400" u="none" strike="noStrike" dirty="0" err="1" smtClean="0">
+                          <a:effectLst/>
+                        </a:rPr>
+                        <a:t>the</a:t>
+                      </a:r>
+                      <a:r>
+                        <a:rPr lang="de-DE" sz="1400" u="none" strike="noStrike" dirty="0" smtClean="0">
+                          <a:effectLst/>
+                        </a:rPr>
+                        <a:t> box </a:t>
+                      </a:r>
+                      <a:r>
+                        <a:rPr lang="de-DE" sz="1400" u="none" strike="noStrike" dirty="0" err="1" smtClean="0">
+                          <a:effectLst/>
+                        </a:rPr>
+                        <a:t>from</a:t>
+                      </a:r>
+                      <a:r>
+                        <a:rPr lang="de-DE" sz="1400" u="none" strike="noStrike" dirty="0" smtClean="0">
+                          <a:effectLst/>
+                        </a:rPr>
+                        <a:t> </a:t>
+                      </a:r>
+                      <a:r>
+                        <a:rPr lang="de-DE" sz="1400" u="none" strike="noStrike" dirty="0" err="1" smtClean="0">
+                          <a:effectLst/>
+                        </a:rPr>
+                        <a:t>the</a:t>
+                      </a:r>
+                      <a:r>
+                        <a:rPr lang="de-DE" sz="1400" u="none" strike="noStrike" dirty="0" smtClean="0">
+                          <a:effectLst/>
+                        </a:rPr>
+                        <a:t> </a:t>
+                      </a:r>
+                      <a:r>
+                        <a:rPr lang="de-DE" sz="1400" u="none" strike="noStrike" dirty="0" err="1" smtClean="0">
+                          <a:effectLst/>
+                        </a:rPr>
+                        <a:t>floor</a:t>
+                      </a:r>
+                      <a:endParaRPr lang="de-DE" sz="1400" b="0" i="0" u="none" strike="noStrike" dirty="0">
+                        <a:solidFill>
+                          <a:srgbClr val="000000"/>
+                        </a:solidFill>
+                        <a:effectLst/>
+                        <a:latin typeface="Calibri" panose="020F0502020204030204" pitchFamily="34" charset="0"/>
+                      </a:endParaRPr>
+                    </a:p>
+                  </a:txBody>
+                  <a:tcPr marL="0" marR="0" marT="0" marB="0">
+                    <a:noFill/>
+                  </a:tcPr>
+                </a:tc>
+                <a:tc>
+                  <a:txBody>
+                    <a:bodyPr/>
+                    <a:lstStyle/>
+                    <a:p>
+                      <a:pPr marL="0" marR="0" lvl="0" indent="0" algn="l" defTabSz="914400" rtl="0" eaLnBrk="1" fontAlgn="b" latinLnBrk="0" hangingPunct="1">
+                        <a:lnSpc>
+                          <a:spcPct val="100000"/>
+                        </a:lnSpc>
+                        <a:spcBef>
+                          <a:spcPts val="0"/>
+                        </a:spcBef>
+                        <a:spcAft>
+                          <a:spcPts val="0"/>
+                        </a:spcAft>
+                        <a:buClrTx/>
+                        <a:buSzTx/>
+                        <a:buFontTx/>
+                        <a:buNone/>
+                        <a:tabLst/>
+                        <a:defRPr/>
+                      </a:pPr>
+                      <a:r>
+                        <a:rPr lang="de-DE" sz="1400" u="none" strike="noStrike" dirty="0" smtClean="0">
+                          <a:effectLst/>
+                        </a:rPr>
+                        <a:t>Approach box </a:t>
+                      </a:r>
+                      <a:r>
+                        <a:rPr lang="de-DE" sz="1400" u="none" strike="noStrike" dirty="0" err="1" smtClean="0">
+                          <a:effectLst/>
+                        </a:rPr>
+                        <a:t>as</a:t>
+                      </a:r>
+                      <a:r>
+                        <a:rPr lang="de-DE" sz="1400" u="none" strike="noStrike" dirty="0" smtClean="0">
+                          <a:effectLst/>
+                        </a:rPr>
+                        <a:t> </a:t>
+                      </a:r>
+                      <a:r>
+                        <a:rPr lang="de-DE" sz="1400" u="none" strike="noStrike" dirty="0" err="1" smtClean="0">
+                          <a:effectLst/>
+                        </a:rPr>
+                        <a:t>near</a:t>
+                      </a:r>
+                      <a:r>
+                        <a:rPr lang="de-DE" sz="1400" u="none" strike="noStrike" dirty="0" smtClean="0">
+                          <a:effectLst/>
+                        </a:rPr>
+                        <a:t> </a:t>
+                      </a:r>
+                      <a:r>
+                        <a:rPr lang="de-DE" sz="1400" u="none" strike="noStrike" dirty="0" err="1" smtClean="0">
+                          <a:effectLst/>
+                        </a:rPr>
+                        <a:t>as</a:t>
+                      </a:r>
+                      <a:r>
+                        <a:rPr lang="de-DE" sz="1400" u="none" strike="noStrike" dirty="0" smtClean="0">
+                          <a:effectLst/>
+                        </a:rPr>
+                        <a:t> </a:t>
+                      </a:r>
+                      <a:r>
+                        <a:rPr lang="de-DE" sz="1400" u="none" strike="noStrike" dirty="0" err="1" smtClean="0">
+                          <a:effectLst/>
+                        </a:rPr>
+                        <a:t>possible</a:t>
+                      </a:r>
+                      <a:r>
+                        <a:rPr lang="de-DE" sz="1400" u="none" strike="noStrike" dirty="0" smtClean="0">
+                          <a:effectLst/>
+                        </a:rPr>
+                        <a:t>, </a:t>
+                      </a:r>
+                      <a:r>
+                        <a:rPr lang="de-DE" sz="1400" u="none" strike="noStrike" dirty="0" err="1" smtClean="0">
+                          <a:effectLst/>
+                        </a:rPr>
+                        <a:t>weight</a:t>
+                      </a:r>
+                      <a:r>
+                        <a:rPr lang="de-DE" sz="1400" u="none" strike="noStrike" dirty="0" smtClean="0">
+                          <a:effectLst/>
+                        </a:rPr>
+                        <a:t> </a:t>
+                      </a:r>
+                      <a:r>
+                        <a:rPr lang="de-DE" sz="1400" u="none" strike="noStrike" dirty="0" err="1" smtClean="0">
+                          <a:effectLst/>
+                        </a:rPr>
+                        <a:t>shifted</a:t>
+                      </a:r>
+                      <a:r>
+                        <a:rPr lang="de-DE" sz="1400" u="none" strike="noStrike" dirty="0" smtClean="0">
+                          <a:effectLst/>
+                        </a:rPr>
+                        <a:t> </a:t>
+                      </a:r>
+                      <a:r>
+                        <a:rPr lang="de-DE" sz="1400" u="none" strike="noStrike" dirty="0" err="1" smtClean="0">
+                          <a:effectLst/>
+                        </a:rPr>
+                        <a:t>slightly</a:t>
+                      </a:r>
+                      <a:r>
+                        <a:rPr lang="de-DE" sz="1400" u="none" strike="noStrike" dirty="0" smtClean="0">
+                          <a:effectLst/>
+                        </a:rPr>
+                        <a:t> </a:t>
+                      </a:r>
+                      <a:r>
+                        <a:rPr lang="de-DE" sz="1400" u="none" strike="noStrike" dirty="0" err="1" smtClean="0">
+                          <a:effectLst/>
+                        </a:rPr>
+                        <a:t>to</a:t>
+                      </a:r>
+                      <a:r>
+                        <a:rPr lang="de-DE" sz="1400" u="none" strike="noStrike" dirty="0" smtClean="0">
+                          <a:effectLst/>
+                        </a:rPr>
+                        <a:t> </a:t>
+                      </a:r>
+                      <a:r>
+                        <a:rPr lang="de-DE" sz="1400" u="none" strike="noStrike" dirty="0" err="1" smtClean="0">
+                          <a:effectLst/>
+                        </a:rPr>
+                        <a:t>the</a:t>
+                      </a:r>
+                      <a:r>
+                        <a:rPr lang="de-DE" sz="1400" u="none" strike="noStrike" dirty="0" smtClean="0">
+                          <a:effectLst/>
+                        </a:rPr>
+                        <a:t> front, </a:t>
+                      </a:r>
+                      <a:r>
+                        <a:rPr lang="de-DE" sz="1400" u="none" strike="noStrike" dirty="0" err="1" smtClean="0">
+                          <a:effectLst/>
+                        </a:rPr>
+                        <a:t>bend</a:t>
+                      </a:r>
+                      <a:r>
+                        <a:rPr lang="de-DE" sz="1400" u="none" strike="noStrike" dirty="0" smtClean="0">
+                          <a:effectLst/>
+                        </a:rPr>
+                        <a:t> </a:t>
+                      </a:r>
+                      <a:r>
+                        <a:rPr lang="de-DE" sz="1400" u="none" strike="noStrike" dirty="0" err="1" smtClean="0">
+                          <a:effectLst/>
+                        </a:rPr>
+                        <a:t>knees</a:t>
+                      </a:r>
+                      <a:r>
+                        <a:rPr lang="de-DE" sz="1400" u="none" strike="noStrike" dirty="0" smtClean="0">
+                          <a:effectLst/>
+                        </a:rPr>
+                        <a:t>, open </a:t>
+                      </a:r>
+                      <a:r>
+                        <a:rPr lang="de-DE" sz="1400" u="none" strike="noStrike" dirty="0" err="1" smtClean="0">
+                          <a:effectLst/>
+                        </a:rPr>
+                        <a:t>legs</a:t>
+                      </a:r>
+                      <a:r>
+                        <a:rPr lang="de-DE" sz="1400" u="none" strike="noStrike" baseline="0" dirty="0" smtClean="0">
+                          <a:effectLst/>
+                        </a:rPr>
+                        <a:t> </a:t>
+                      </a:r>
+                      <a:r>
+                        <a:rPr lang="de-DE" sz="1400" u="none" strike="noStrike" baseline="0" dirty="0" err="1" smtClean="0">
+                          <a:effectLst/>
+                        </a:rPr>
+                        <a:t>while</a:t>
+                      </a:r>
+                      <a:r>
+                        <a:rPr lang="de-DE" sz="1400" u="none" strike="noStrike" baseline="0" dirty="0" smtClean="0">
+                          <a:effectLst/>
+                        </a:rPr>
+                        <a:t> </a:t>
+                      </a:r>
+                      <a:r>
+                        <a:rPr lang="de-DE" sz="1400" u="none" strike="noStrike" baseline="0" dirty="0" err="1" smtClean="0">
+                          <a:effectLst/>
+                        </a:rPr>
+                        <a:t>going</a:t>
+                      </a:r>
+                      <a:r>
+                        <a:rPr lang="de-DE" sz="1400" u="none" strike="noStrike" baseline="0" dirty="0" smtClean="0">
+                          <a:effectLst/>
+                        </a:rPr>
+                        <a:t> down, </a:t>
+                      </a:r>
+                      <a:r>
+                        <a:rPr lang="de-DE" sz="1400" u="none" strike="noStrike" baseline="0" dirty="0" err="1" smtClean="0">
+                          <a:effectLst/>
+                        </a:rPr>
+                        <a:t>stop</a:t>
+                      </a:r>
+                      <a:r>
+                        <a:rPr lang="de-DE" sz="1400" u="none" strike="noStrike" baseline="0" dirty="0" smtClean="0">
+                          <a:effectLst/>
+                        </a:rPr>
+                        <a:t> at </a:t>
+                      </a:r>
+                      <a:r>
+                        <a:rPr lang="de-DE" sz="1400" u="none" strike="noStrike" baseline="0" dirty="0" err="1" smtClean="0">
+                          <a:effectLst/>
+                        </a:rPr>
+                        <a:t>the</a:t>
+                      </a:r>
+                      <a:r>
+                        <a:rPr lang="de-DE" sz="1400" u="none" strike="noStrike" baseline="0" dirty="0" smtClean="0">
+                          <a:effectLst/>
+                        </a:rPr>
+                        <a:t> </a:t>
+                      </a:r>
+                      <a:r>
+                        <a:rPr lang="de-DE" sz="1400" u="none" strike="noStrike" baseline="0" dirty="0" err="1" smtClean="0">
+                          <a:effectLst/>
+                        </a:rPr>
+                        <a:t>raised</a:t>
+                      </a:r>
+                      <a:r>
+                        <a:rPr lang="de-DE" sz="1400" u="none" strike="noStrike" baseline="0" dirty="0" smtClean="0">
+                          <a:effectLst/>
+                        </a:rPr>
+                        <a:t> </a:t>
+                      </a:r>
+                      <a:r>
+                        <a:rPr lang="de-DE" sz="1400" u="none" strike="noStrike" baseline="0" dirty="0" err="1" smtClean="0">
+                          <a:effectLst/>
+                        </a:rPr>
+                        <a:t>heels</a:t>
+                      </a:r>
+                      <a:r>
+                        <a:rPr lang="de-DE" sz="1400" u="none" strike="noStrike" baseline="0" dirty="0" smtClean="0">
+                          <a:effectLst/>
+                        </a:rPr>
+                        <a:t>, </a:t>
+                      </a:r>
+                      <a:r>
+                        <a:rPr lang="de-DE" sz="1400" u="none" strike="noStrike" baseline="0" dirty="0" err="1" smtClean="0">
+                          <a:effectLst/>
+                        </a:rPr>
+                        <a:t>lean</a:t>
+                      </a:r>
+                      <a:r>
+                        <a:rPr lang="de-DE" sz="1400" u="none" strike="noStrike" baseline="0" dirty="0" smtClean="0">
+                          <a:effectLst/>
+                        </a:rPr>
+                        <a:t> </a:t>
+                      </a:r>
+                      <a:r>
+                        <a:rPr lang="de-DE" sz="1400" u="none" strike="noStrike" baseline="0" dirty="0" err="1" smtClean="0">
+                          <a:effectLst/>
+                        </a:rPr>
+                        <a:t>forward</a:t>
+                      </a:r>
+                      <a:r>
+                        <a:rPr lang="de-DE" sz="1400" u="none" strike="noStrike" baseline="0" dirty="0" smtClean="0">
+                          <a:effectLst/>
+                        </a:rPr>
+                        <a:t> </a:t>
+                      </a:r>
+                      <a:r>
+                        <a:rPr lang="de-DE" sz="1400" u="none" strike="noStrike" baseline="0" dirty="0" err="1" smtClean="0">
+                          <a:effectLst/>
+                        </a:rPr>
+                        <a:t>with</a:t>
+                      </a:r>
+                      <a:r>
+                        <a:rPr lang="de-DE" sz="1400" u="none" strike="noStrike" baseline="0" dirty="0" smtClean="0">
+                          <a:effectLst/>
+                        </a:rPr>
+                        <a:t> </a:t>
+                      </a:r>
+                      <a:r>
+                        <a:rPr lang="de-DE" sz="1400" u="none" strike="noStrike" baseline="0" dirty="0" err="1" smtClean="0">
+                          <a:effectLst/>
+                        </a:rPr>
+                        <a:t>straight</a:t>
+                      </a:r>
+                      <a:r>
+                        <a:rPr lang="de-DE" sz="1400" u="none" strike="noStrike" baseline="0" dirty="0" smtClean="0">
+                          <a:effectLst/>
+                        </a:rPr>
+                        <a:t> back, </a:t>
+                      </a:r>
+                      <a:r>
+                        <a:rPr lang="de-DE" sz="1400" u="none" strike="noStrike" baseline="0" dirty="0" err="1" smtClean="0">
+                          <a:effectLst/>
+                        </a:rPr>
+                        <a:t>lift</a:t>
+                      </a:r>
+                      <a:r>
+                        <a:rPr lang="de-DE" sz="1400" u="none" strike="noStrike" baseline="0" dirty="0" smtClean="0">
+                          <a:effectLst/>
+                        </a:rPr>
+                        <a:t> box </a:t>
+                      </a:r>
+                      <a:r>
+                        <a:rPr lang="de-DE" sz="1400" u="none" strike="noStrike" baseline="0" dirty="0" err="1" smtClean="0">
+                          <a:effectLst/>
+                        </a:rPr>
+                        <a:t>with</a:t>
+                      </a:r>
+                      <a:r>
+                        <a:rPr lang="de-DE" sz="1400" u="none" strike="noStrike" baseline="0" dirty="0" smtClean="0">
+                          <a:effectLst/>
+                        </a:rPr>
+                        <a:t> </a:t>
+                      </a:r>
+                      <a:r>
+                        <a:rPr lang="de-DE" sz="1400" u="none" strike="noStrike" baseline="0" dirty="0" err="1" smtClean="0">
+                          <a:effectLst/>
+                        </a:rPr>
+                        <a:t>quadtriceps</a:t>
+                      </a:r>
+                      <a:r>
+                        <a:rPr lang="de-DE" sz="1400" u="none" strike="noStrike" baseline="0" dirty="0" smtClean="0">
+                          <a:effectLst/>
+                        </a:rPr>
+                        <a:t> (</a:t>
+                      </a:r>
+                      <a:r>
+                        <a:rPr lang="de-DE" sz="1400" u="none" strike="noStrike" baseline="0" dirty="0" err="1" smtClean="0">
+                          <a:effectLst/>
+                        </a:rPr>
+                        <a:t>tights</a:t>
+                      </a:r>
+                      <a:r>
+                        <a:rPr lang="de-DE" sz="1400" u="none" strike="noStrike" baseline="0" dirty="0" smtClean="0">
+                          <a:effectLst/>
+                        </a:rPr>
+                        <a:t>), </a:t>
+                      </a:r>
+                      <a:r>
+                        <a:rPr lang="de-DE" sz="1400" u="none" strike="noStrike" baseline="0" dirty="0" err="1" smtClean="0">
+                          <a:effectLst/>
+                        </a:rPr>
+                        <a:t>chest</a:t>
+                      </a:r>
+                      <a:r>
+                        <a:rPr lang="de-DE" sz="1400" u="none" strike="noStrike" baseline="0" dirty="0" smtClean="0">
+                          <a:effectLst/>
+                        </a:rPr>
+                        <a:t> out, </a:t>
+                      </a:r>
+                      <a:r>
+                        <a:rPr lang="de-DE" sz="1400" u="none" strike="noStrike" baseline="0" dirty="0" err="1" smtClean="0">
+                          <a:effectLst/>
+                        </a:rPr>
+                        <a:t>ellbows</a:t>
+                      </a:r>
+                      <a:r>
+                        <a:rPr lang="de-DE" sz="1400" u="none" strike="noStrike" baseline="0" dirty="0" smtClean="0">
+                          <a:effectLst/>
+                        </a:rPr>
+                        <a:t> </a:t>
+                      </a:r>
+                      <a:r>
+                        <a:rPr lang="de-DE" sz="1400" u="none" strike="noStrike" baseline="0" dirty="0" err="1" smtClean="0">
+                          <a:effectLst/>
+                        </a:rPr>
+                        <a:t>aim</a:t>
+                      </a:r>
+                      <a:r>
+                        <a:rPr lang="de-DE" sz="1400" u="none" strike="noStrike" baseline="0" dirty="0" smtClean="0">
+                          <a:effectLst/>
+                        </a:rPr>
+                        <a:t> at ca. 90°</a:t>
+                      </a:r>
+                      <a:endParaRPr lang="de-DE" sz="1400" b="0" i="0" u="none" strike="noStrike" dirty="0" smtClean="0">
+                        <a:solidFill>
+                          <a:srgbClr val="000000"/>
+                        </a:solidFill>
+                        <a:effectLst/>
+                        <a:latin typeface="Calibri" panose="020F0502020204030204" pitchFamily="34" charset="0"/>
+                      </a:endParaRPr>
+                    </a:p>
+                  </a:txBody>
+                  <a:tcPr marL="0" marR="0" marT="0" marB="0">
+                    <a:lnR w="12700" cap="flat" cmpd="sng" algn="ctr">
+                      <a:noFill/>
+                      <a:prstDash val="solid"/>
+                      <a:round/>
+                      <a:headEnd type="none" w="med" len="med"/>
+                      <a:tailEnd type="none" w="med" len="med"/>
+                    </a:lnR>
+                    <a:noFill/>
+                  </a:tcPr>
+                </a:tc>
+                <a:tc>
+                  <a:txBody>
+                    <a:bodyPr/>
+                    <a:lstStyle/>
+                    <a:p>
+                      <a:pPr algn="l" fontAlgn="b"/>
+                      <a:r>
+                        <a:rPr lang="de-DE" sz="1400" u="none" strike="noStrike" dirty="0" smtClean="0">
+                          <a:effectLst/>
+                        </a:rPr>
+                        <a:t>3</a:t>
+                      </a:r>
+                      <a:endParaRPr lang="de-DE" sz="1400" b="0" i="0" u="none" strike="noStrike" dirty="0">
+                        <a:solidFill>
+                          <a:srgbClr val="000000"/>
+                        </a:solidFill>
+                        <a:effectLst/>
+                        <a:latin typeface="Calibri" panose="020F0502020204030204" pitchFamily="34" charset="0"/>
+                      </a:endParaRPr>
+                    </a:p>
+                  </a:txBody>
+                  <a:tcPr marL="0" marR="0" marT="0" marB="0">
+                    <a:lnL w="12700" cap="flat" cmpd="sng" algn="ctr">
+                      <a:noFill/>
+                      <a:prstDash val="solid"/>
+                      <a:round/>
+                      <a:headEnd type="none" w="med" len="med"/>
+                      <a:tailEnd type="none" w="med" len="med"/>
+                    </a:lnL>
+                    <a:noFill/>
+                  </a:tcPr>
+                </a:tc>
+              </a:tr>
+              <a:tr h="223904">
+                <a:tc>
+                  <a:txBody>
+                    <a:bodyPr/>
+                    <a:lstStyle/>
+                    <a:p>
+                      <a:pPr marL="0" marR="0" lvl="0" indent="0" algn="l" defTabSz="914400" rtl="0" eaLnBrk="1" fontAlgn="b" latinLnBrk="0" hangingPunct="1">
+                        <a:lnSpc>
+                          <a:spcPct val="100000"/>
+                        </a:lnSpc>
+                        <a:spcBef>
+                          <a:spcPts val="0"/>
+                        </a:spcBef>
+                        <a:spcAft>
+                          <a:spcPts val="0"/>
+                        </a:spcAft>
+                        <a:buClrTx/>
+                        <a:buSzTx/>
+                        <a:buFontTx/>
+                        <a:buNone/>
+                        <a:tabLst/>
+                        <a:defRPr/>
+                      </a:pPr>
+                      <a:r>
+                        <a:rPr lang="de-DE" sz="1400" b="1" i="0" u="none" strike="noStrike" dirty="0" err="1" smtClean="0">
+                          <a:solidFill>
+                            <a:srgbClr val="000000"/>
+                          </a:solidFill>
+                          <a:effectLst/>
+                          <a:latin typeface="Calibri" panose="020F0502020204030204" pitchFamily="34" charset="0"/>
+                        </a:rPr>
+                        <a:t>lower</a:t>
+                      </a:r>
+                      <a:endParaRPr lang="de-DE" sz="1400" b="1" i="0" u="none" strike="noStrike" dirty="0">
+                        <a:solidFill>
+                          <a:srgbClr val="000000"/>
+                        </a:solidFill>
+                        <a:effectLst/>
+                        <a:latin typeface="Calibri" panose="020F0502020204030204" pitchFamily="34" charset="0"/>
+                      </a:endParaRPr>
+                    </a:p>
+                  </a:txBody>
+                  <a:tcPr marL="0" marR="0" marT="0" marB="0">
+                    <a:noFill/>
+                  </a:tcPr>
+                </a:tc>
+                <a:tc>
+                  <a:txBody>
+                    <a:bodyPr/>
+                    <a:lstStyle/>
+                    <a:p>
+                      <a:pPr algn="l" fontAlgn="b"/>
+                      <a:r>
+                        <a:rPr lang="de-DE" sz="1400" u="none" strike="noStrike" dirty="0" err="1" smtClean="0">
+                          <a:effectLst/>
+                        </a:rPr>
+                        <a:t>Lower</a:t>
+                      </a:r>
+                      <a:r>
+                        <a:rPr lang="de-DE" sz="1400" u="none" strike="noStrike" dirty="0" smtClean="0">
+                          <a:effectLst/>
+                        </a:rPr>
+                        <a:t> box </a:t>
+                      </a:r>
+                      <a:r>
+                        <a:rPr lang="de-DE" sz="1400" u="none" strike="noStrike" dirty="0" err="1" smtClean="0">
+                          <a:effectLst/>
+                        </a:rPr>
+                        <a:t>to</a:t>
+                      </a:r>
+                      <a:r>
+                        <a:rPr lang="de-DE" sz="1400" u="none" strike="noStrike" dirty="0" smtClean="0">
+                          <a:effectLst/>
+                        </a:rPr>
+                        <a:t> </a:t>
+                      </a:r>
+                      <a:r>
+                        <a:rPr lang="de-DE" sz="1400" u="none" strike="noStrike" dirty="0" err="1" smtClean="0">
+                          <a:effectLst/>
+                        </a:rPr>
+                        <a:t>floor</a:t>
+                      </a:r>
+                      <a:endParaRPr lang="de-DE" sz="1400" b="0" i="0" u="none" strike="noStrike" dirty="0">
+                        <a:solidFill>
+                          <a:srgbClr val="000000"/>
+                        </a:solidFill>
+                        <a:effectLst/>
+                        <a:latin typeface="Calibri" panose="020F0502020204030204" pitchFamily="34" charset="0"/>
+                      </a:endParaRPr>
+                    </a:p>
+                  </a:txBody>
+                  <a:tcPr marL="0" marR="0" marT="0" marB="0">
+                    <a:noFill/>
+                  </a:tcPr>
+                </a:tc>
+                <a:tc>
+                  <a:txBody>
+                    <a:bodyPr/>
+                    <a:lstStyle/>
+                    <a:p>
+                      <a:pPr marL="0" marR="0" lvl="0" indent="0" algn="l" defTabSz="914400" rtl="0" eaLnBrk="1" fontAlgn="b" latinLnBrk="0" hangingPunct="1">
+                        <a:lnSpc>
+                          <a:spcPct val="100000"/>
+                        </a:lnSpc>
+                        <a:spcBef>
+                          <a:spcPts val="0"/>
+                        </a:spcBef>
+                        <a:spcAft>
+                          <a:spcPts val="0"/>
+                        </a:spcAft>
+                        <a:buClrTx/>
+                        <a:buSzTx/>
+                        <a:buFontTx/>
+                        <a:buNone/>
+                        <a:tabLst/>
+                        <a:defRPr/>
+                      </a:pPr>
+                      <a:r>
+                        <a:rPr lang="de-DE" sz="1400" u="none" strike="noStrike" dirty="0" smtClean="0">
+                          <a:effectLst/>
+                        </a:rPr>
+                        <a:t>Head </a:t>
+                      </a:r>
+                      <a:r>
+                        <a:rPr lang="de-DE" sz="1400" u="none" strike="noStrike" dirty="0" err="1" smtClean="0">
+                          <a:effectLst/>
+                        </a:rPr>
+                        <a:t>above</a:t>
+                      </a:r>
+                      <a:r>
+                        <a:rPr lang="de-DE" sz="1400" u="none" strike="noStrike" dirty="0" smtClean="0">
+                          <a:effectLst/>
+                        </a:rPr>
+                        <a:t> </a:t>
+                      </a:r>
+                      <a:r>
+                        <a:rPr lang="de-DE" sz="1400" u="none" strike="noStrike" dirty="0" err="1" smtClean="0">
+                          <a:effectLst/>
+                        </a:rPr>
+                        <a:t>pelvis</a:t>
+                      </a:r>
+                      <a:r>
+                        <a:rPr lang="de-DE" sz="1400" u="none" strike="noStrike" dirty="0" smtClean="0">
+                          <a:effectLst/>
+                        </a:rPr>
+                        <a:t>, </a:t>
+                      </a:r>
+                      <a:r>
+                        <a:rPr lang="de-DE" sz="1400" u="none" strike="noStrike" dirty="0" err="1" smtClean="0">
+                          <a:effectLst/>
+                        </a:rPr>
+                        <a:t>bend</a:t>
+                      </a:r>
+                      <a:r>
+                        <a:rPr lang="de-DE" sz="1400" u="none" strike="noStrike" dirty="0" smtClean="0">
+                          <a:effectLst/>
+                        </a:rPr>
+                        <a:t> </a:t>
+                      </a:r>
+                      <a:r>
+                        <a:rPr lang="de-DE" sz="1400" u="none" strike="noStrike" dirty="0" err="1" smtClean="0">
+                          <a:effectLst/>
+                        </a:rPr>
+                        <a:t>knees</a:t>
+                      </a:r>
+                      <a:r>
+                        <a:rPr lang="de-DE" sz="1400" u="none" strike="noStrike" dirty="0" smtClean="0">
+                          <a:effectLst/>
+                        </a:rPr>
+                        <a:t> and open </a:t>
+                      </a:r>
+                      <a:r>
+                        <a:rPr lang="de-DE" sz="1400" u="none" strike="noStrike" dirty="0" err="1" smtClean="0">
+                          <a:effectLst/>
+                        </a:rPr>
+                        <a:t>legs</a:t>
+                      </a:r>
+                      <a:r>
+                        <a:rPr lang="de-DE" sz="1400" u="none" strike="noStrike" dirty="0" smtClean="0">
+                          <a:effectLst/>
+                        </a:rPr>
+                        <a:t>,</a:t>
+                      </a:r>
+                      <a:r>
+                        <a:rPr lang="de-DE" sz="1400" u="none" strike="noStrike" baseline="0" dirty="0" smtClean="0">
+                          <a:effectLst/>
+                        </a:rPr>
+                        <a:t> </a:t>
+                      </a:r>
+                      <a:r>
+                        <a:rPr lang="de-DE" sz="1400" u="none" strike="noStrike" baseline="0" dirty="0" err="1" smtClean="0">
+                          <a:effectLst/>
+                        </a:rPr>
+                        <a:t>chest</a:t>
+                      </a:r>
+                      <a:r>
+                        <a:rPr lang="de-DE" sz="1400" u="none" strike="noStrike" baseline="0" dirty="0" smtClean="0">
+                          <a:effectLst/>
+                        </a:rPr>
+                        <a:t> out</a:t>
+                      </a:r>
+                      <a:r>
+                        <a:rPr lang="de-DE" sz="1400" u="none" strike="noStrike" dirty="0" smtClean="0">
+                          <a:effectLst/>
+                        </a:rPr>
+                        <a:t>, </a:t>
+                      </a:r>
+                      <a:r>
+                        <a:rPr lang="de-DE" sz="1400" u="none" strike="noStrike" dirty="0" err="1" smtClean="0">
+                          <a:effectLst/>
+                        </a:rPr>
+                        <a:t>straight</a:t>
+                      </a:r>
+                      <a:r>
+                        <a:rPr lang="de-DE" sz="1400" u="none" strike="noStrike" dirty="0" smtClean="0">
+                          <a:effectLst/>
+                        </a:rPr>
+                        <a:t> back and</a:t>
+                      </a:r>
+                      <a:r>
+                        <a:rPr lang="de-DE" sz="1400" u="none" strike="noStrike" baseline="0" dirty="0" smtClean="0">
+                          <a:effectLst/>
+                        </a:rPr>
+                        <a:t> </a:t>
+                      </a:r>
+                      <a:r>
+                        <a:rPr lang="de-DE" sz="1400" u="none" strike="noStrike" baseline="0" dirty="0" err="1" smtClean="0">
+                          <a:effectLst/>
+                        </a:rPr>
+                        <a:t>head</a:t>
+                      </a:r>
+                      <a:r>
+                        <a:rPr lang="de-DE" sz="1400" u="none" strike="noStrike" baseline="0" dirty="0" smtClean="0">
+                          <a:effectLst/>
+                        </a:rPr>
+                        <a:t>, </a:t>
+                      </a:r>
+                      <a:r>
+                        <a:rPr lang="de-DE" sz="1400" u="none" strike="noStrike" baseline="0" dirty="0" err="1" smtClean="0">
+                          <a:effectLst/>
+                        </a:rPr>
+                        <a:t>extend</a:t>
+                      </a:r>
+                      <a:r>
+                        <a:rPr lang="de-DE" sz="1400" u="none" strike="noStrike" baseline="0" dirty="0" smtClean="0">
+                          <a:effectLst/>
+                        </a:rPr>
+                        <a:t> </a:t>
+                      </a:r>
+                      <a:r>
+                        <a:rPr lang="de-DE" sz="1400" u="none" strike="noStrike" baseline="0" dirty="0" err="1" smtClean="0">
+                          <a:effectLst/>
+                        </a:rPr>
+                        <a:t>arms</a:t>
+                      </a:r>
+                      <a:endParaRPr lang="de-DE" sz="1400" u="none" strike="noStrike" baseline="0" dirty="0" smtClean="0">
+                        <a:effectLst/>
+                      </a:endParaRPr>
+                    </a:p>
+                  </a:txBody>
+                  <a:tcPr marL="0" marR="0" marT="0" marB="0">
+                    <a:lnR w="12700" cap="flat" cmpd="sng" algn="ctr">
+                      <a:noFill/>
+                      <a:prstDash val="solid"/>
+                      <a:round/>
+                      <a:headEnd type="none" w="med" len="med"/>
+                      <a:tailEnd type="none" w="med" len="med"/>
+                    </a:lnR>
+                    <a:noFill/>
+                  </a:tcPr>
+                </a:tc>
+                <a:tc>
+                  <a:txBody>
+                    <a:bodyPr/>
+                    <a:lstStyle/>
+                    <a:p>
+                      <a:pPr algn="l" fontAlgn="b"/>
+                      <a:r>
+                        <a:rPr lang="de-DE" sz="1400" u="none" strike="noStrike" dirty="0" smtClean="0">
+                          <a:effectLst/>
+                        </a:rPr>
+                        <a:t>3</a:t>
+                      </a:r>
+                      <a:endParaRPr lang="de-DE" sz="1400" b="0" i="0" u="none" strike="noStrike" dirty="0">
+                        <a:solidFill>
+                          <a:srgbClr val="000000"/>
+                        </a:solidFill>
+                        <a:effectLst/>
+                        <a:latin typeface="Calibri" panose="020F0502020204030204" pitchFamily="34" charset="0"/>
+                      </a:endParaRPr>
+                    </a:p>
+                  </a:txBody>
+                  <a:tcPr marL="0" marR="0" marT="0" marB="0">
+                    <a:lnL w="12700" cap="flat" cmpd="sng" algn="ctr">
+                      <a:noFill/>
+                      <a:prstDash val="solid"/>
+                      <a:round/>
+                      <a:headEnd type="none" w="med" len="med"/>
+                      <a:tailEnd type="none" w="med" len="med"/>
+                    </a:lnL>
+                    <a:noFill/>
+                  </a:tcPr>
+                </a:tc>
+              </a:tr>
+              <a:tr h="223904">
+                <a:tc>
+                  <a:txBody>
+                    <a:bodyPr/>
+                    <a:lstStyle/>
+                    <a:p>
+                      <a:pPr algn="l" fontAlgn="b"/>
+                      <a:r>
+                        <a:rPr lang="de-DE" sz="1400" b="1" i="0" u="none" strike="noStrike" dirty="0" err="1" smtClean="0">
+                          <a:solidFill>
+                            <a:srgbClr val="000000"/>
+                          </a:solidFill>
+                          <a:effectLst/>
+                          <a:latin typeface="Calibri" panose="020F0502020204030204" pitchFamily="34" charset="0"/>
+                        </a:rPr>
+                        <a:t>place</a:t>
+                      </a:r>
+                      <a:endParaRPr lang="de-DE" sz="1400" b="1" i="0" u="none" strike="noStrike" dirty="0">
+                        <a:solidFill>
+                          <a:srgbClr val="000000"/>
+                        </a:solidFill>
+                        <a:effectLst/>
+                        <a:latin typeface="Calibri" panose="020F0502020204030204" pitchFamily="34" charset="0"/>
+                      </a:endParaRPr>
+                    </a:p>
+                  </a:txBody>
+                  <a:tcPr marL="0" marR="0" marT="0" marB="0">
+                    <a:noFill/>
+                  </a:tcPr>
+                </a:tc>
+                <a:tc>
+                  <a:txBody>
+                    <a:bodyPr/>
+                    <a:lstStyle/>
+                    <a:p>
+                      <a:pPr algn="l" fontAlgn="b"/>
+                      <a:r>
+                        <a:rPr lang="de-DE" sz="1400" u="none" strike="noStrike" dirty="0" err="1" smtClean="0">
+                          <a:effectLst/>
+                        </a:rPr>
+                        <a:t>Put</a:t>
+                      </a:r>
+                      <a:r>
+                        <a:rPr lang="de-DE" sz="1400" u="none" strike="noStrike" dirty="0" smtClean="0">
+                          <a:effectLst/>
+                        </a:rPr>
+                        <a:t> box on </a:t>
+                      </a:r>
+                      <a:r>
+                        <a:rPr lang="de-DE" sz="1400" u="none" strike="noStrike" dirty="0" err="1" smtClean="0">
+                          <a:effectLst/>
+                        </a:rPr>
+                        <a:t>table</a:t>
+                      </a:r>
+                      <a:endParaRPr lang="de-DE" sz="1400" b="0" i="0" u="none" strike="noStrike" dirty="0">
+                        <a:solidFill>
+                          <a:srgbClr val="000000"/>
+                        </a:solidFill>
+                        <a:effectLst/>
+                        <a:latin typeface="Calibri" panose="020F0502020204030204" pitchFamily="34" charset="0"/>
+                      </a:endParaRPr>
+                    </a:p>
+                  </a:txBody>
+                  <a:tcPr marL="0" marR="0" marT="0" marB="0">
+                    <a:noFill/>
+                  </a:tcPr>
+                </a:tc>
+                <a:tc>
+                  <a:txBody>
+                    <a:bodyPr/>
+                    <a:lstStyle/>
+                    <a:p>
+                      <a:pPr marL="0" marR="0" lvl="0" indent="0" algn="l" defTabSz="914400" rtl="0" eaLnBrk="1" fontAlgn="b" latinLnBrk="0" hangingPunct="1">
+                        <a:lnSpc>
+                          <a:spcPct val="100000"/>
+                        </a:lnSpc>
+                        <a:spcBef>
+                          <a:spcPts val="0"/>
+                        </a:spcBef>
+                        <a:spcAft>
+                          <a:spcPts val="0"/>
+                        </a:spcAft>
+                        <a:buClrTx/>
+                        <a:buSzTx/>
+                        <a:buFontTx/>
+                        <a:buNone/>
+                        <a:tabLst/>
+                        <a:defRPr/>
+                      </a:pPr>
+                      <a:r>
+                        <a:rPr lang="de-DE" sz="1400" u="none" strike="noStrike" dirty="0" err="1" smtClean="0">
+                          <a:effectLst/>
+                        </a:rPr>
+                        <a:t>Paralell</a:t>
+                      </a:r>
+                      <a:r>
+                        <a:rPr lang="de-DE" sz="1400" u="none" strike="noStrike" dirty="0" smtClean="0">
+                          <a:effectLst/>
+                        </a:rPr>
+                        <a:t> hip</a:t>
+                      </a:r>
+                      <a:r>
+                        <a:rPr lang="de-DE" sz="1400" u="none" strike="noStrike" baseline="0" dirty="0" smtClean="0">
+                          <a:effectLst/>
+                        </a:rPr>
+                        <a:t> </a:t>
+                      </a:r>
+                      <a:r>
+                        <a:rPr lang="de-DE" sz="1400" u="none" strike="noStrike" baseline="0" dirty="0" err="1" smtClean="0">
+                          <a:effectLst/>
+                        </a:rPr>
+                        <a:t>wide</a:t>
+                      </a:r>
+                      <a:r>
+                        <a:rPr lang="de-DE" sz="1400" u="none" strike="noStrike" baseline="0" dirty="0" smtClean="0">
+                          <a:effectLst/>
+                        </a:rPr>
+                        <a:t> </a:t>
+                      </a:r>
+                      <a:r>
+                        <a:rPr lang="de-DE" sz="1400" u="none" strike="noStrike" baseline="0" dirty="0" err="1" smtClean="0">
+                          <a:effectLst/>
+                        </a:rPr>
+                        <a:t>feet</a:t>
+                      </a:r>
+                      <a:r>
+                        <a:rPr lang="de-DE" sz="1400" u="none" strike="noStrike" baseline="0" dirty="0" smtClean="0">
+                          <a:effectLst/>
+                        </a:rPr>
+                        <a:t>, </a:t>
+                      </a:r>
+                      <a:r>
+                        <a:rPr lang="de-DE" sz="1400" u="none" strike="noStrike" baseline="0" dirty="0" err="1" smtClean="0">
+                          <a:effectLst/>
+                        </a:rPr>
+                        <a:t>b</a:t>
+                      </a:r>
+                      <a:r>
+                        <a:rPr lang="de-DE" sz="1400" u="none" strike="noStrike" dirty="0" err="1" smtClean="0">
+                          <a:effectLst/>
+                        </a:rPr>
+                        <a:t>end</a:t>
+                      </a:r>
+                      <a:r>
+                        <a:rPr lang="de-DE" sz="1400" u="none" strike="noStrike" baseline="0" dirty="0" smtClean="0">
+                          <a:effectLst/>
+                        </a:rPr>
+                        <a:t> </a:t>
+                      </a:r>
+                      <a:r>
+                        <a:rPr lang="de-DE" sz="1400" u="none" strike="noStrike" baseline="0" dirty="0" err="1" smtClean="0">
+                          <a:effectLst/>
+                        </a:rPr>
+                        <a:t>knees</a:t>
+                      </a:r>
+                      <a:r>
+                        <a:rPr lang="de-DE" sz="1400" u="none" strike="noStrike" baseline="0" dirty="0" smtClean="0">
+                          <a:effectLst/>
+                        </a:rPr>
+                        <a:t> </a:t>
+                      </a:r>
+                      <a:r>
+                        <a:rPr lang="de-DE" sz="1400" u="none" strike="noStrike" baseline="0" dirty="0" err="1" smtClean="0">
+                          <a:effectLst/>
+                        </a:rPr>
+                        <a:t>slightly</a:t>
+                      </a:r>
+                      <a:r>
+                        <a:rPr lang="de-DE" sz="1400" u="none" strike="noStrike" baseline="0" dirty="0" smtClean="0">
+                          <a:effectLst/>
+                        </a:rPr>
+                        <a:t>, </a:t>
+                      </a:r>
+                      <a:r>
+                        <a:rPr lang="de-DE" sz="1400" u="none" strike="noStrike" baseline="0" dirty="0" err="1" smtClean="0">
+                          <a:effectLst/>
+                        </a:rPr>
+                        <a:t>lean</a:t>
+                      </a:r>
+                      <a:r>
+                        <a:rPr lang="de-DE" sz="1400" u="none" strike="noStrike" baseline="0" dirty="0" smtClean="0">
+                          <a:effectLst/>
+                        </a:rPr>
+                        <a:t> </a:t>
+                      </a:r>
+                      <a:r>
+                        <a:rPr lang="de-DE" sz="1400" u="none" strike="noStrike" baseline="0" dirty="0" err="1" smtClean="0">
+                          <a:effectLst/>
+                        </a:rPr>
+                        <a:t>forward</a:t>
+                      </a:r>
+                      <a:r>
+                        <a:rPr lang="de-DE" sz="1400" u="none" strike="noStrike" baseline="0" dirty="0" smtClean="0">
+                          <a:effectLst/>
+                        </a:rPr>
+                        <a:t> </a:t>
+                      </a:r>
+                      <a:r>
+                        <a:rPr lang="de-DE" sz="1400" u="none" strike="noStrike" baseline="0" dirty="0" err="1" smtClean="0">
+                          <a:effectLst/>
+                        </a:rPr>
+                        <a:t>with</a:t>
+                      </a:r>
+                      <a:r>
+                        <a:rPr lang="de-DE" sz="1400" u="none" strike="noStrike" baseline="0" dirty="0" smtClean="0">
+                          <a:effectLst/>
+                        </a:rPr>
+                        <a:t> </a:t>
+                      </a:r>
+                      <a:r>
+                        <a:rPr lang="de-DE" sz="1400" u="none" strike="noStrike" baseline="0" dirty="0" err="1" smtClean="0">
+                          <a:effectLst/>
+                        </a:rPr>
+                        <a:t>straight</a:t>
+                      </a:r>
+                      <a:r>
+                        <a:rPr lang="de-DE" sz="1400" u="none" strike="noStrike" baseline="0" dirty="0" smtClean="0">
+                          <a:effectLst/>
+                        </a:rPr>
+                        <a:t> back, </a:t>
+                      </a:r>
+                      <a:r>
+                        <a:rPr lang="de-DE" sz="1400" u="none" strike="noStrike" baseline="0" dirty="0" err="1" smtClean="0">
+                          <a:effectLst/>
+                        </a:rPr>
+                        <a:t>lower</a:t>
+                      </a:r>
+                      <a:r>
+                        <a:rPr lang="de-DE" sz="1400" u="none" strike="noStrike" baseline="0" dirty="0" smtClean="0">
+                          <a:effectLst/>
+                        </a:rPr>
+                        <a:t> </a:t>
+                      </a:r>
+                      <a:r>
+                        <a:rPr lang="de-DE" sz="1400" u="none" strike="noStrike" baseline="0" dirty="0" err="1" smtClean="0">
+                          <a:effectLst/>
+                        </a:rPr>
+                        <a:t>arms</a:t>
+                      </a:r>
+                      <a:endParaRPr lang="de-DE" sz="1400" b="0" i="0" u="none" strike="noStrike" dirty="0" smtClean="0">
+                        <a:solidFill>
+                          <a:srgbClr val="000000"/>
+                        </a:solidFill>
+                        <a:effectLst/>
+                        <a:latin typeface="Calibri" panose="020F0502020204030204" pitchFamily="34" charset="0"/>
+                      </a:endParaRPr>
+                    </a:p>
+                  </a:txBody>
+                  <a:tcPr marL="0" marR="0" marT="0" marB="0">
+                    <a:lnR w="12700" cap="flat" cmpd="sng" algn="ctr">
+                      <a:noFill/>
+                      <a:prstDash val="solid"/>
+                      <a:round/>
+                      <a:headEnd type="none" w="med" len="med"/>
+                      <a:tailEnd type="none" w="med" len="med"/>
+                    </a:lnR>
+                    <a:noFill/>
+                  </a:tcPr>
+                </a:tc>
+                <a:tc>
+                  <a:txBody>
+                    <a:bodyPr/>
+                    <a:lstStyle/>
+                    <a:p>
+                      <a:pPr algn="l" fontAlgn="b"/>
+                      <a:r>
+                        <a:rPr lang="de-DE" sz="1400" u="none" strike="noStrike" dirty="0" smtClean="0">
+                          <a:effectLst/>
+                        </a:rPr>
+                        <a:t>2</a:t>
+                      </a:r>
+                      <a:endParaRPr lang="de-DE" sz="1400" b="0" i="0" u="none" strike="noStrike" dirty="0">
+                        <a:solidFill>
+                          <a:srgbClr val="000000"/>
+                        </a:solidFill>
+                        <a:effectLst/>
+                        <a:latin typeface="Calibri" panose="020F0502020204030204" pitchFamily="34" charset="0"/>
+                      </a:endParaRPr>
+                    </a:p>
+                  </a:txBody>
+                  <a:tcPr marL="0" marR="0" marT="0" marB="0">
+                    <a:lnL w="12700" cap="flat" cmpd="sng" algn="ctr">
+                      <a:noFill/>
+                      <a:prstDash val="solid"/>
+                      <a:round/>
+                      <a:headEnd type="none" w="med" len="med"/>
+                      <a:tailEnd type="none" w="med" len="med"/>
+                    </a:lnL>
+                    <a:noFill/>
+                  </a:tcPr>
+                </a:tc>
+              </a:tr>
+              <a:tr h="223904">
+                <a:tc>
+                  <a:txBody>
+                    <a:bodyPr/>
+                    <a:lstStyle/>
+                    <a:p>
+                      <a:pPr algn="l" fontAlgn="b"/>
+                      <a:r>
+                        <a:rPr lang="de-DE" sz="1400" b="1" i="0" u="none" strike="noStrike" dirty="0" smtClean="0">
+                          <a:solidFill>
+                            <a:schemeClr val="tx1"/>
+                          </a:solidFill>
+                          <a:effectLst/>
+                          <a:latin typeface="+mn-lt"/>
+                        </a:rPr>
+                        <a:t>pick</a:t>
+                      </a:r>
+                      <a:endParaRPr lang="de-DE" sz="1400" b="1" i="0" u="none" strike="noStrike" dirty="0">
+                        <a:solidFill>
+                          <a:srgbClr val="000000"/>
+                        </a:solidFill>
+                        <a:effectLst/>
+                        <a:latin typeface="Calibri" panose="020F0502020204030204" pitchFamily="34" charset="0"/>
+                      </a:endParaRPr>
+                    </a:p>
+                  </a:txBody>
+                  <a:tcPr marL="0" marR="0" marT="0" marB="0">
+                    <a:noFill/>
+                  </a:tcPr>
+                </a:tc>
+                <a:tc>
+                  <a:txBody>
+                    <a:bodyPr/>
+                    <a:lstStyle/>
+                    <a:p>
+                      <a:pPr algn="l" fontAlgn="b"/>
+                      <a:r>
+                        <a:rPr lang="en-US" sz="1400" u="none" strike="noStrike" dirty="0" smtClean="0">
+                          <a:effectLst/>
+                        </a:rPr>
+                        <a:t>Pick up box from table</a:t>
+                      </a:r>
+                      <a:endParaRPr lang="en-US" sz="1400" b="0" i="0" u="none" strike="noStrike" dirty="0">
+                        <a:solidFill>
+                          <a:srgbClr val="000000"/>
+                        </a:solidFill>
+                        <a:effectLst/>
+                        <a:latin typeface="Calibri" panose="020F0502020204030204" pitchFamily="34" charset="0"/>
+                      </a:endParaRPr>
+                    </a:p>
+                  </a:txBody>
+                  <a:tcPr marL="0" marR="0" marT="0" marB="0">
+                    <a:noFill/>
+                  </a:tcPr>
+                </a:tc>
+                <a:tc>
+                  <a:txBody>
+                    <a:bodyPr/>
+                    <a:lstStyle/>
+                    <a:p>
+                      <a:pPr marL="0" marR="0" lvl="0" indent="0" algn="l" defTabSz="914400" rtl="0" eaLnBrk="1" fontAlgn="b" latinLnBrk="0" hangingPunct="1">
+                        <a:lnSpc>
+                          <a:spcPct val="100000"/>
+                        </a:lnSpc>
+                        <a:spcBef>
+                          <a:spcPts val="0"/>
+                        </a:spcBef>
+                        <a:spcAft>
+                          <a:spcPts val="0"/>
+                        </a:spcAft>
+                        <a:buClrTx/>
+                        <a:buSzTx/>
+                        <a:buFontTx/>
+                        <a:buNone/>
+                        <a:tabLst/>
+                        <a:defRPr/>
+                      </a:pPr>
+                      <a:r>
+                        <a:rPr lang="de-DE" sz="1400" u="none" strike="noStrike" dirty="0" err="1" smtClean="0">
+                          <a:effectLst/>
+                        </a:rPr>
+                        <a:t>Paralell</a:t>
+                      </a:r>
+                      <a:r>
+                        <a:rPr lang="de-DE" sz="1400" u="none" strike="noStrike" dirty="0" smtClean="0">
+                          <a:effectLst/>
+                        </a:rPr>
+                        <a:t> hip</a:t>
+                      </a:r>
+                      <a:r>
+                        <a:rPr lang="de-DE" sz="1400" u="none" strike="noStrike" baseline="0" dirty="0" smtClean="0">
+                          <a:effectLst/>
+                        </a:rPr>
+                        <a:t> </a:t>
+                      </a:r>
+                      <a:r>
+                        <a:rPr lang="de-DE" sz="1400" u="none" strike="noStrike" baseline="0" dirty="0" err="1" smtClean="0">
+                          <a:effectLst/>
+                        </a:rPr>
+                        <a:t>wide</a:t>
+                      </a:r>
+                      <a:r>
+                        <a:rPr lang="de-DE" sz="1400" u="none" strike="noStrike" baseline="0" dirty="0" smtClean="0">
+                          <a:effectLst/>
+                        </a:rPr>
+                        <a:t> </a:t>
+                      </a:r>
+                      <a:r>
+                        <a:rPr lang="de-DE" sz="1400" u="none" strike="noStrike" baseline="0" dirty="0" err="1" smtClean="0">
+                          <a:effectLst/>
+                        </a:rPr>
+                        <a:t>feet</a:t>
+                      </a:r>
+                      <a:r>
+                        <a:rPr lang="de-DE" sz="1400" u="none" strike="noStrike" baseline="0" dirty="0" smtClean="0">
+                          <a:effectLst/>
+                        </a:rPr>
+                        <a:t>, </a:t>
+                      </a:r>
+                      <a:r>
+                        <a:rPr lang="de-DE" sz="1400" u="none" strike="noStrike" baseline="0" dirty="0" err="1" smtClean="0">
+                          <a:effectLst/>
+                        </a:rPr>
+                        <a:t>b</a:t>
+                      </a:r>
+                      <a:r>
+                        <a:rPr lang="de-DE" sz="1400" u="none" strike="noStrike" dirty="0" err="1" smtClean="0">
+                          <a:effectLst/>
+                        </a:rPr>
+                        <a:t>end</a:t>
+                      </a:r>
+                      <a:r>
+                        <a:rPr lang="de-DE" sz="1400" u="none" strike="noStrike" dirty="0" smtClean="0">
+                          <a:effectLst/>
+                        </a:rPr>
+                        <a:t> </a:t>
+                      </a:r>
+                      <a:r>
+                        <a:rPr lang="de-DE" sz="1400" u="none" strike="noStrike" dirty="0" err="1" smtClean="0">
+                          <a:effectLst/>
+                        </a:rPr>
+                        <a:t>knees</a:t>
+                      </a:r>
+                      <a:r>
+                        <a:rPr lang="de-DE" sz="1400" u="none" strike="noStrike" dirty="0" smtClean="0">
+                          <a:effectLst/>
+                        </a:rPr>
+                        <a:t> </a:t>
+                      </a:r>
+                      <a:r>
+                        <a:rPr lang="de-DE" sz="1400" u="none" strike="noStrike" dirty="0" err="1" smtClean="0">
+                          <a:effectLst/>
+                        </a:rPr>
+                        <a:t>slightly</a:t>
+                      </a:r>
+                      <a:r>
+                        <a:rPr lang="de-DE" sz="1400" u="none" strike="noStrike" dirty="0" smtClean="0">
+                          <a:effectLst/>
+                        </a:rPr>
+                        <a:t>, </a:t>
+                      </a:r>
+                      <a:r>
+                        <a:rPr lang="de-DE" sz="1400" u="none" strike="noStrike" dirty="0" err="1" smtClean="0">
+                          <a:effectLst/>
+                        </a:rPr>
+                        <a:t>lean</a:t>
+                      </a:r>
+                      <a:r>
+                        <a:rPr lang="de-DE" sz="1400" u="none" strike="noStrike" dirty="0" smtClean="0">
+                          <a:effectLst/>
+                        </a:rPr>
+                        <a:t> </a:t>
+                      </a:r>
+                      <a:r>
+                        <a:rPr lang="de-DE" sz="1400" u="none" strike="noStrike" dirty="0" err="1" smtClean="0">
+                          <a:effectLst/>
+                        </a:rPr>
+                        <a:t>forward</a:t>
+                      </a:r>
+                      <a:r>
+                        <a:rPr lang="de-DE" sz="1400" u="none" strike="noStrike" dirty="0" smtClean="0">
+                          <a:effectLst/>
+                        </a:rPr>
+                        <a:t> </a:t>
+                      </a:r>
+                      <a:r>
+                        <a:rPr lang="de-DE" sz="1400" u="none" strike="noStrike" dirty="0" err="1" smtClean="0">
+                          <a:effectLst/>
+                        </a:rPr>
+                        <a:t>with</a:t>
+                      </a:r>
+                      <a:r>
+                        <a:rPr lang="de-DE" sz="1400" u="none" strike="noStrike" dirty="0" smtClean="0">
+                          <a:effectLst/>
+                        </a:rPr>
+                        <a:t> </a:t>
+                      </a:r>
+                      <a:r>
+                        <a:rPr lang="de-DE" sz="1400" u="none" strike="noStrike" dirty="0" err="1" smtClean="0">
+                          <a:effectLst/>
+                        </a:rPr>
+                        <a:t>straight</a:t>
+                      </a:r>
+                      <a:r>
+                        <a:rPr lang="de-DE" sz="1400" u="none" strike="noStrike" dirty="0" smtClean="0">
+                          <a:effectLst/>
+                        </a:rPr>
+                        <a:t> back, </a:t>
+                      </a:r>
+                      <a:r>
+                        <a:rPr lang="de-DE" sz="1400" u="none" strike="noStrike" dirty="0" err="1" smtClean="0">
+                          <a:effectLst/>
+                        </a:rPr>
+                        <a:t>lift</a:t>
+                      </a:r>
+                      <a:r>
+                        <a:rPr lang="de-DE" sz="1400" u="none" strike="noStrike" dirty="0" smtClean="0">
+                          <a:effectLst/>
+                        </a:rPr>
+                        <a:t> </a:t>
+                      </a:r>
+                      <a:r>
+                        <a:rPr lang="de-DE" sz="1400" u="none" strike="noStrike" baseline="0" dirty="0" err="1" smtClean="0">
+                          <a:effectLst/>
+                        </a:rPr>
+                        <a:t>with</a:t>
+                      </a:r>
+                      <a:r>
+                        <a:rPr lang="de-DE" sz="1400" u="none" strike="noStrike" baseline="0" dirty="0" smtClean="0">
+                          <a:effectLst/>
+                        </a:rPr>
+                        <a:t> </a:t>
+                      </a:r>
+                      <a:r>
+                        <a:rPr lang="de-DE" sz="1400" u="none" strike="noStrike" baseline="0" dirty="0" err="1" smtClean="0">
+                          <a:effectLst/>
+                        </a:rPr>
+                        <a:t>arms</a:t>
+                      </a:r>
+                      <a:r>
+                        <a:rPr lang="de-DE" sz="1400" u="none" strike="noStrike" baseline="0" dirty="0" smtClean="0">
+                          <a:effectLst/>
+                        </a:rPr>
+                        <a:t>, abdominal and back </a:t>
+                      </a:r>
+                      <a:r>
+                        <a:rPr lang="de-DE" sz="1400" u="none" strike="noStrike" baseline="0" dirty="0" err="1" smtClean="0">
+                          <a:effectLst/>
+                        </a:rPr>
+                        <a:t>muscles</a:t>
+                      </a:r>
+                      <a:endParaRPr lang="de-DE" sz="1400" b="0" i="0" u="none" strike="noStrike" dirty="0" smtClean="0">
+                        <a:solidFill>
+                          <a:srgbClr val="000000"/>
+                        </a:solidFill>
+                        <a:effectLst/>
+                        <a:latin typeface="Calibri" panose="020F0502020204030204" pitchFamily="34" charset="0"/>
+                      </a:endParaRPr>
+                    </a:p>
+                  </a:txBody>
+                  <a:tcPr marL="0" marR="0" marT="0" marB="0">
+                    <a:lnR w="12700" cap="flat" cmpd="sng" algn="ctr">
+                      <a:noFill/>
+                      <a:prstDash val="solid"/>
+                      <a:round/>
+                      <a:headEnd type="none" w="med" len="med"/>
+                      <a:tailEnd type="none" w="med" len="med"/>
+                    </a:lnR>
+                    <a:noFill/>
+                  </a:tcPr>
+                </a:tc>
+                <a:tc>
+                  <a:txBody>
+                    <a:bodyPr/>
+                    <a:lstStyle/>
+                    <a:p>
+                      <a:pPr algn="l" fontAlgn="b"/>
+                      <a:r>
+                        <a:rPr lang="de-DE" sz="1400" u="none" strike="noStrike" dirty="0" smtClean="0">
+                          <a:effectLst/>
+                        </a:rPr>
+                        <a:t>2</a:t>
+                      </a:r>
+                      <a:endParaRPr lang="de-DE" sz="1400" b="0" i="0" u="none" strike="noStrike" dirty="0">
+                        <a:solidFill>
+                          <a:srgbClr val="000000"/>
+                        </a:solidFill>
+                        <a:effectLst/>
+                        <a:latin typeface="Calibri" panose="020F0502020204030204" pitchFamily="34" charset="0"/>
+                      </a:endParaRPr>
+                    </a:p>
+                  </a:txBody>
+                  <a:tcPr marL="0" marR="0" marT="0" marB="0">
+                    <a:lnL w="12700" cap="flat" cmpd="sng" algn="ctr">
+                      <a:noFill/>
+                      <a:prstDash val="solid"/>
+                      <a:round/>
+                      <a:headEnd type="none" w="med" len="med"/>
+                      <a:tailEnd type="none" w="med" len="med"/>
+                    </a:lnL>
+                    <a:noFill/>
+                  </a:tcPr>
+                </a:tc>
+              </a:tr>
+              <a:tr h="223904">
+                <a:tc>
+                  <a:txBody>
+                    <a:bodyPr/>
+                    <a:lstStyle/>
+                    <a:p>
+                      <a:pPr algn="l" fontAlgn="b"/>
+                      <a:endParaRPr lang="de-DE" sz="1400" b="0" i="0" u="none" strike="noStrike" dirty="0">
+                        <a:solidFill>
+                          <a:srgbClr val="000000"/>
+                        </a:solidFill>
+                        <a:effectLst/>
+                        <a:latin typeface="Calibri" panose="020F0502020204030204" pitchFamily="34" charset="0"/>
+                      </a:endParaRPr>
+                    </a:p>
+                  </a:txBody>
+                  <a:tcPr marL="0" marR="0" marT="0" marB="0">
+                    <a:noFill/>
+                  </a:tcPr>
+                </a:tc>
+                <a:tc>
+                  <a:txBody>
+                    <a:bodyPr/>
+                    <a:lstStyle/>
+                    <a:p>
+                      <a:pPr algn="l" fontAlgn="b"/>
+                      <a:endParaRPr lang="en-US" sz="1400" b="0" i="0" u="none" strike="noStrike" dirty="0">
+                        <a:solidFill>
+                          <a:srgbClr val="000000"/>
+                        </a:solidFill>
+                        <a:effectLst/>
+                        <a:latin typeface="Calibri" panose="020F0502020204030204" pitchFamily="34" charset="0"/>
+                      </a:endParaRPr>
+                    </a:p>
+                  </a:txBody>
+                  <a:tcPr marL="0" marR="0" marT="0" marB="0">
+                    <a:noFill/>
+                  </a:tcPr>
+                </a:tc>
+                <a:tc>
+                  <a:txBody>
+                    <a:bodyPr/>
+                    <a:lstStyle/>
+                    <a:p>
+                      <a:pPr algn="l" fontAlgn="b"/>
+                      <a:endParaRPr lang="de-DE" sz="1400" b="0" i="0" u="none" strike="noStrike" dirty="0">
+                        <a:solidFill>
+                          <a:srgbClr val="000000"/>
+                        </a:solidFill>
+                        <a:effectLst/>
+                        <a:latin typeface="Calibri" panose="020F0502020204030204" pitchFamily="34" charset="0"/>
+                      </a:endParaRPr>
+                    </a:p>
+                  </a:txBody>
+                  <a:tcPr marL="0" marR="0" marT="0" marB="0">
+                    <a:lnR w="12700" cap="flat" cmpd="sng" algn="ctr">
+                      <a:noFill/>
+                      <a:prstDash val="solid"/>
+                      <a:round/>
+                      <a:headEnd type="none" w="med" len="med"/>
+                      <a:tailEnd type="none" w="med" len="med"/>
+                    </a:lnR>
+                    <a:noFill/>
+                  </a:tcPr>
+                </a:tc>
+                <a:tc>
+                  <a:txBody>
+                    <a:bodyPr/>
+                    <a:lstStyle/>
+                    <a:p>
+                      <a:pPr algn="l" fontAlgn="b"/>
+                      <a:r>
+                        <a:rPr lang="de-DE" sz="1400" b="0" i="0" u="none" strike="noStrike" dirty="0" smtClean="0">
+                          <a:solidFill>
+                            <a:srgbClr val="000000"/>
+                          </a:solidFill>
+                          <a:effectLst/>
+                          <a:latin typeface="Calibri" panose="020F0502020204030204" pitchFamily="34" charset="0"/>
+                        </a:rPr>
+                        <a:t>Total: 34 sub-tasks</a:t>
+                      </a:r>
+                    </a:p>
+                    <a:p>
+                      <a:pPr algn="l" fontAlgn="b"/>
+                      <a:r>
+                        <a:rPr lang="de-DE" sz="1400" b="0" i="0" u="none" strike="noStrike" dirty="0" smtClean="0">
+                          <a:solidFill>
+                            <a:srgbClr val="000000"/>
+                          </a:solidFill>
+                          <a:effectLst/>
+                          <a:latin typeface="Calibri" panose="020F0502020204030204" pitchFamily="34" charset="0"/>
+                        </a:rPr>
+                        <a:t>per </a:t>
+                      </a:r>
+                      <a:r>
+                        <a:rPr lang="de-DE" sz="1400" b="0" i="0" u="none" strike="noStrike" dirty="0" err="1" smtClean="0">
+                          <a:solidFill>
+                            <a:srgbClr val="000000"/>
+                          </a:solidFill>
+                          <a:effectLst/>
+                          <a:latin typeface="Calibri" panose="020F0502020204030204" pitchFamily="34" charset="0"/>
+                        </a:rPr>
+                        <a:t>task</a:t>
+                      </a:r>
+                      <a:endParaRPr lang="de-DE" sz="1400" b="0" i="0" u="none" strike="noStrike" dirty="0">
+                        <a:solidFill>
+                          <a:srgbClr val="000000"/>
+                        </a:solidFill>
+                        <a:effectLst/>
+                        <a:latin typeface="Calibri" panose="020F0502020204030204" pitchFamily="34" charset="0"/>
+                      </a:endParaRPr>
+                    </a:p>
+                  </a:txBody>
+                  <a:tcPr marL="0" marR="0" marT="0" marB="0">
+                    <a:lnL w="12700" cap="flat" cmpd="sng" algn="ctr">
+                      <a:noFill/>
+                      <a:prstDash val="solid"/>
+                      <a:round/>
+                      <a:headEnd type="none" w="med" len="med"/>
+                      <a:tailEnd type="none" w="med" len="med"/>
+                    </a:lnL>
+                    <a:noFill/>
+                  </a:tcPr>
                 </a:tc>
               </a:tr>
             </a:tbl>
@@ -5158,7 +6082,7 @@
     </p:spTree>
     <p:extLst>
       <p:ext uri="{BB962C8B-B14F-4D97-AF65-F5344CB8AC3E}">
-        <p14:creationId xmlns:p14="http://schemas.microsoft.com/office/powerpoint/2010/main" val="1641803979"/>
+        <p14:creationId xmlns:p14="http://schemas.microsoft.com/office/powerpoint/2010/main" val="1599003408"/>
       </p:ext>
     </p:extLst>
   </p:cSld>
@@ -17265,19 +18189,7 @@
                         <a:rPr lang="de-DE" sz="1400" u="none" strike="noStrike" dirty="0" smtClean="0">
                           <a:effectLst/>
                         </a:rPr>
-                        <a:t> (</a:t>
-                      </a:r>
-                      <a:r>
-                        <a:rPr lang="de-DE" sz="1400" u="none" strike="noStrike" dirty="0" smtClean="0">
-                          <a:effectLst/>
-                        </a:rPr>
-                        <a:t>invisible</a:t>
-                      </a:r>
-                      <a:r>
-                        <a:rPr lang="de-DE" sz="1400" u="none" strike="noStrike" dirty="0" smtClean="0">
-                          <a:effectLst/>
-                        </a:rPr>
-                        <a:t>) </a:t>
+                        <a:t> (invisible) </a:t>
                       </a:r>
                       <a:r>
                         <a:rPr lang="de-DE" sz="1400" u="none" strike="noStrike" dirty="0" err="1">
@@ -17409,19 +18321,7 @@
                         <a:rPr lang="de-DE" sz="1400" u="none" strike="noStrike" dirty="0" smtClean="0">
                           <a:effectLst/>
                         </a:rPr>
-                        <a:t>(</a:t>
-                      </a:r>
-                      <a:r>
-                        <a:rPr lang="de-DE" sz="1400" u="none" strike="noStrike" dirty="0" smtClean="0">
-                          <a:effectLst/>
-                        </a:rPr>
-                        <a:t>invisible</a:t>
-                      </a:r>
-                      <a:r>
-                        <a:rPr lang="de-DE" sz="1400" u="none" strike="noStrike" dirty="0" smtClean="0">
-                          <a:effectLst/>
-                        </a:rPr>
-                        <a:t>) </a:t>
+                        <a:t>(invisible) </a:t>
                       </a:r>
                       <a:r>
                         <a:rPr lang="de-DE" sz="1400" u="none" strike="noStrike" dirty="0" err="1" smtClean="0">
@@ -20173,17 +21073,7 @@
                           <a:effectLst/>
                           <a:latin typeface="Calibri" panose="020F0502020204030204" pitchFamily="34" charset="0"/>
                         </a:rPr>
-                        <a:t>Hip </a:t>
-                      </a:r>
-                      <a:r>
-                        <a:rPr lang="de-DE" sz="1400" b="0" i="0" u="none" strike="noStrike" dirty="0" smtClean="0">
-                          <a:solidFill>
-                            <a:srgbClr val="000000"/>
-                          </a:solidFill>
-                          <a:effectLst/>
-                          <a:latin typeface="Calibri" panose="020F0502020204030204" pitchFamily="34" charset="0"/>
-                        </a:rPr>
-                        <a:t>angle</a:t>
+                        <a:t>Hip angle</a:t>
                       </a:r>
                       <a:endParaRPr lang="de-DE" sz="1400" b="0" i="0" u="none" strike="noStrike" dirty="0">
                         <a:solidFill>
@@ -20849,13 +21739,6 @@
                         </a:rPr>
                         <a:t>angle</a:t>
                       </a:r>
-                      <a:endParaRPr lang="de-DE" sz="1400" b="0" i="0" u="none" strike="noStrike" dirty="0" smtClean="0">
-                        <a:solidFill>
-                          <a:srgbClr val="000000"/>
-                        </a:solidFill>
-                        <a:effectLst/>
-                        <a:latin typeface="Calibri" panose="020F0502020204030204" pitchFamily="34" charset="0"/>
-                      </a:endParaRPr>
                     </a:p>
                   </a:txBody>
                   <a:tcPr marL="0" marR="0" marT="0" marB="0" anchor="b">
@@ -22241,13 +23124,7 @@
                         <a:rPr lang="de-DE" sz="1400" u="none" strike="noStrike" dirty="0" smtClean="0">
                           <a:effectLst/>
                         </a:rPr>
-                        <a:t> of </a:t>
-                      </a:r>
-                      <a:r>
-                        <a:rPr lang="de-DE" sz="1400" u="none" strike="noStrike" dirty="0" smtClean="0">
-                          <a:effectLst/>
-                        </a:rPr>
-                        <a:t>GV</a:t>
+                        <a:t> of GV</a:t>
                       </a:r>
                       <a:endParaRPr lang="de-DE" sz="1400" b="0" i="0" u="none" strike="noStrike" dirty="0">
                         <a:solidFill>
@@ -22397,13 +23274,7 @@
                         <a:rPr lang="de-DE" sz="1400" u="none" strike="noStrike" dirty="0" smtClean="0">
                           <a:effectLst/>
                         </a:rPr>
-                        <a:t> of </a:t>
-                      </a:r>
-                      <a:r>
-                        <a:rPr lang="de-DE" sz="1400" u="none" strike="noStrike" dirty="0" smtClean="0">
-                          <a:effectLst/>
-                        </a:rPr>
-                        <a:t>GV</a:t>
+                        <a:t> of GV</a:t>
                       </a:r>
                       <a:endParaRPr lang="de-DE" sz="1400" b="0" i="0" u="none" strike="noStrike" dirty="0">
                         <a:solidFill>
@@ -22561,13 +23432,7 @@
                         <a:rPr lang="de-DE" sz="1400" u="none" strike="noStrike" baseline="0" dirty="0" smtClean="0">
                           <a:effectLst/>
                         </a:rPr>
-                        <a:t> of </a:t>
-                      </a:r>
-                      <a:r>
-                        <a:rPr lang="de-DE" sz="1400" u="none" strike="noStrike" baseline="0" dirty="0" smtClean="0">
-                          <a:effectLst/>
-                        </a:rPr>
-                        <a:t>GV</a:t>
+                        <a:t> of GV</a:t>
                       </a:r>
                       <a:endParaRPr lang="de-DE" sz="1400" b="0" i="0" u="none" strike="noStrike" dirty="0">
                         <a:solidFill>
@@ -22707,13 +23572,7 @@
                         <a:rPr lang="de-DE" sz="1400" u="none" strike="noStrike" dirty="0" smtClean="0">
                           <a:effectLst/>
                         </a:rPr>
-                        <a:t> </a:t>
-                      </a:r>
-                      <a:r>
-                        <a:rPr lang="de-DE" sz="1400" u="none" strike="noStrike" dirty="0" smtClean="0">
-                          <a:effectLst/>
-                        </a:rPr>
-                        <a:t>GV</a:t>
+                        <a:t> GV</a:t>
                       </a:r>
                       <a:endParaRPr lang="de-DE" sz="1400" b="0" i="0" u="none" strike="noStrike" dirty="0">
                         <a:solidFill>
@@ -29379,11 +30238,7 @@
           <a:p>
             <a:r>
               <a:rPr lang="en-GB" sz="1400" dirty="0" smtClean="0"/>
-              <a:t>EGO &amp; Augmented </a:t>
-            </a:r>
-            <a:r>
-              <a:rPr lang="en-GB" sz="1400" dirty="0" smtClean="0"/>
-              <a:t>EXO-centric guidance</a:t>
+              <a:t>EGO &amp; Augmented EXO-centric guidance</a:t>
             </a:r>
             <a:endParaRPr lang="en-GB" sz="1400" dirty="0"/>
           </a:p>
@@ -30355,7 +31210,7 @@
           <a:p>
             <a:r>
               <a:rPr lang="en-GB" dirty="0" smtClean="0"/>
-              <a:t>50</a:t>
+              <a:t>45</a:t>
             </a:r>
             <a:endParaRPr lang="en-GB" dirty="0"/>
           </a:p>
@@ -30370,7 +31225,36 @@
         <p:spPr>
           <a:xfrm>
             <a:off x="8188569" y="2003095"/>
-            <a:ext cx="433754" cy="375138"/>
+            <a:ext cx="433754" cy="369332"/>
+          </a:xfrm>
+          <a:prstGeom prst="rect">
+            <a:avLst/>
+          </a:prstGeom>
+          <a:noFill/>
+        </p:spPr>
+        <p:txBody>
+          <a:bodyPr wrap="square" rtlCol="0">
+            <a:spAutoFit/>
+          </a:bodyPr>
+          <a:lstStyle/>
+          <a:p>
+            <a:r>
+              <a:rPr lang="en-GB" smtClean="0"/>
+              <a:t>45</a:t>
+            </a:r>
+          </a:p>
+        </p:txBody>
+      </p:sp>
+      <p:sp>
+        <p:nvSpPr>
+          <p:cNvPr id="45" name="TextBox 44"/>
+          <p:cNvSpPr txBox="1"/>
+          <p:nvPr/>
+        </p:nvSpPr>
+        <p:spPr>
+          <a:xfrm>
+            <a:off x="5581532" y="4467483"/>
+            <a:ext cx="566964" cy="369332"/>
           </a:xfrm>
           <a:prstGeom prst="rect">
             <a:avLst/>
@@ -30385,7 +31269,7 @@
           <a:p>
             <a:r>
               <a:rPr lang="en-GB" dirty="0" smtClean="0"/>
-              <a:t>50</a:t>
+              <a:t>120</a:t>
             </a:r>
             <a:endParaRPr lang="en-GB" dirty="0"/>
           </a:p>
@@ -30393,14 +31277,14 @@
       </p:sp>
       <p:sp>
         <p:nvSpPr>
-          <p:cNvPr id="45" name="TextBox 44"/>
+          <p:cNvPr id="47" name="TextBox 46"/>
           <p:cNvSpPr txBox="1"/>
           <p:nvPr/>
         </p:nvSpPr>
         <p:spPr>
           <a:xfrm>
-            <a:off x="5581532" y="4467483"/>
-            <a:ext cx="566964" cy="646331"/>
+            <a:off x="7256512" y="5469377"/>
+            <a:ext cx="433754" cy="369332"/>
           </a:xfrm>
           <a:prstGeom prst="rect">
             <a:avLst/>
@@ -30415,37 +31299,7 @@
           <a:p>
             <a:r>
               <a:rPr lang="en-GB" dirty="0" smtClean="0"/>
-              <a:t>127?</a:t>
-            </a:r>
-            <a:endParaRPr lang="en-GB" dirty="0"/>
-          </a:p>
-        </p:txBody>
-      </p:sp>
-      <p:sp>
-        <p:nvSpPr>
-          <p:cNvPr id="47" name="TextBox 46"/>
-          <p:cNvSpPr txBox="1"/>
-          <p:nvPr/>
-        </p:nvSpPr>
-        <p:spPr>
-          <a:xfrm>
-            <a:off x="7256512" y="5469377"/>
-            <a:ext cx="433754" cy="646331"/>
-          </a:xfrm>
-          <a:prstGeom prst="rect">
-            <a:avLst/>
-          </a:prstGeom>
-          <a:noFill/>
-        </p:spPr>
-        <p:txBody>
-          <a:bodyPr wrap="square" rtlCol="0">
-            <a:spAutoFit/>
-          </a:bodyPr>
-          <a:lstStyle/>
-          <a:p>
-            <a:r>
-              <a:rPr lang="en-GB" dirty="0" smtClean="0"/>
-              <a:t>72?</a:t>
+              <a:t>70</a:t>
             </a:r>
             <a:endParaRPr lang="en-GB" dirty="0"/>
           </a:p>
@@ -31062,7 +31916,7 @@
         <p:spPr>
           <a:xfrm>
             <a:off x="5505869" y="1863329"/>
-            <a:ext cx="586154" cy="646331"/>
+            <a:ext cx="586154" cy="369332"/>
           </a:xfrm>
           <a:prstGeom prst="rect">
             <a:avLst/>
@@ -31077,7 +31931,7 @@
           <a:p>
             <a:r>
               <a:rPr lang="en-GB" dirty="0" smtClean="0"/>
-              <a:t>270?</a:t>
+              <a:t>300</a:t>
             </a:r>
             <a:endParaRPr lang="en-GB" dirty="0"/>
           </a:p>
@@ -31166,7 +32020,7 @@
         <p:spPr>
           <a:xfrm>
             <a:off x="4678587" y="2962124"/>
-            <a:ext cx="586154" cy="646331"/>
+            <a:ext cx="586154" cy="369332"/>
           </a:xfrm>
           <a:prstGeom prst="rect">
             <a:avLst/>
@@ -31181,7 +32035,7 @@
           <a:p>
             <a:r>
               <a:rPr lang="en-GB" dirty="0" smtClean="0"/>
-              <a:t>270?</a:t>
+              <a:t>140</a:t>
             </a:r>
             <a:endParaRPr lang="en-GB" dirty="0"/>
           </a:p>
@@ -31196,7 +32050,7 @@
         <p:spPr>
           <a:xfrm>
             <a:off x="6594029" y="2990977"/>
-            <a:ext cx="586154" cy="646331"/>
+            <a:ext cx="586154" cy="369332"/>
           </a:xfrm>
           <a:prstGeom prst="rect">
             <a:avLst/>
@@ -31211,7 +32065,7 @@
           <a:p>
             <a:r>
               <a:rPr lang="en-GB" dirty="0" smtClean="0"/>
-              <a:t>270?</a:t>
+              <a:t>240</a:t>
             </a:r>
             <a:endParaRPr lang="en-GB" dirty="0"/>
           </a:p>
@@ -31294,66 +32148,6 @@
                 <a:srgbClr val="66FFCC"/>
               </a:solidFill>
             </a:endParaRPr>
-          </a:p>
-        </p:txBody>
-      </p:sp>
-      <p:sp>
-        <p:nvSpPr>
-          <p:cNvPr id="5" name="TextBox 4"/>
-          <p:cNvSpPr txBox="1"/>
-          <p:nvPr/>
-        </p:nvSpPr>
-        <p:spPr>
-          <a:xfrm>
-            <a:off x="2121877" y="3198031"/>
-            <a:ext cx="586154" cy="369332"/>
-          </a:xfrm>
-          <a:prstGeom prst="rect">
-            <a:avLst/>
-          </a:prstGeom>
-          <a:noFill/>
-        </p:spPr>
-        <p:txBody>
-          <a:bodyPr wrap="square" rtlCol="0">
-            <a:spAutoFit/>
-          </a:bodyPr>
-          <a:lstStyle/>
-          <a:p>
-            <a:r>
-              <a:rPr lang="en-GB" dirty="0" smtClean="0"/>
-              <a:t>400</a:t>
-            </a:r>
-            <a:endParaRPr lang="en-GB" dirty="0"/>
-          </a:p>
-        </p:txBody>
-      </p:sp>
-      <p:sp>
-        <p:nvSpPr>
-          <p:cNvPr id="6" name="TextBox 5"/>
-          <p:cNvSpPr txBox="1"/>
-          <p:nvPr/>
-        </p:nvSpPr>
-        <p:spPr>
-          <a:xfrm>
-            <a:off x="5562342" y="-187569"/>
-            <a:ext cx="586154" cy="369332"/>
-          </a:xfrm>
-          <a:prstGeom prst="rect">
-            <a:avLst/>
-          </a:prstGeom>
-          <a:noFill/>
-        </p:spPr>
-        <p:txBody>
-          <a:bodyPr wrap="square" rtlCol="0">
-            <a:spAutoFit/>
-          </a:bodyPr>
-          <a:lstStyle/>
-          <a:p>
-            <a:r>
-              <a:rPr lang="en-GB" dirty="0" smtClean="0"/>
-              <a:t>400</a:t>
-            </a:r>
-            <a:endParaRPr lang="en-GB" dirty="0"/>
           </a:p>
         </p:txBody>
       </p:sp>

--- a/figures/thesis_renderer.pptx
+++ b/figures/thesis_renderer.pptx
@@ -13,6 +13,7 @@
     <p:sldId id="262" r:id="rId7"/>
     <p:sldId id="259" r:id="rId8"/>
     <p:sldId id="258" r:id="rId9"/>
+    <p:sldId id="265" r:id="rId10"/>
   </p:sldIdLst>
   <p:sldSz cx="12192000" cy="6858000"/>
   <p:notesSz cx="6858000" cy="9144000"/>
@@ -250,7 +251,7 @@
           <a:p>
             <a:fld id="{6F5C24B8-440A-4F45-9B94-260AF1757692}" type="datetimeFigureOut">
               <a:rPr lang="en-GB" smtClean="0"/>
-              <a:t>23/02/2021</a:t>
+              <a:t>10/03/2021</a:t>
             </a:fld>
             <a:endParaRPr lang="en-GB" dirty="0"/>
           </a:p>
@@ -420,7 +421,7 @@
           <a:p>
             <a:fld id="{6F5C24B8-440A-4F45-9B94-260AF1757692}" type="datetimeFigureOut">
               <a:rPr lang="en-GB" smtClean="0"/>
-              <a:t>23/02/2021</a:t>
+              <a:t>10/03/2021</a:t>
             </a:fld>
             <a:endParaRPr lang="en-GB" dirty="0"/>
           </a:p>
@@ -600,7 +601,7 @@
           <a:p>
             <a:fld id="{6F5C24B8-440A-4F45-9B94-260AF1757692}" type="datetimeFigureOut">
               <a:rPr lang="en-GB" smtClean="0"/>
-              <a:t>23/02/2021</a:t>
+              <a:t>10/03/2021</a:t>
             </a:fld>
             <a:endParaRPr lang="en-GB" dirty="0"/>
           </a:p>
@@ -770,7 +771,7 @@
           <a:p>
             <a:fld id="{6F5C24B8-440A-4F45-9B94-260AF1757692}" type="datetimeFigureOut">
               <a:rPr lang="en-GB" smtClean="0"/>
-              <a:t>23/02/2021</a:t>
+              <a:t>10/03/2021</a:t>
             </a:fld>
             <a:endParaRPr lang="en-GB" dirty="0"/>
           </a:p>
@@ -1016,7 +1017,7 @@
           <a:p>
             <a:fld id="{6F5C24B8-440A-4F45-9B94-260AF1757692}" type="datetimeFigureOut">
               <a:rPr lang="en-GB" smtClean="0"/>
-              <a:t>23/02/2021</a:t>
+              <a:t>10/03/2021</a:t>
             </a:fld>
             <a:endParaRPr lang="en-GB" dirty="0"/>
           </a:p>
@@ -1248,7 +1249,7 @@
           <a:p>
             <a:fld id="{6F5C24B8-440A-4F45-9B94-260AF1757692}" type="datetimeFigureOut">
               <a:rPr lang="en-GB" smtClean="0"/>
-              <a:t>23/02/2021</a:t>
+              <a:t>10/03/2021</a:t>
             </a:fld>
             <a:endParaRPr lang="en-GB" dirty="0"/>
           </a:p>
@@ -1615,7 +1616,7 @@
           <a:p>
             <a:fld id="{6F5C24B8-440A-4F45-9B94-260AF1757692}" type="datetimeFigureOut">
               <a:rPr lang="en-GB" smtClean="0"/>
-              <a:t>23/02/2021</a:t>
+              <a:t>10/03/2021</a:t>
             </a:fld>
             <a:endParaRPr lang="en-GB" dirty="0"/>
           </a:p>
@@ -1733,7 +1734,7 @@
           <a:p>
             <a:fld id="{6F5C24B8-440A-4F45-9B94-260AF1757692}" type="datetimeFigureOut">
               <a:rPr lang="en-GB" smtClean="0"/>
-              <a:t>23/02/2021</a:t>
+              <a:t>10/03/2021</a:t>
             </a:fld>
             <a:endParaRPr lang="en-GB" dirty="0"/>
           </a:p>
@@ -1828,7 +1829,7 @@
           <a:p>
             <a:fld id="{6F5C24B8-440A-4F45-9B94-260AF1757692}" type="datetimeFigureOut">
               <a:rPr lang="en-GB" smtClean="0"/>
-              <a:t>23/02/2021</a:t>
+              <a:t>10/03/2021</a:t>
             </a:fld>
             <a:endParaRPr lang="en-GB" dirty="0"/>
           </a:p>
@@ -2105,7 +2106,7 @@
           <a:p>
             <a:fld id="{6F5C24B8-440A-4F45-9B94-260AF1757692}" type="datetimeFigureOut">
               <a:rPr lang="en-GB" smtClean="0"/>
-              <a:t>23/02/2021</a:t>
+              <a:t>10/03/2021</a:t>
             </a:fld>
             <a:endParaRPr lang="en-GB" dirty="0"/>
           </a:p>
@@ -2358,7 +2359,7 @@
           <a:p>
             <a:fld id="{6F5C24B8-440A-4F45-9B94-260AF1757692}" type="datetimeFigureOut">
               <a:rPr lang="en-GB" smtClean="0"/>
-              <a:t>23/02/2021</a:t>
+              <a:t>10/03/2021</a:t>
             </a:fld>
             <a:endParaRPr lang="en-GB" dirty="0"/>
           </a:p>
@@ -2571,7 +2572,7 @@
           <a:p>
             <a:fld id="{6F5C24B8-440A-4F45-9B94-260AF1757692}" type="datetimeFigureOut">
               <a:rPr lang="en-GB" smtClean="0"/>
-              <a:t>23/02/2021</a:t>
+              <a:t>10/03/2021</a:t>
             </a:fld>
             <a:endParaRPr lang="en-GB" dirty="0"/>
           </a:p>
@@ -33050,6 +33051,416 @@
 </p:sld>
 </file>
 
+<file path=ppt/slides/slide9.xml><?xml version="1.0" encoding="utf-8"?>
+<p:sld xmlns:a="http://schemas.openxmlformats.org/drawingml/2006/main" xmlns:r="http://schemas.openxmlformats.org/officeDocument/2006/relationships" xmlns:p="http://schemas.openxmlformats.org/presentationml/2006/main">
+  <p:cSld>
+    <p:spTree>
+      <p:nvGrpSpPr>
+        <p:cNvPr id="1" name=""/>
+        <p:cNvGrpSpPr/>
+        <p:nvPr/>
+      </p:nvGrpSpPr>
+      <p:grpSpPr>
+        <a:xfrm>
+          <a:off x="0" y="0"/>
+          <a:ext cx="0" cy="0"/>
+          <a:chOff x="0" y="0"/>
+          <a:chExt cx="0" cy="0"/>
+        </a:xfrm>
+      </p:grpSpPr>
+      <p:sp>
+        <p:nvSpPr>
+          <p:cNvPr id="6" name="Rectangle 5"/>
+          <p:cNvSpPr/>
+          <p:nvPr/>
+        </p:nvSpPr>
+        <p:spPr>
+          <a:xfrm>
+            <a:off x="5020961" y="3043881"/>
+            <a:ext cx="2346761" cy="1202055"/>
+          </a:xfrm>
+          <a:prstGeom prst="rect">
+            <a:avLst/>
+          </a:prstGeom>
+          <a:noFill/>
+          <a:ln w="44450">
+            <a:solidFill>
+              <a:schemeClr val="tx1"/>
+            </a:solidFill>
+          </a:ln>
+        </p:spPr>
+        <p:style>
+          <a:lnRef idx="2">
+            <a:schemeClr val="accent1">
+              <a:shade val="50000"/>
+            </a:schemeClr>
+          </a:lnRef>
+          <a:fillRef idx="1">
+            <a:schemeClr val="accent1"/>
+          </a:fillRef>
+          <a:effectRef idx="0">
+            <a:schemeClr val="accent1"/>
+          </a:effectRef>
+          <a:fontRef idx="minor">
+            <a:schemeClr val="lt1"/>
+          </a:fontRef>
+        </p:style>
+        <p:txBody>
+          <a:bodyPr rtlCol="0" anchor="ctr"/>
+          <a:lstStyle/>
+          <a:p>
+            <a:pPr algn="ctr"/>
+            <a:endParaRPr lang="en-GB"/>
+          </a:p>
+        </p:txBody>
+      </p:sp>
+      <p:sp>
+        <p:nvSpPr>
+          <p:cNvPr id="7" name="Rectangle 6"/>
+          <p:cNvSpPr/>
+          <p:nvPr/>
+        </p:nvSpPr>
+        <p:spPr>
+          <a:xfrm>
+            <a:off x="5020960" y="5296930"/>
+            <a:ext cx="2346761" cy="1202055"/>
+          </a:xfrm>
+          <a:prstGeom prst="rect">
+            <a:avLst/>
+          </a:prstGeom>
+          <a:noFill/>
+          <a:ln w="44450">
+            <a:solidFill>
+              <a:schemeClr val="tx1"/>
+            </a:solidFill>
+          </a:ln>
+        </p:spPr>
+        <p:style>
+          <a:lnRef idx="2">
+            <a:schemeClr val="accent1">
+              <a:shade val="50000"/>
+            </a:schemeClr>
+          </a:lnRef>
+          <a:fillRef idx="1">
+            <a:schemeClr val="accent1"/>
+          </a:fillRef>
+          <a:effectRef idx="0">
+            <a:schemeClr val="accent1"/>
+          </a:effectRef>
+          <a:fontRef idx="minor">
+            <a:schemeClr val="lt1"/>
+          </a:fontRef>
+        </p:style>
+        <p:txBody>
+          <a:bodyPr rtlCol="0" anchor="ctr"/>
+          <a:lstStyle/>
+          <a:p>
+            <a:pPr algn="ctr"/>
+            <a:endParaRPr lang="en-GB"/>
+          </a:p>
+        </p:txBody>
+      </p:sp>
+      <p:sp>
+        <p:nvSpPr>
+          <p:cNvPr id="8" name="Rectangle 7"/>
+          <p:cNvSpPr/>
+          <p:nvPr/>
+        </p:nvSpPr>
+        <p:spPr>
+          <a:xfrm>
+            <a:off x="395415" y="3043880"/>
+            <a:ext cx="2346761" cy="1202055"/>
+          </a:xfrm>
+          <a:prstGeom prst="rect">
+            <a:avLst/>
+          </a:prstGeom>
+          <a:noFill/>
+          <a:ln w="44450">
+            <a:solidFill>
+              <a:schemeClr val="tx1"/>
+            </a:solidFill>
+          </a:ln>
+        </p:spPr>
+        <p:style>
+          <a:lnRef idx="2">
+            <a:schemeClr val="accent1">
+              <a:shade val="50000"/>
+            </a:schemeClr>
+          </a:lnRef>
+          <a:fillRef idx="1">
+            <a:schemeClr val="accent1"/>
+          </a:fillRef>
+          <a:effectRef idx="0">
+            <a:schemeClr val="accent1"/>
+          </a:effectRef>
+          <a:fontRef idx="minor">
+            <a:schemeClr val="lt1"/>
+          </a:fontRef>
+        </p:style>
+        <p:txBody>
+          <a:bodyPr rtlCol="0" anchor="ctr"/>
+          <a:lstStyle/>
+          <a:p>
+            <a:pPr algn="ctr"/>
+            <a:endParaRPr lang="en-GB"/>
+          </a:p>
+        </p:txBody>
+      </p:sp>
+      <p:sp>
+        <p:nvSpPr>
+          <p:cNvPr id="9" name="Rectangle 8"/>
+          <p:cNvSpPr/>
+          <p:nvPr/>
+        </p:nvSpPr>
+        <p:spPr>
+          <a:xfrm>
+            <a:off x="9646507" y="3043881"/>
+            <a:ext cx="2346761" cy="1202055"/>
+          </a:xfrm>
+          <a:prstGeom prst="rect">
+            <a:avLst/>
+          </a:prstGeom>
+          <a:noFill/>
+          <a:ln w="44450">
+            <a:solidFill>
+              <a:schemeClr val="tx1"/>
+            </a:solidFill>
+          </a:ln>
+        </p:spPr>
+        <p:style>
+          <a:lnRef idx="2">
+            <a:schemeClr val="accent1">
+              <a:shade val="50000"/>
+            </a:schemeClr>
+          </a:lnRef>
+          <a:fillRef idx="1">
+            <a:schemeClr val="accent1"/>
+          </a:fillRef>
+          <a:effectRef idx="0">
+            <a:schemeClr val="accent1"/>
+          </a:effectRef>
+          <a:fontRef idx="minor">
+            <a:schemeClr val="lt1"/>
+          </a:fontRef>
+        </p:style>
+        <p:txBody>
+          <a:bodyPr rtlCol="0" anchor="ctr"/>
+          <a:lstStyle/>
+          <a:p>
+            <a:pPr algn="ctr"/>
+            <a:endParaRPr lang="en-GB"/>
+          </a:p>
+        </p:txBody>
+      </p:sp>
+      <p:sp>
+        <p:nvSpPr>
+          <p:cNvPr id="10" name="Rectangle 9"/>
+          <p:cNvSpPr/>
+          <p:nvPr/>
+        </p:nvSpPr>
+        <p:spPr>
+          <a:xfrm>
+            <a:off x="5020960" y="74141"/>
+            <a:ext cx="2346761" cy="1202055"/>
+          </a:xfrm>
+          <a:prstGeom prst="rect">
+            <a:avLst/>
+          </a:prstGeom>
+          <a:noFill/>
+          <a:ln w="44450">
+            <a:solidFill>
+              <a:schemeClr val="tx1"/>
+            </a:solidFill>
+          </a:ln>
+        </p:spPr>
+        <p:style>
+          <a:lnRef idx="2">
+            <a:schemeClr val="accent1">
+              <a:shade val="50000"/>
+            </a:schemeClr>
+          </a:lnRef>
+          <a:fillRef idx="1">
+            <a:schemeClr val="accent1"/>
+          </a:fillRef>
+          <a:effectRef idx="0">
+            <a:schemeClr val="accent1"/>
+          </a:effectRef>
+          <a:fontRef idx="minor">
+            <a:schemeClr val="lt1"/>
+          </a:fontRef>
+        </p:style>
+        <p:txBody>
+          <a:bodyPr rtlCol="0" anchor="ctr"/>
+          <a:lstStyle/>
+          <a:p>
+            <a:pPr algn="ctr"/>
+            <a:endParaRPr lang="en-GB"/>
+          </a:p>
+        </p:txBody>
+      </p:sp>
+      <p:sp>
+        <p:nvSpPr>
+          <p:cNvPr id="11" name="TextBox 10"/>
+          <p:cNvSpPr txBox="1"/>
+          <p:nvPr/>
+        </p:nvSpPr>
+        <p:spPr>
+          <a:xfrm>
+            <a:off x="5429250" y="3460242"/>
+            <a:ext cx="1666875" cy="369332"/>
+          </a:xfrm>
+          <a:prstGeom prst="rect">
+            <a:avLst/>
+          </a:prstGeom>
+          <a:noFill/>
+        </p:spPr>
+        <p:txBody>
+          <a:bodyPr wrap="square" rtlCol="0">
+            <a:spAutoFit/>
+          </a:bodyPr>
+          <a:lstStyle/>
+          <a:p>
+            <a:r>
+              <a:rPr lang="en-GB" dirty="0" smtClean="0"/>
+              <a:t>Learner/GV 0</a:t>
+            </a:r>
+            <a:endParaRPr lang="en-GB" dirty="0"/>
+          </a:p>
+        </p:txBody>
+      </p:sp>
+      <p:sp>
+        <p:nvSpPr>
+          <p:cNvPr id="12" name="TextBox 11"/>
+          <p:cNvSpPr txBox="1"/>
+          <p:nvPr/>
+        </p:nvSpPr>
+        <p:spPr>
+          <a:xfrm>
+            <a:off x="735357" y="3460242"/>
+            <a:ext cx="1666875" cy="369332"/>
+          </a:xfrm>
+          <a:prstGeom prst="rect">
+            <a:avLst/>
+          </a:prstGeom>
+          <a:noFill/>
+        </p:spPr>
+        <p:txBody>
+          <a:bodyPr wrap="square" rtlCol="0">
+            <a:spAutoFit/>
+          </a:bodyPr>
+          <a:lstStyle/>
+          <a:p>
+            <a:r>
+              <a:rPr lang="en-GB" dirty="0" smtClean="0"/>
+              <a:t>Learner/GV 2</a:t>
+            </a:r>
+            <a:endParaRPr lang="en-GB" dirty="0"/>
+          </a:p>
+        </p:txBody>
+      </p:sp>
+      <p:sp>
+        <p:nvSpPr>
+          <p:cNvPr id="13" name="TextBox 12"/>
+          <p:cNvSpPr txBox="1"/>
+          <p:nvPr/>
+        </p:nvSpPr>
+        <p:spPr>
+          <a:xfrm>
+            <a:off x="9986449" y="3460242"/>
+            <a:ext cx="1666875" cy="369332"/>
+          </a:xfrm>
+          <a:prstGeom prst="rect">
+            <a:avLst/>
+          </a:prstGeom>
+          <a:noFill/>
+        </p:spPr>
+        <p:txBody>
+          <a:bodyPr wrap="square" rtlCol="0">
+            <a:spAutoFit/>
+          </a:bodyPr>
+          <a:lstStyle/>
+          <a:p>
+            <a:r>
+              <a:rPr lang="en-GB" dirty="0" smtClean="0"/>
+              <a:t>Learner/GV 3</a:t>
+            </a:r>
+            <a:endParaRPr lang="en-GB" dirty="0"/>
+          </a:p>
+        </p:txBody>
+      </p:sp>
+      <p:sp>
+        <p:nvSpPr>
+          <p:cNvPr id="14" name="TextBox 13"/>
+          <p:cNvSpPr txBox="1"/>
+          <p:nvPr/>
+        </p:nvSpPr>
+        <p:spPr>
+          <a:xfrm>
+            <a:off x="5429249" y="490502"/>
+            <a:ext cx="1666875" cy="369332"/>
+          </a:xfrm>
+          <a:prstGeom prst="rect">
+            <a:avLst/>
+          </a:prstGeom>
+          <a:noFill/>
+        </p:spPr>
+        <p:txBody>
+          <a:bodyPr wrap="square" rtlCol="0">
+            <a:spAutoFit/>
+          </a:bodyPr>
+          <a:lstStyle/>
+          <a:p>
+            <a:r>
+              <a:rPr lang="en-GB" dirty="0" smtClean="0"/>
+              <a:t>Learner/GV 4</a:t>
+            </a:r>
+            <a:endParaRPr lang="en-GB" dirty="0"/>
+          </a:p>
+        </p:txBody>
+      </p:sp>
+      <p:sp>
+        <p:nvSpPr>
+          <p:cNvPr id="15" name="TextBox 14"/>
+          <p:cNvSpPr txBox="1"/>
+          <p:nvPr/>
+        </p:nvSpPr>
+        <p:spPr>
+          <a:xfrm>
+            <a:off x="5429249" y="5828955"/>
+            <a:ext cx="1666875" cy="369332"/>
+          </a:xfrm>
+          <a:prstGeom prst="rect">
+            <a:avLst/>
+          </a:prstGeom>
+          <a:noFill/>
+        </p:spPr>
+        <p:txBody>
+          <a:bodyPr wrap="square" rtlCol="0">
+            <a:spAutoFit/>
+          </a:bodyPr>
+          <a:lstStyle/>
+          <a:p>
+            <a:r>
+              <a:rPr lang="en-GB" dirty="0" smtClean="0"/>
+              <a:t>Learner/GV 1</a:t>
+            </a:r>
+            <a:endParaRPr lang="en-GB" dirty="0"/>
+          </a:p>
+        </p:txBody>
+      </p:sp>
+    </p:spTree>
+    <p:extLst>
+      <p:ext uri="{BB962C8B-B14F-4D97-AF65-F5344CB8AC3E}">
+        <p14:creationId xmlns:p14="http://schemas.microsoft.com/office/powerpoint/2010/main" val="2708319447"/>
+      </p:ext>
+    </p:extLst>
+  </p:cSld>
+  <p:clrMapOvr>
+    <a:masterClrMapping/>
+  </p:clrMapOvr>
+</p:sld>
+</file>
+
 <file path=ppt/theme/theme1.xml><?xml version="1.0" encoding="utf-8"?>
 <a:theme xmlns:a="http://schemas.openxmlformats.org/drawingml/2006/main" name="Office Theme">
   <a:themeElements>
